--- a/Report/rep_11_4_21.pptx
+++ b/Report/rep_11_4_21.pptx
@@ -119,6 +119,11 @@
       </a:defRPr>
     </a:lvl9pPr>
   </p:defaultTextStyle>
+  <p:extLst>
+    <p:ext uri="{EFAFB233-063F-42B5-8137-9DF3F51BA10A}">
+      <p15:sldGuideLst xmlns:p15="http://schemas.microsoft.com/office/powerpoint/2012/main"/>
+    </p:ext>
+  </p:extLst>
 </p:presentation>
 </file>
 
@@ -135,18 +140,18 @@
   <pc:docChgLst>
     <pc:chgData name="Saadati Fard, Reza" userId="25acf688-aded-4b6f-af4e-29555bb6f857" providerId="ADAL" clId="{CFC7434E-CC70-4044-A267-E6F671BDFB5F}"/>
     <pc:docChg chg="undo custSel addSld delSld modSld sldOrd">
-      <pc:chgData name="Saadati Fard, Reza" userId="25acf688-aded-4b6f-af4e-29555bb6f857" providerId="ADAL" clId="{CFC7434E-CC70-4044-A267-E6F671BDFB5F}" dt="2021-11-04T19:21:36.042" v="599" actId="20577"/>
+      <pc:chgData name="Saadati Fard, Reza" userId="25acf688-aded-4b6f-af4e-29555bb6f857" providerId="ADAL" clId="{CFC7434E-CC70-4044-A267-E6F671BDFB5F}" dt="2021-11-04T19:26:54.583" v="602" actId="20577"/>
       <pc:docMkLst>
         <pc:docMk/>
       </pc:docMkLst>
       <pc:sldChg chg="modSp new mod">
-        <pc:chgData name="Saadati Fard, Reza" userId="25acf688-aded-4b6f-af4e-29555bb6f857" providerId="ADAL" clId="{CFC7434E-CC70-4044-A267-E6F671BDFB5F}" dt="2021-11-04T19:14:05.736" v="419" actId="20577"/>
+        <pc:chgData name="Saadati Fard, Reza" userId="25acf688-aded-4b6f-af4e-29555bb6f857" providerId="ADAL" clId="{CFC7434E-CC70-4044-A267-E6F671BDFB5F}" dt="2021-11-04T19:26:54.583" v="602" actId="20577"/>
         <pc:sldMkLst>
           <pc:docMk/>
           <pc:sldMk cId="1104968525" sldId="256"/>
         </pc:sldMkLst>
         <pc:spChg chg="mod">
-          <ac:chgData name="Saadati Fard, Reza" userId="25acf688-aded-4b6f-af4e-29555bb6f857" providerId="ADAL" clId="{CFC7434E-CC70-4044-A267-E6F671BDFB5F}" dt="2021-11-04T19:14:05.736" v="419" actId="20577"/>
+          <ac:chgData name="Saadati Fard, Reza" userId="25acf688-aded-4b6f-af4e-29555bb6f857" providerId="ADAL" clId="{CFC7434E-CC70-4044-A267-E6F671BDFB5F}" dt="2021-11-04T19:26:54.583" v="602" actId="20577"/>
           <ac:spMkLst>
             <pc:docMk/>
             <pc:sldMk cId="1104968525" sldId="256"/>
@@ -4687,8 +4692,8 @@
           <a:lstStyle/>
           <a:p>
             <a:r>
-              <a:rPr lang="en-US" dirty="0"/>
-              <a:t>Only Updating </a:t>
+              <a:rPr lang="en-US"/>
+              <a:t>Updating </a:t>
             </a:r>
             <a:r>
               <a:rPr lang="en-US" dirty="0">

--- a/Report/rep_11_4_21.pptx
+++ b/Report/rep_11_4_21.pptx
@@ -21,6 +21,19 @@
     <p:sldId id="270" r:id="rId15"/>
     <p:sldId id="265" r:id="rId16"/>
     <p:sldId id="269" r:id="rId17"/>
+    <p:sldId id="275" r:id="rId18"/>
+    <p:sldId id="276" r:id="rId19"/>
+    <p:sldId id="277" r:id="rId20"/>
+    <p:sldId id="278" r:id="rId21"/>
+    <p:sldId id="279" r:id="rId22"/>
+    <p:sldId id="280" r:id="rId23"/>
+    <p:sldId id="281" r:id="rId24"/>
+    <p:sldId id="282" r:id="rId25"/>
+    <p:sldId id="283" r:id="rId26"/>
+    <p:sldId id="284" r:id="rId27"/>
+    <p:sldId id="285" r:id="rId28"/>
+    <p:sldId id="287" r:id="rId29"/>
+    <p:sldId id="286" r:id="rId30"/>
   </p:sldIdLst>
   <p:sldSz cx="12192000" cy="6858000"/>
   <p:notesSz cx="6858000" cy="9144000"/>
@@ -130,7 +143,7 @@
 <file path=ppt/revisionInfo.xml><?xml version="1.0" encoding="utf-8"?>
 <p1510:revInfo xmlns:a="http://schemas.openxmlformats.org/drawingml/2006/main" xmlns:r="http://schemas.openxmlformats.org/officeDocument/2006/relationships" xmlns:p1510="http://schemas.microsoft.com/office/powerpoint/2015/10/main">
   <p1510:revLst>
-    <p1510:client id="{CFC7434E-CC70-4044-A267-E6F671BDFB5F}" v="42" dt="2021-11-04T19:21:15.731"/>
+    <p1510:client id="{CFC7434E-CC70-4044-A267-E6F671BDFB5F}" v="107" dt="2021-11-05T17:03:51.096"/>
   </p1510:revLst>
 </p1510:revInfo>
 </file>
@@ -140,7 +153,7 @@
   <pc:docChgLst>
     <pc:chgData name="Saadati Fard, Reza" userId="25acf688-aded-4b6f-af4e-29555bb6f857" providerId="ADAL" clId="{CFC7434E-CC70-4044-A267-E6F671BDFB5F}"/>
     <pc:docChg chg="undo custSel addSld delSld modSld sldOrd">
-      <pc:chgData name="Saadati Fard, Reza" userId="25acf688-aded-4b6f-af4e-29555bb6f857" providerId="ADAL" clId="{CFC7434E-CC70-4044-A267-E6F671BDFB5F}" dt="2021-11-04T19:26:54.583" v="602" actId="20577"/>
+      <pc:chgData name="Saadati Fard, Reza" userId="25acf688-aded-4b6f-af4e-29555bb6f857" providerId="ADAL" clId="{CFC7434E-CC70-4044-A267-E6F671BDFB5F}" dt="2021-11-05T17:08:16.186" v="1354" actId="1076"/>
       <pc:docMkLst>
         <pc:docMk/>
       </pc:docMkLst>
@@ -1046,14 +1059,14 @@
           </ac:picMkLst>
         </pc:picChg>
       </pc:sldChg>
-      <pc:sldChg chg="addSp delSp modSp new mod">
-        <pc:chgData name="Saadati Fard, Reza" userId="25acf688-aded-4b6f-af4e-29555bb6f857" providerId="ADAL" clId="{CFC7434E-CC70-4044-A267-E6F671BDFB5F}" dt="2021-11-04T19:07:45.762" v="264" actId="1076"/>
+      <pc:sldChg chg="addSp delSp modSp new add del mod">
+        <pc:chgData name="Saadati Fard, Reza" userId="25acf688-aded-4b6f-af4e-29555bb6f857" providerId="ADAL" clId="{CFC7434E-CC70-4044-A267-E6F671BDFB5F}" dt="2021-11-05T01:16:22.309" v="683" actId="1076"/>
         <pc:sldMkLst>
           <pc:docMk/>
           <pc:sldMk cId="1700535886" sldId="265"/>
         </pc:sldMkLst>
         <pc:spChg chg="mod">
-          <ac:chgData name="Saadati Fard, Reza" userId="25acf688-aded-4b6f-af4e-29555bb6f857" providerId="ADAL" clId="{CFC7434E-CC70-4044-A267-E6F671BDFB5F}" dt="2021-11-04T18:09:52.573" v="174" actId="20577"/>
+          <ac:chgData name="Saadati Fard, Reza" userId="25acf688-aded-4b6f-af4e-29555bb6f857" providerId="ADAL" clId="{CFC7434E-CC70-4044-A267-E6F671BDFB5F}" dt="2021-11-05T00:25:17.182" v="606"/>
           <ac:spMkLst>
             <pc:docMk/>
             <pc:sldMk cId="1700535886" sldId="265"/>
@@ -1068,20 +1081,36 @@
             <ac:spMk id="3" creationId="{9C8677B5-2187-4124-BC51-80038AA46C4B}"/>
           </ac:spMkLst>
         </pc:spChg>
-        <pc:picChg chg="add mod ord">
-          <ac:chgData name="Saadati Fard, Reza" userId="25acf688-aded-4b6f-af4e-29555bb6f857" providerId="ADAL" clId="{CFC7434E-CC70-4044-A267-E6F671BDFB5F}" dt="2021-11-04T19:07:44.706" v="263" actId="1076"/>
+        <pc:spChg chg="add del mod">
+          <ac:chgData name="Saadati Fard, Reza" userId="25acf688-aded-4b6f-af4e-29555bb6f857" providerId="ADAL" clId="{CFC7434E-CC70-4044-A267-E6F671BDFB5F}" dt="2021-11-05T01:16:16.773" v="680" actId="478"/>
+          <ac:spMkLst>
+            <pc:docMk/>
+            <pc:sldMk cId="1700535886" sldId="265"/>
+            <ac:spMk id="4" creationId="{08578C3A-3A76-49C6-9230-5F5A09A5BEA8}"/>
+          </ac:spMkLst>
+        </pc:spChg>
+        <pc:picChg chg="add del mod ord">
+          <ac:chgData name="Saadati Fard, Reza" userId="25acf688-aded-4b6f-af4e-29555bb6f857" providerId="ADAL" clId="{CFC7434E-CC70-4044-A267-E6F671BDFB5F}" dt="2021-11-05T01:16:02.060" v="677" actId="478"/>
           <ac:picMkLst>
             <pc:docMk/>
             <pc:sldMk cId="1700535886" sldId="265"/>
             <ac:picMk id="5" creationId="{2116B283-F63B-4872-A902-51CC6A18175A}"/>
           </ac:picMkLst>
         </pc:picChg>
-        <pc:picChg chg="add mod">
-          <ac:chgData name="Saadati Fard, Reza" userId="25acf688-aded-4b6f-af4e-29555bb6f857" providerId="ADAL" clId="{CFC7434E-CC70-4044-A267-E6F671BDFB5F}" dt="2021-11-04T19:07:45.762" v="264" actId="1076"/>
+        <pc:picChg chg="add del mod">
+          <ac:chgData name="Saadati Fard, Reza" userId="25acf688-aded-4b6f-af4e-29555bb6f857" providerId="ADAL" clId="{CFC7434E-CC70-4044-A267-E6F671BDFB5F}" dt="2021-11-05T01:16:18.805" v="681" actId="478"/>
           <ac:picMkLst>
             <pc:docMk/>
             <pc:sldMk cId="1700535886" sldId="265"/>
             <ac:picMk id="7" creationId="{8E9060B4-8696-4C81-8C4C-D72941C897C7}"/>
+          </ac:picMkLst>
+        </pc:picChg>
+        <pc:picChg chg="add mod">
+          <ac:chgData name="Saadati Fard, Reza" userId="25acf688-aded-4b6f-af4e-29555bb6f857" providerId="ADAL" clId="{CFC7434E-CC70-4044-A267-E6F671BDFB5F}" dt="2021-11-05T01:16:05.317" v="679" actId="1076"/>
+          <ac:picMkLst>
+            <pc:docMk/>
+            <pc:sldMk cId="1700535886" sldId="265"/>
+            <ac:picMk id="8" creationId="{F008D75F-D987-448E-92DA-6B689BEFFCB0}"/>
           </ac:picMkLst>
         </pc:picChg>
         <pc:picChg chg="add del mod">
@@ -1090,6 +1119,14 @@
             <pc:docMk/>
             <pc:sldMk cId="1700535886" sldId="265"/>
             <ac:picMk id="9" creationId="{41B261B0-68C9-4FD7-99EF-82D067A64635}"/>
+          </ac:picMkLst>
+        </pc:picChg>
+        <pc:picChg chg="add mod">
+          <ac:chgData name="Saadati Fard, Reza" userId="25acf688-aded-4b6f-af4e-29555bb6f857" providerId="ADAL" clId="{CFC7434E-CC70-4044-A267-E6F671BDFB5F}" dt="2021-11-05T01:16:22.309" v="683" actId="1076"/>
+          <ac:picMkLst>
+            <pc:docMk/>
+            <pc:sldMk cId="1700535886" sldId="265"/>
+            <ac:picMk id="10" creationId="{34018263-AD90-41A4-82F6-AA2404A1D133}"/>
           </ac:picMkLst>
         </pc:picChg>
         <pc:picChg chg="add del mod">
@@ -1110,13 +1147,13 @@
         </pc:picChg>
       </pc:sldChg>
       <pc:sldChg chg="addSp delSp modSp new mod">
-        <pc:chgData name="Saadati Fard, Reza" userId="25acf688-aded-4b6f-af4e-29555bb6f857" providerId="ADAL" clId="{CFC7434E-CC70-4044-A267-E6F671BDFB5F}" dt="2021-11-04T19:08:37.642" v="282" actId="478"/>
+        <pc:chgData name="Saadati Fard, Reza" userId="25acf688-aded-4b6f-af4e-29555bb6f857" providerId="ADAL" clId="{CFC7434E-CC70-4044-A267-E6F671BDFB5F}" dt="2021-11-05T00:25:13.795" v="605"/>
         <pc:sldMkLst>
           <pc:docMk/>
           <pc:sldMk cId="2591709124" sldId="266"/>
         </pc:sldMkLst>
         <pc:spChg chg="mod">
-          <ac:chgData name="Saadati Fard, Reza" userId="25acf688-aded-4b6f-af4e-29555bb6f857" providerId="ADAL" clId="{CFC7434E-CC70-4044-A267-E6F671BDFB5F}" dt="2021-11-04T18:11:45.323" v="196" actId="20577"/>
+          <ac:chgData name="Saadati Fard, Reza" userId="25acf688-aded-4b6f-af4e-29555bb6f857" providerId="ADAL" clId="{CFC7434E-CC70-4044-A267-E6F671BDFB5F}" dt="2021-11-05T00:25:13.795" v="605"/>
           <ac:spMkLst>
             <pc:docMk/>
             <pc:sldMk cId="2591709124" sldId="266"/>
@@ -1165,13 +1202,13 @@
         </pc:picChg>
       </pc:sldChg>
       <pc:sldChg chg="addSp delSp modSp new mod">
-        <pc:chgData name="Saadati Fard, Reza" userId="25acf688-aded-4b6f-af4e-29555bb6f857" providerId="ADAL" clId="{CFC7434E-CC70-4044-A267-E6F671BDFB5F}" dt="2021-11-04T19:08:13.227" v="272" actId="1076"/>
+        <pc:chgData name="Saadati Fard, Reza" userId="25acf688-aded-4b6f-af4e-29555bb6f857" providerId="ADAL" clId="{CFC7434E-CC70-4044-A267-E6F671BDFB5F}" dt="2021-11-05T02:04:58.778" v="692"/>
         <pc:sldMkLst>
           <pc:docMk/>
           <pc:sldMk cId="2399659899" sldId="267"/>
         </pc:sldMkLst>
         <pc:spChg chg="mod">
-          <ac:chgData name="Saadati Fard, Reza" userId="25acf688-aded-4b6f-af4e-29555bb6f857" providerId="ADAL" clId="{CFC7434E-CC70-4044-A267-E6F671BDFB5F}" dt="2021-11-04T18:58:36.821" v="225" actId="20577"/>
+          <ac:chgData name="Saadati Fard, Reza" userId="25acf688-aded-4b6f-af4e-29555bb6f857" providerId="ADAL" clId="{CFC7434E-CC70-4044-A267-E6F671BDFB5F}" dt="2021-11-05T02:04:58.778" v="692"/>
           <ac:spMkLst>
             <pc:docMk/>
             <pc:sldMk cId="2399659899" sldId="267"/>
@@ -1228,13 +1265,13 @@
         </pc:picChg>
       </pc:sldChg>
       <pc:sldChg chg="addSp delSp modSp new mod">
-        <pc:chgData name="Saadati Fard, Reza" userId="25acf688-aded-4b6f-af4e-29555bb6f857" providerId="ADAL" clId="{CFC7434E-CC70-4044-A267-E6F671BDFB5F}" dt="2021-11-04T19:09:09.377" v="294" actId="1076"/>
+        <pc:chgData name="Saadati Fard, Reza" userId="25acf688-aded-4b6f-af4e-29555bb6f857" providerId="ADAL" clId="{CFC7434E-CC70-4044-A267-E6F671BDFB5F}" dt="2021-11-05T00:25:10.605" v="604"/>
         <pc:sldMkLst>
           <pc:docMk/>
           <pc:sldMk cId="1665342663" sldId="268"/>
         </pc:sldMkLst>
         <pc:spChg chg="mod">
-          <ac:chgData name="Saadati Fard, Reza" userId="25acf688-aded-4b6f-af4e-29555bb6f857" providerId="ADAL" clId="{CFC7434E-CC70-4044-A267-E6F671BDFB5F}" dt="2021-11-04T18:59:04.751" v="241" actId="20577"/>
+          <ac:chgData name="Saadati Fard, Reza" userId="25acf688-aded-4b6f-af4e-29555bb6f857" providerId="ADAL" clId="{CFC7434E-CC70-4044-A267-E6F671BDFB5F}" dt="2021-11-05T00:25:10.605" v="604"/>
           <ac:spMkLst>
             <pc:docMk/>
             <pc:sldMk cId="1665342663" sldId="268"/>
@@ -1283,7 +1320,7 @@
         </pc:picChg>
       </pc:sldChg>
       <pc:sldChg chg="addSp delSp modSp new mod">
-        <pc:chgData name="Saadati Fard, Reza" userId="25acf688-aded-4b6f-af4e-29555bb6f857" providerId="ADAL" clId="{CFC7434E-CC70-4044-A267-E6F671BDFB5F}" dt="2021-11-04T19:09:57.721" v="297" actId="478"/>
+        <pc:chgData name="Saadati Fard, Reza" userId="25acf688-aded-4b6f-af4e-29555bb6f857" providerId="ADAL" clId="{CFC7434E-CC70-4044-A267-E6F671BDFB5F}" dt="2021-11-05T01:17:22.899" v="689" actId="1076"/>
         <pc:sldMkLst>
           <pc:docMk/>
           <pc:sldMk cId="792685433" sldId="269"/>
@@ -1305,19 +1342,35 @@
           </ac:spMkLst>
         </pc:spChg>
         <pc:picChg chg="add mod">
-          <ac:chgData name="Saadati Fard, Reza" userId="25acf688-aded-4b6f-af4e-29555bb6f857" providerId="ADAL" clId="{CFC7434E-CC70-4044-A267-E6F671BDFB5F}" dt="2021-11-04T19:07:30.482" v="258" actId="1076"/>
+          <ac:chgData name="Saadati Fard, Reza" userId="25acf688-aded-4b6f-af4e-29555bb6f857" providerId="ADAL" clId="{CFC7434E-CC70-4044-A267-E6F671BDFB5F}" dt="2021-11-05T01:17:10.892" v="686" actId="1076"/>
+          <ac:picMkLst>
+            <pc:docMk/>
+            <pc:sldMk cId="792685433" sldId="269"/>
+            <ac:picMk id="3" creationId="{43710650-8C57-4249-8907-6F9C4B9F0A5C}"/>
+          </ac:picMkLst>
+        </pc:picChg>
+        <pc:picChg chg="add del mod">
+          <ac:chgData name="Saadati Fard, Reza" userId="25acf688-aded-4b6f-af4e-29555bb6f857" providerId="ADAL" clId="{CFC7434E-CC70-4044-A267-E6F671BDFB5F}" dt="2021-11-05T01:17:12.276" v="687" actId="478"/>
           <ac:picMkLst>
             <pc:docMk/>
             <pc:sldMk cId="792685433" sldId="269"/>
             <ac:picMk id="4" creationId="{A4A438F5-0970-4C35-A98B-6E977B78762B}"/>
           </ac:picMkLst>
         </pc:picChg>
-        <pc:picChg chg="add mod">
-          <ac:chgData name="Saadati Fard, Reza" userId="25acf688-aded-4b6f-af4e-29555bb6f857" providerId="ADAL" clId="{CFC7434E-CC70-4044-A267-E6F671BDFB5F}" dt="2021-11-04T19:07:40.811" v="261" actId="1076"/>
+        <pc:picChg chg="add del mod">
+          <ac:chgData name="Saadati Fard, Reza" userId="25acf688-aded-4b6f-af4e-29555bb6f857" providerId="ADAL" clId="{CFC7434E-CC70-4044-A267-E6F671BDFB5F}" dt="2021-11-05T01:17:07.765" v="684" actId="478"/>
           <ac:picMkLst>
             <pc:docMk/>
             <pc:sldMk cId="792685433" sldId="269"/>
             <ac:picMk id="5" creationId="{0CD341E1-E756-42F5-929D-CD61B6E3538A}"/>
+          </ac:picMkLst>
+        </pc:picChg>
+        <pc:picChg chg="add mod">
+          <ac:chgData name="Saadati Fard, Reza" userId="25acf688-aded-4b6f-af4e-29555bb6f857" providerId="ADAL" clId="{CFC7434E-CC70-4044-A267-E6F671BDFB5F}" dt="2021-11-05T01:17:22.899" v="689" actId="1076"/>
+          <ac:picMkLst>
+            <pc:docMk/>
+            <pc:sldMk cId="792685433" sldId="269"/>
+            <ac:picMk id="7" creationId="{61501763-108C-463E-8905-4954DDCD49B8}"/>
           </ac:picMkLst>
         </pc:picChg>
       </pc:sldChg>
@@ -1429,7 +1482,7 @@
         </pc:graphicFrameChg>
       </pc:sldChg>
       <pc:sldChg chg="addSp delSp modSp new mod">
-        <pc:chgData name="Saadati Fard, Reza" userId="25acf688-aded-4b6f-af4e-29555bb6f857" providerId="ADAL" clId="{CFC7434E-CC70-4044-A267-E6F671BDFB5F}" dt="2021-11-04T19:20:38.901" v="590" actId="20577"/>
+        <pc:chgData name="Saadati Fard, Reza" userId="25acf688-aded-4b6f-af4e-29555bb6f857" providerId="ADAL" clId="{CFC7434E-CC70-4044-A267-E6F671BDFB5F}" dt="2021-11-05T02:06:41.939" v="723" actId="20577"/>
         <pc:sldMkLst>
           <pc:docMk/>
           <pc:sldMk cId="1644542592" sldId="274"/>
@@ -1443,13 +1496,424 @@
           </ac:spMkLst>
         </pc:spChg>
         <pc:graphicFrameChg chg="add mod modGraphic">
-          <ac:chgData name="Saadati Fard, Reza" userId="25acf688-aded-4b6f-af4e-29555bb6f857" providerId="ADAL" clId="{CFC7434E-CC70-4044-A267-E6F671BDFB5F}" dt="2021-11-04T19:20:38.901" v="590" actId="20577"/>
+          <ac:chgData name="Saadati Fard, Reza" userId="25acf688-aded-4b6f-af4e-29555bb6f857" providerId="ADAL" clId="{CFC7434E-CC70-4044-A267-E6F671BDFB5F}" dt="2021-11-05T02:06:41.939" v="723" actId="20577"/>
           <ac:graphicFrameMkLst>
             <pc:docMk/>
             <pc:sldMk cId="1644542592" sldId="274"/>
             <ac:graphicFrameMk id="4" creationId="{DAD062FB-071B-46BB-96BD-0A13B2CDE7F6}"/>
           </ac:graphicFrameMkLst>
         </pc:graphicFrameChg>
+      </pc:sldChg>
+      <pc:sldChg chg="addSp delSp modSp new mod">
+        <pc:chgData name="Saadati Fard, Reza" userId="25acf688-aded-4b6f-af4e-29555bb6f857" providerId="ADAL" clId="{CFC7434E-CC70-4044-A267-E6F671BDFB5F}" dt="2021-11-05T00:38:38.325" v="647" actId="21"/>
+        <pc:sldMkLst>
+          <pc:docMk/>
+          <pc:sldMk cId="1850423462" sldId="275"/>
+        </pc:sldMkLst>
+        <pc:spChg chg="mod">
+          <ac:chgData name="Saadati Fard, Reza" userId="25acf688-aded-4b6f-af4e-29555bb6f857" providerId="ADAL" clId="{CFC7434E-CC70-4044-A267-E6F671BDFB5F}" dt="2021-11-05T00:38:38.325" v="647" actId="21"/>
+          <ac:spMkLst>
+            <pc:docMk/>
+            <pc:sldMk cId="1850423462" sldId="275"/>
+            <ac:spMk id="2" creationId="{FA6DF249-E61E-4790-BE3F-FF86EF917A16}"/>
+          </ac:spMkLst>
+        </pc:spChg>
+        <pc:spChg chg="del">
+          <ac:chgData name="Saadati Fard, Reza" userId="25acf688-aded-4b6f-af4e-29555bb6f857" providerId="ADAL" clId="{CFC7434E-CC70-4044-A267-E6F671BDFB5F}" dt="2021-11-05T00:25:42.297" v="631" actId="478"/>
+          <ac:spMkLst>
+            <pc:docMk/>
+            <pc:sldMk cId="1850423462" sldId="275"/>
+            <ac:spMk id="3" creationId="{2536EE5C-705D-4A84-B94A-CC486F988DCE}"/>
+          </ac:spMkLst>
+        </pc:spChg>
+        <pc:picChg chg="add mod">
+          <ac:chgData name="Saadati Fard, Reza" userId="25acf688-aded-4b6f-af4e-29555bb6f857" providerId="ADAL" clId="{CFC7434E-CC70-4044-A267-E6F671BDFB5F}" dt="2021-11-05T00:25:39.952" v="630" actId="1076"/>
+          <ac:picMkLst>
+            <pc:docMk/>
+            <pc:sldMk cId="1850423462" sldId="275"/>
+            <ac:picMk id="5" creationId="{21537752-BB5D-4654-AF02-F907109960E3}"/>
+          </ac:picMkLst>
+        </pc:picChg>
+        <pc:picChg chg="add mod">
+          <ac:chgData name="Saadati Fard, Reza" userId="25acf688-aded-4b6f-af4e-29555bb6f857" providerId="ADAL" clId="{CFC7434E-CC70-4044-A267-E6F671BDFB5F}" dt="2021-11-05T00:25:56.560" v="633" actId="1076"/>
+          <ac:picMkLst>
+            <pc:docMk/>
+            <pc:sldMk cId="1850423462" sldId="275"/>
+            <ac:picMk id="7" creationId="{0C31618D-8F26-46D1-ABEF-B4D1F761F687}"/>
+          </ac:picMkLst>
+        </pc:picChg>
+      </pc:sldChg>
+      <pc:sldChg chg="addSp modSp new mod">
+        <pc:chgData name="Saadati Fard, Reza" userId="25acf688-aded-4b6f-af4e-29555bb6f857" providerId="ADAL" clId="{CFC7434E-CC70-4044-A267-E6F671BDFB5F}" dt="2021-11-05T00:26:17.758" v="638" actId="1076"/>
+        <pc:sldMkLst>
+          <pc:docMk/>
+          <pc:sldMk cId="992920812" sldId="276"/>
+        </pc:sldMkLst>
+        <pc:picChg chg="add mod">
+          <ac:chgData name="Saadati Fard, Reza" userId="25acf688-aded-4b6f-af4e-29555bb6f857" providerId="ADAL" clId="{CFC7434E-CC70-4044-A267-E6F671BDFB5F}" dt="2021-11-05T00:26:09.359" v="636" actId="1076"/>
+          <ac:picMkLst>
+            <pc:docMk/>
+            <pc:sldMk cId="992920812" sldId="276"/>
+            <ac:picMk id="5" creationId="{A9B630F1-872D-4F59-A332-6B00CF149286}"/>
+          </ac:picMkLst>
+        </pc:picChg>
+        <pc:picChg chg="add mod">
+          <ac:chgData name="Saadati Fard, Reza" userId="25acf688-aded-4b6f-af4e-29555bb6f857" providerId="ADAL" clId="{CFC7434E-CC70-4044-A267-E6F671BDFB5F}" dt="2021-11-05T00:26:17.758" v="638" actId="1076"/>
+          <ac:picMkLst>
+            <pc:docMk/>
+            <pc:sldMk cId="992920812" sldId="276"/>
+            <ac:picMk id="7" creationId="{559B5354-B915-4C23-8EDD-92341ED5AEE3}"/>
+          </ac:picMkLst>
+        </pc:picChg>
+      </pc:sldChg>
+      <pc:sldChg chg="addSp delSp modSp new mod">
+        <pc:chgData name="Saadati Fard, Reza" userId="25acf688-aded-4b6f-af4e-29555bb6f857" providerId="ADAL" clId="{CFC7434E-CC70-4044-A267-E6F671BDFB5F}" dt="2021-11-05T00:39:57.875" v="656" actId="1076"/>
+        <pc:sldMkLst>
+          <pc:docMk/>
+          <pc:sldMk cId="2385623007" sldId="277"/>
+        </pc:sldMkLst>
+        <pc:spChg chg="mod">
+          <ac:chgData name="Saadati Fard, Reza" userId="25acf688-aded-4b6f-af4e-29555bb6f857" providerId="ADAL" clId="{CFC7434E-CC70-4044-A267-E6F671BDFB5F}" dt="2021-11-05T00:38:41.747" v="651" actId="20577"/>
+          <ac:spMkLst>
+            <pc:docMk/>
+            <pc:sldMk cId="2385623007" sldId="277"/>
+            <ac:spMk id="2" creationId="{70F43F5D-A3E0-44F4-989D-0E180CD7F124}"/>
+          </ac:spMkLst>
+        </pc:spChg>
+        <pc:spChg chg="del">
+          <ac:chgData name="Saadati Fard, Reza" userId="25acf688-aded-4b6f-af4e-29555bb6f857" providerId="ADAL" clId="{CFC7434E-CC70-4044-A267-E6F671BDFB5F}" dt="2021-11-05T00:38:52.851" v="654" actId="478"/>
+          <ac:spMkLst>
+            <pc:docMk/>
+            <pc:sldMk cId="2385623007" sldId="277"/>
+            <ac:spMk id="3" creationId="{E8725060-1D6A-41C4-AB6C-E4A81747DF22}"/>
+          </ac:spMkLst>
+        </pc:spChg>
+        <pc:picChg chg="add mod">
+          <ac:chgData name="Saadati Fard, Reza" userId="25acf688-aded-4b6f-af4e-29555bb6f857" providerId="ADAL" clId="{CFC7434E-CC70-4044-A267-E6F671BDFB5F}" dt="2021-11-05T00:38:50.883" v="653" actId="1076"/>
+          <ac:picMkLst>
+            <pc:docMk/>
+            <pc:sldMk cId="2385623007" sldId="277"/>
+            <ac:picMk id="5" creationId="{48AA2546-B20C-4490-8E17-AE7EC6BB5842}"/>
+          </ac:picMkLst>
+        </pc:picChg>
+        <pc:picChg chg="add mod">
+          <ac:chgData name="Saadati Fard, Reza" userId="25acf688-aded-4b6f-af4e-29555bb6f857" providerId="ADAL" clId="{CFC7434E-CC70-4044-A267-E6F671BDFB5F}" dt="2021-11-05T00:39:57.875" v="656" actId="1076"/>
+          <ac:picMkLst>
+            <pc:docMk/>
+            <pc:sldMk cId="2385623007" sldId="277"/>
+            <ac:picMk id="7" creationId="{3432D823-FA51-43BD-BC62-E168C93D1C15}"/>
+          </ac:picMkLst>
+        </pc:picChg>
+      </pc:sldChg>
+      <pc:sldChg chg="addSp delSp modSp new mod">
+        <pc:chgData name="Saadati Fard, Reza" userId="25acf688-aded-4b6f-af4e-29555bb6f857" providerId="ADAL" clId="{CFC7434E-CC70-4044-A267-E6F671BDFB5F}" dt="2021-11-05T00:40:20.555" v="661" actId="1076"/>
+        <pc:sldMkLst>
+          <pc:docMk/>
+          <pc:sldMk cId="372113354" sldId="278"/>
+        </pc:sldMkLst>
+        <pc:spChg chg="del">
+          <ac:chgData name="Saadati Fard, Reza" userId="25acf688-aded-4b6f-af4e-29555bb6f857" providerId="ADAL" clId="{CFC7434E-CC70-4044-A267-E6F671BDFB5F}" dt="2021-11-05T00:40:11.368" v="658" actId="22"/>
+          <ac:spMkLst>
+            <pc:docMk/>
+            <pc:sldMk cId="372113354" sldId="278"/>
+            <ac:spMk id="3" creationId="{8A7EE8F5-E366-417F-899C-ADBD494A4360}"/>
+          </ac:spMkLst>
+        </pc:spChg>
+        <pc:picChg chg="add mod ord">
+          <ac:chgData name="Saadati Fard, Reza" userId="25acf688-aded-4b6f-af4e-29555bb6f857" providerId="ADAL" clId="{CFC7434E-CC70-4044-A267-E6F671BDFB5F}" dt="2021-11-05T00:40:12.962" v="659" actId="1076"/>
+          <ac:picMkLst>
+            <pc:docMk/>
+            <pc:sldMk cId="372113354" sldId="278"/>
+            <ac:picMk id="5" creationId="{2259D2E3-66D4-415B-80BB-F15AA014F58D}"/>
+          </ac:picMkLst>
+        </pc:picChg>
+        <pc:picChg chg="add mod">
+          <ac:chgData name="Saadati Fard, Reza" userId="25acf688-aded-4b6f-af4e-29555bb6f857" providerId="ADAL" clId="{CFC7434E-CC70-4044-A267-E6F671BDFB5F}" dt="2021-11-05T00:40:20.555" v="661" actId="1076"/>
+          <ac:picMkLst>
+            <pc:docMk/>
+            <pc:sldMk cId="372113354" sldId="278"/>
+            <ac:picMk id="7" creationId="{FAD0C831-595B-4362-9F47-2976897AA2BD}"/>
+          </ac:picMkLst>
+        </pc:picChg>
+      </pc:sldChg>
+      <pc:sldChg chg="addSp delSp modSp new mod">
+        <pc:chgData name="Saadati Fard, Reza" userId="25acf688-aded-4b6f-af4e-29555bb6f857" providerId="ADAL" clId="{CFC7434E-CC70-4044-A267-E6F671BDFB5F}" dt="2021-11-05T00:49:53.885" v="674" actId="20577"/>
+        <pc:sldMkLst>
+          <pc:docMk/>
+          <pc:sldMk cId="2714614645" sldId="279"/>
+        </pc:sldMkLst>
+        <pc:spChg chg="mod">
+          <ac:chgData name="Saadati Fard, Reza" userId="25acf688-aded-4b6f-af4e-29555bb6f857" providerId="ADAL" clId="{CFC7434E-CC70-4044-A267-E6F671BDFB5F}" dt="2021-11-05T00:49:53.885" v="674" actId="20577"/>
+          <ac:spMkLst>
+            <pc:docMk/>
+            <pc:sldMk cId="2714614645" sldId="279"/>
+            <ac:spMk id="2" creationId="{662FC327-6912-418C-A75F-33EE8AA75703}"/>
+          </ac:spMkLst>
+        </pc:spChg>
+        <pc:spChg chg="del">
+          <ac:chgData name="Saadati Fard, Reza" userId="25acf688-aded-4b6f-af4e-29555bb6f857" providerId="ADAL" clId="{CFC7434E-CC70-4044-A267-E6F671BDFB5F}" dt="2021-11-05T00:48:31.610" v="663" actId="22"/>
+          <ac:spMkLst>
+            <pc:docMk/>
+            <pc:sldMk cId="2714614645" sldId="279"/>
+            <ac:spMk id="3" creationId="{03AC6D60-0747-4CB7-94B4-579249ED25E3}"/>
+          </ac:spMkLst>
+        </pc:spChg>
+        <pc:picChg chg="add mod ord">
+          <ac:chgData name="Saadati Fard, Reza" userId="25acf688-aded-4b6f-af4e-29555bb6f857" providerId="ADAL" clId="{CFC7434E-CC70-4044-A267-E6F671BDFB5F}" dt="2021-11-05T00:48:33.357" v="664" actId="1076"/>
+          <ac:picMkLst>
+            <pc:docMk/>
+            <pc:sldMk cId="2714614645" sldId="279"/>
+            <ac:picMk id="5" creationId="{1E64505C-BFE8-4937-8806-9B669C8DDD9D}"/>
+          </ac:picMkLst>
+        </pc:picChg>
+        <pc:picChg chg="add mod">
+          <ac:chgData name="Saadati Fard, Reza" userId="25acf688-aded-4b6f-af4e-29555bb6f857" providerId="ADAL" clId="{CFC7434E-CC70-4044-A267-E6F671BDFB5F}" dt="2021-11-05T00:49:18.244" v="666" actId="1076"/>
+          <ac:picMkLst>
+            <pc:docMk/>
+            <pc:sldMk cId="2714614645" sldId="279"/>
+            <ac:picMk id="7" creationId="{EB4A8350-D0F6-4430-874A-29C83F4A32D9}"/>
+          </ac:picMkLst>
+        </pc:picChg>
+      </pc:sldChg>
+      <pc:sldChg chg="addSp modSp new mod">
+        <pc:chgData name="Saadati Fard, Reza" userId="25acf688-aded-4b6f-af4e-29555bb6f857" providerId="ADAL" clId="{CFC7434E-CC70-4044-A267-E6F671BDFB5F}" dt="2021-11-05T00:49:41.164" v="671" actId="1076"/>
+        <pc:sldMkLst>
+          <pc:docMk/>
+          <pc:sldMk cId="3846389472" sldId="280"/>
+        </pc:sldMkLst>
+        <pc:picChg chg="add mod">
+          <ac:chgData name="Saadati Fard, Reza" userId="25acf688-aded-4b6f-af4e-29555bb6f857" providerId="ADAL" clId="{CFC7434E-CC70-4044-A267-E6F671BDFB5F}" dt="2021-11-05T00:49:25.381" v="669" actId="1076"/>
+          <ac:picMkLst>
+            <pc:docMk/>
+            <pc:sldMk cId="3846389472" sldId="280"/>
+            <ac:picMk id="5" creationId="{747948D6-ED55-4A14-B65E-217ADF4FB176}"/>
+          </ac:picMkLst>
+        </pc:picChg>
+        <pc:picChg chg="add mod">
+          <ac:chgData name="Saadati Fard, Reza" userId="25acf688-aded-4b6f-af4e-29555bb6f857" providerId="ADAL" clId="{CFC7434E-CC70-4044-A267-E6F671BDFB5F}" dt="2021-11-05T00:49:41.164" v="671" actId="1076"/>
+          <ac:picMkLst>
+            <pc:docMk/>
+            <pc:sldMk cId="3846389472" sldId="280"/>
+            <ac:picMk id="7" creationId="{F5EE451C-943A-4B2C-9D0D-6A86335B7BEB}"/>
+          </ac:picMkLst>
+        </pc:picChg>
+      </pc:sldChg>
+      <pc:sldChg chg="new">
+        <pc:chgData name="Saadati Fard, Reza" userId="25acf688-aded-4b6f-af4e-29555bb6f857" providerId="ADAL" clId="{CFC7434E-CC70-4044-A267-E6F671BDFB5F}" dt="2021-11-05T16:24:11.726" v="724" actId="680"/>
+        <pc:sldMkLst>
+          <pc:docMk/>
+          <pc:sldMk cId="1768836244" sldId="281"/>
+        </pc:sldMkLst>
+      </pc:sldChg>
+      <pc:sldChg chg="addSp delSp modSp new mod">
+        <pc:chgData name="Saadati Fard, Reza" userId="25acf688-aded-4b6f-af4e-29555bb6f857" providerId="ADAL" clId="{CFC7434E-CC70-4044-A267-E6F671BDFB5F}" dt="2021-11-05T16:28:32.374" v="755" actId="20577"/>
+        <pc:sldMkLst>
+          <pc:docMk/>
+          <pc:sldMk cId="2969586006" sldId="282"/>
+        </pc:sldMkLst>
+        <pc:spChg chg="mod">
+          <ac:chgData name="Saadati Fard, Reza" userId="25acf688-aded-4b6f-af4e-29555bb6f857" providerId="ADAL" clId="{CFC7434E-CC70-4044-A267-E6F671BDFB5F}" dt="2021-11-05T16:28:32.374" v="755" actId="20577"/>
+          <ac:spMkLst>
+            <pc:docMk/>
+            <pc:sldMk cId="2969586006" sldId="282"/>
+            <ac:spMk id="2" creationId="{3229548F-299B-46F5-901E-E74801F74283}"/>
+          </ac:spMkLst>
+        </pc:spChg>
+        <pc:spChg chg="del">
+          <ac:chgData name="Saadati Fard, Reza" userId="25acf688-aded-4b6f-af4e-29555bb6f857" providerId="ADAL" clId="{CFC7434E-CC70-4044-A267-E6F671BDFB5F}" dt="2021-11-05T16:24:25.186" v="742" actId="22"/>
+          <ac:spMkLst>
+            <pc:docMk/>
+            <pc:sldMk cId="2969586006" sldId="282"/>
+            <ac:spMk id="3" creationId="{BC6FACCD-AF99-4E14-9FE9-5968251EE739}"/>
+          </ac:spMkLst>
+        </pc:spChg>
+        <pc:picChg chg="add mod ord">
+          <ac:chgData name="Saadati Fard, Reza" userId="25acf688-aded-4b6f-af4e-29555bb6f857" providerId="ADAL" clId="{CFC7434E-CC70-4044-A267-E6F671BDFB5F}" dt="2021-11-05T16:24:25.186" v="742" actId="22"/>
+          <ac:picMkLst>
+            <pc:docMk/>
+            <pc:sldMk cId="2969586006" sldId="282"/>
+            <ac:picMk id="5" creationId="{39D03098-7886-4588-BD7D-9B033F129BA9}"/>
+          </ac:picMkLst>
+        </pc:picChg>
+        <pc:picChg chg="add">
+          <ac:chgData name="Saadati Fard, Reza" userId="25acf688-aded-4b6f-af4e-29555bb6f857" providerId="ADAL" clId="{CFC7434E-CC70-4044-A267-E6F671BDFB5F}" dt="2021-11-05T16:24:30.408" v="743" actId="22"/>
+          <ac:picMkLst>
+            <pc:docMk/>
+            <pc:sldMk cId="2969586006" sldId="282"/>
+            <ac:picMk id="7" creationId="{2FED82D4-3E37-4DEC-A969-8FFAF6569233}"/>
+          </ac:picMkLst>
+        </pc:picChg>
+        <pc:picChg chg="add">
+          <ac:chgData name="Saadati Fard, Reza" userId="25acf688-aded-4b6f-af4e-29555bb6f857" providerId="ADAL" clId="{CFC7434E-CC70-4044-A267-E6F671BDFB5F}" dt="2021-11-05T16:24:35.423" v="744" actId="22"/>
+          <ac:picMkLst>
+            <pc:docMk/>
+            <pc:sldMk cId="2969586006" sldId="282"/>
+            <ac:picMk id="9" creationId="{E7FADFEB-88F2-42AA-837D-E7FAC0076F06}"/>
+          </ac:picMkLst>
+        </pc:picChg>
+        <pc:picChg chg="add">
+          <ac:chgData name="Saadati Fard, Reza" userId="25acf688-aded-4b6f-af4e-29555bb6f857" providerId="ADAL" clId="{CFC7434E-CC70-4044-A267-E6F671BDFB5F}" dt="2021-11-05T16:24:40.413" v="745" actId="22"/>
+          <ac:picMkLst>
+            <pc:docMk/>
+            <pc:sldMk cId="2969586006" sldId="282"/>
+            <ac:picMk id="11" creationId="{E49B9C2A-3616-4C66-86ED-82B63CCDB291}"/>
+          </ac:picMkLst>
+        </pc:picChg>
+      </pc:sldChg>
+      <pc:sldChg chg="addSp delSp modSp new mod">
+        <pc:chgData name="Saadati Fard, Reza" userId="25acf688-aded-4b6f-af4e-29555bb6f857" providerId="ADAL" clId="{CFC7434E-CC70-4044-A267-E6F671BDFB5F}" dt="2021-11-05T17:07:08.156" v="1334" actId="404"/>
+        <pc:sldMkLst>
+          <pc:docMk/>
+          <pc:sldMk cId="1293296367" sldId="283"/>
+        </pc:sldMkLst>
+        <pc:spChg chg="mod">
+          <ac:chgData name="Saadati Fard, Reza" userId="25acf688-aded-4b6f-af4e-29555bb6f857" providerId="ADAL" clId="{CFC7434E-CC70-4044-A267-E6F671BDFB5F}" dt="2021-11-05T16:28:39.319" v="764" actId="20577"/>
+          <ac:spMkLst>
+            <pc:docMk/>
+            <pc:sldMk cId="1293296367" sldId="283"/>
+            <ac:spMk id="2" creationId="{BB884C28-F866-447C-8B4B-298969DE21DF}"/>
+          </ac:spMkLst>
+        </pc:spChg>
+        <pc:spChg chg="del">
+          <ac:chgData name="Saadati Fard, Reza" userId="25acf688-aded-4b6f-af4e-29555bb6f857" providerId="ADAL" clId="{CFC7434E-CC70-4044-A267-E6F671BDFB5F}" dt="2021-11-05T16:40:07.416" v="765"/>
+          <ac:spMkLst>
+            <pc:docMk/>
+            <pc:sldMk cId="1293296367" sldId="283"/>
+            <ac:spMk id="3" creationId="{4ECDE15E-EE29-4A12-8E33-7D3AB06D21EF}"/>
+          </ac:spMkLst>
+        </pc:spChg>
+        <pc:spChg chg="add del mod">
+          <ac:chgData name="Saadati Fard, Reza" userId="25acf688-aded-4b6f-af4e-29555bb6f857" providerId="ADAL" clId="{CFC7434E-CC70-4044-A267-E6F671BDFB5F}" dt="2021-11-05T16:45:47.410" v="785" actId="478"/>
+          <ac:spMkLst>
+            <pc:docMk/>
+            <pc:sldMk cId="1293296367" sldId="283"/>
+            <ac:spMk id="4" creationId="{B5ACD2E4-97A4-4675-9F0D-CCC596882D8E}"/>
+          </ac:spMkLst>
+        </pc:spChg>
+        <pc:spChg chg="add del mod">
+          <ac:chgData name="Saadati Fard, Reza" userId="25acf688-aded-4b6f-af4e-29555bb6f857" providerId="ADAL" clId="{CFC7434E-CC70-4044-A267-E6F671BDFB5F}" dt="2021-11-05T16:45:56.372" v="786" actId="3680"/>
+          <ac:spMkLst>
+            <pc:docMk/>
+            <pc:sldMk cId="1293296367" sldId="283"/>
+            <ac:spMk id="5" creationId="{ECF6E5D1-CA9D-4B90-81EC-23205E3E0803}"/>
+          </ac:spMkLst>
+        </pc:spChg>
+        <pc:graphicFrameChg chg="add mod ord modGraphic">
+          <ac:chgData name="Saadati Fard, Reza" userId="25acf688-aded-4b6f-af4e-29555bb6f857" providerId="ADAL" clId="{CFC7434E-CC70-4044-A267-E6F671BDFB5F}" dt="2021-11-05T17:07:08.156" v="1334" actId="404"/>
+          <ac:graphicFrameMkLst>
+            <pc:docMk/>
+            <pc:sldMk cId="1293296367" sldId="283"/>
+            <ac:graphicFrameMk id="6" creationId="{9E4D9507-6FC4-4504-95A1-75889750A7DD}"/>
+          </ac:graphicFrameMkLst>
+        </pc:graphicFrameChg>
+      </pc:sldChg>
+      <pc:sldChg chg="addSp delSp modSp new mod">
+        <pc:chgData name="Saadati Fard, Reza" userId="25acf688-aded-4b6f-af4e-29555bb6f857" providerId="ADAL" clId="{CFC7434E-CC70-4044-A267-E6F671BDFB5F}" dt="2021-11-05T17:01:38.363" v="1239" actId="1076"/>
+        <pc:sldMkLst>
+          <pc:docMk/>
+          <pc:sldMk cId="1489734032" sldId="284"/>
+        </pc:sldMkLst>
+        <pc:spChg chg="del">
+          <ac:chgData name="Saadati Fard, Reza" userId="25acf688-aded-4b6f-af4e-29555bb6f857" providerId="ADAL" clId="{CFC7434E-CC70-4044-A267-E6F671BDFB5F}" dt="2021-11-05T17:01:27.374" v="1234" actId="22"/>
+          <ac:spMkLst>
+            <pc:docMk/>
+            <pc:sldMk cId="1489734032" sldId="284"/>
+            <ac:spMk id="3" creationId="{B79DE89F-C878-4B19-96F1-D498EACDD382}"/>
+          </ac:spMkLst>
+        </pc:spChg>
+        <pc:picChg chg="add mod ord">
+          <ac:chgData name="Saadati Fard, Reza" userId="25acf688-aded-4b6f-af4e-29555bb6f857" providerId="ADAL" clId="{CFC7434E-CC70-4044-A267-E6F671BDFB5F}" dt="2021-11-05T17:01:36.987" v="1238" actId="1076"/>
+          <ac:picMkLst>
+            <pc:docMk/>
+            <pc:sldMk cId="1489734032" sldId="284"/>
+            <ac:picMk id="5" creationId="{51029B89-BAD5-47A6-8EAB-ACD9560A6DE5}"/>
+          </ac:picMkLst>
+        </pc:picChg>
+        <pc:picChg chg="add mod">
+          <ac:chgData name="Saadati Fard, Reza" userId="25acf688-aded-4b6f-af4e-29555bb6f857" providerId="ADAL" clId="{CFC7434E-CC70-4044-A267-E6F671BDFB5F}" dt="2021-11-05T17:01:38.363" v="1239" actId="1076"/>
+          <ac:picMkLst>
+            <pc:docMk/>
+            <pc:sldMk cId="1489734032" sldId="284"/>
+            <ac:picMk id="7" creationId="{C3FF29D4-0CDF-4BA4-BD46-E41F2B6AB57B}"/>
+          </ac:picMkLst>
+        </pc:picChg>
+      </pc:sldChg>
+      <pc:sldChg chg="addSp modSp new mod">
+        <pc:chgData name="Saadati Fard, Reza" userId="25acf688-aded-4b6f-af4e-29555bb6f857" providerId="ADAL" clId="{CFC7434E-CC70-4044-A267-E6F671BDFB5F}" dt="2021-11-05T17:07:29.090" v="1339" actId="1076"/>
+        <pc:sldMkLst>
+          <pc:docMk/>
+          <pc:sldMk cId="3016210160" sldId="285"/>
+        </pc:sldMkLst>
+        <pc:picChg chg="add mod">
+          <ac:chgData name="Saadati Fard, Reza" userId="25acf688-aded-4b6f-af4e-29555bb6f857" providerId="ADAL" clId="{CFC7434E-CC70-4044-A267-E6F671BDFB5F}" dt="2021-11-05T17:07:29.090" v="1339" actId="1076"/>
+          <ac:picMkLst>
+            <pc:docMk/>
+            <pc:sldMk cId="3016210160" sldId="285"/>
+            <ac:picMk id="5" creationId="{A20B7330-7C0E-4CA3-81C7-0067BAC4B299}"/>
+          </ac:picMkLst>
+        </pc:picChg>
+        <pc:picChg chg="add mod">
+          <ac:chgData name="Saadati Fard, Reza" userId="25acf688-aded-4b6f-af4e-29555bb6f857" providerId="ADAL" clId="{CFC7434E-CC70-4044-A267-E6F671BDFB5F}" dt="2021-11-05T17:07:27.689" v="1338" actId="1076"/>
+          <ac:picMkLst>
+            <pc:docMk/>
+            <pc:sldMk cId="3016210160" sldId="285"/>
+            <ac:picMk id="7" creationId="{55EC8BF8-50F1-48A5-8C51-143DD8AED0A8}"/>
+          </ac:picMkLst>
+        </pc:picChg>
+      </pc:sldChg>
+      <pc:sldChg chg="addSp modSp new mod">
+        <pc:chgData name="Saadati Fard, Reza" userId="25acf688-aded-4b6f-af4e-29555bb6f857" providerId="ADAL" clId="{CFC7434E-CC70-4044-A267-E6F671BDFB5F}" dt="2021-11-05T17:08:16.186" v="1354" actId="1076"/>
+        <pc:sldMkLst>
+          <pc:docMk/>
+          <pc:sldMk cId="2118956364" sldId="286"/>
+        </pc:sldMkLst>
+        <pc:picChg chg="add mod">
+          <ac:chgData name="Saadati Fard, Reza" userId="25acf688-aded-4b6f-af4e-29555bb6f857" providerId="ADAL" clId="{CFC7434E-CC70-4044-A267-E6F671BDFB5F}" dt="2021-11-05T17:08:16.186" v="1354" actId="1076"/>
+          <ac:picMkLst>
+            <pc:docMk/>
+            <pc:sldMk cId="2118956364" sldId="286"/>
+            <ac:picMk id="5" creationId="{EFF851E3-C849-4B41-9782-920455BF35B1}"/>
+          </ac:picMkLst>
+        </pc:picChg>
+      </pc:sldChg>
+      <pc:sldChg chg="addSp delSp modSp new mod ord">
+        <pc:chgData name="Saadati Fard, Reza" userId="25acf688-aded-4b6f-af4e-29555bb6f857" providerId="ADAL" clId="{CFC7434E-CC70-4044-A267-E6F671BDFB5F}" dt="2021-11-05T17:08:00.598" v="1352"/>
+        <pc:sldMkLst>
+          <pc:docMk/>
+          <pc:sldMk cId="2627420557" sldId="287"/>
+        </pc:sldMkLst>
+        <pc:spChg chg="del">
+          <ac:chgData name="Saadati Fard, Reza" userId="25acf688-aded-4b6f-af4e-29555bb6f857" providerId="ADAL" clId="{CFC7434E-CC70-4044-A267-E6F671BDFB5F}" dt="2021-11-05T17:07:55.725" v="1349" actId="22"/>
+          <ac:spMkLst>
+            <pc:docMk/>
+            <pc:sldMk cId="2627420557" sldId="287"/>
+            <ac:spMk id="3" creationId="{862616CA-2A26-4871-8B91-4E55DA89EDBF}"/>
+          </ac:spMkLst>
+        </pc:spChg>
+        <pc:picChg chg="add mod">
+          <ac:chgData name="Saadati Fard, Reza" userId="25acf688-aded-4b6f-af4e-29555bb6f857" providerId="ADAL" clId="{CFC7434E-CC70-4044-A267-E6F671BDFB5F}" dt="2021-11-05T17:07:53.218" v="1347" actId="1076"/>
+          <ac:picMkLst>
+            <pc:docMk/>
+            <pc:sldMk cId="2627420557" sldId="287"/>
+            <ac:picMk id="5" creationId="{2F70AF85-32FD-4C77-9671-C7E2D87744EB}"/>
+          </ac:picMkLst>
+        </pc:picChg>
+        <pc:picChg chg="add mod">
+          <ac:chgData name="Saadati Fard, Reza" userId="25acf688-aded-4b6f-af4e-29555bb6f857" providerId="ADAL" clId="{CFC7434E-CC70-4044-A267-E6F671BDFB5F}" dt="2021-11-05T17:07:58.138" v="1350" actId="1076"/>
+          <ac:picMkLst>
+            <pc:docMk/>
+            <pc:sldMk cId="2627420557" sldId="287"/>
+            <ac:picMk id="7" creationId="{447DF554-864E-45D5-8D8E-98A9B75EABA1}"/>
+          </ac:picMkLst>
+        </pc:picChg>
+        <pc:picChg chg="add mod ord">
+          <ac:chgData name="Saadati Fard, Reza" userId="25acf688-aded-4b6f-af4e-29555bb6f857" providerId="ADAL" clId="{CFC7434E-CC70-4044-A267-E6F671BDFB5F}" dt="2021-11-05T17:07:55.725" v="1349" actId="22"/>
+          <ac:picMkLst>
+            <pc:docMk/>
+            <pc:sldMk cId="2627420557" sldId="287"/>
+            <ac:picMk id="9" creationId="{C9AA05F6-3491-40B3-99F1-E887F6915CA5}"/>
+          </ac:picMkLst>
+        </pc:picChg>
       </pc:sldChg>
     </pc:docChg>
   </pc:docChgLst>
@@ -1603,7 +2067,7 @@
           <a:p>
             <a:fld id="{32FB880B-D700-4FEF-A549-8C51935C74AE}" type="datetimeFigureOut">
               <a:rPr lang="en-US" smtClean="0"/>
-              <a:t>11/4/2021</a:t>
+              <a:t>11/5/2021</a:t>
             </a:fld>
             <a:endParaRPr lang="en-US"/>
           </a:p>
@@ -1801,7 +2265,7 @@
           <a:p>
             <a:fld id="{32FB880B-D700-4FEF-A549-8C51935C74AE}" type="datetimeFigureOut">
               <a:rPr lang="en-US" smtClean="0"/>
-              <a:t>11/4/2021</a:t>
+              <a:t>11/5/2021</a:t>
             </a:fld>
             <a:endParaRPr lang="en-US"/>
           </a:p>
@@ -2009,7 +2473,7 @@
           <a:p>
             <a:fld id="{32FB880B-D700-4FEF-A549-8C51935C74AE}" type="datetimeFigureOut">
               <a:rPr lang="en-US" smtClean="0"/>
-              <a:t>11/4/2021</a:t>
+              <a:t>11/5/2021</a:t>
             </a:fld>
             <a:endParaRPr lang="en-US"/>
           </a:p>
@@ -2207,7 +2671,7 @@
           <a:p>
             <a:fld id="{32FB880B-D700-4FEF-A549-8C51935C74AE}" type="datetimeFigureOut">
               <a:rPr lang="en-US" smtClean="0"/>
-              <a:t>11/4/2021</a:t>
+              <a:t>11/5/2021</a:t>
             </a:fld>
             <a:endParaRPr lang="en-US"/>
           </a:p>
@@ -2482,7 +2946,7 @@
           <a:p>
             <a:fld id="{32FB880B-D700-4FEF-A549-8C51935C74AE}" type="datetimeFigureOut">
               <a:rPr lang="en-US" smtClean="0"/>
-              <a:t>11/4/2021</a:t>
+              <a:t>11/5/2021</a:t>
             </a:fld>
             <a:endParaRPr lang="en-US"/>
           </a:p>
@@ -2747,7 +3211,7 @@
           <a:p>
             <a:fld id="{32FB880B-D700-4FEF-A549-8C51935C74AE}" type="datetimeFigureOut">
               <a:rPr lang="en-US" smtClean="0"/>
-              <a:t>11/4/2021</a:t>
+              <a:t>11/5/2021</a:t>
             </a:fld>
             <a:endParaRPr lang="en-US"/>
           </a:p>
@@ -3159,7 +3623,7 @@
           <a:p>
             <a:fld id="{32FB880B-D700-4FEF-A549-8C51935C74AE}" type="datetimeFigureOut">
               <a:rPr lang="en-US" smtClean="0"/>
-              <a:t>11/4/2021</a:t>
+              <a:t>11/5/2021</a:t>
             </a:fld>
             <a:endParaRPr lang="en-US"/>
           </a:p>
@@ -3300,7 +3764,7 @@
           <a:p>
             <a:fld id="{32FB880B-D700-4FEF-A549-8C51935C74AE}" type="datetimeFigureOut">
               <a:rPr lang="en-US" smtClean="0"/>
-              <a:t>11/4/2021</a:t>
+              <a:t>11/5/2021</a:t>
             </a:fld>
             <a:endParaRPr lang="en-US"/>
           </a:p>
@@ -3413,7 +3877,7 @@
           <a:p>
             <a:fld id="{32FB880B-D700-4FEF-A549-8C51935C74AE}" type="datetimeFigureOut">
               <a:rPr lang="en-US" smtClean="0"/>
-              <a:t>11/4/2021</a:t>
+              <a:t>11/5/2021</a:t>
             </a:fld>
             <a:endParaRPr lang="en-US"/>
           </a:p>
@@ -3724,7 +4188,7 @@
           <a:p>
             <a:fld id="{32FB880B-D700-4FEF-A549-8C51935C74AE}" type="datetimeFigureOut">
               <a:rPr lang="en-US" smtClean="0"/>
-              <a:t>11/4/2021</a:t>
+              <a:t>11/5/2021</a:t>
             </a:fld>
             <a:endParaRPr lang="en-US"/>
           </a:p>
@@ -4012,7 +4476,7 @@
           <a:p>
             <a:fld id="{32FB880B-D700-4FEF-A549-8C51935C74AE}" type="datetimeFigureOut">
               <a:rPr lang="en-US" smtClean="0"/>
-              <a:t>11/4/2021</a:t>
+              <a:t>11/5/2021</a:t>
             </a:fld>
             <a:endParaRPr lang="en-US"/>
           </a:p>
@@ -4253,7 +4717,7 @@
           <a:p>
             <a:fld id="{32FB880B-D700-4FEF-A549-8C51935C74AE}" type="datetimeFigureOut">
               <a:rPr lang="en-US" smtClean="0"/>
-              <a:t>11/4/2021</a:t>
+              <a:t>11/5/2021</a:t>
             </a:fld>
             <a:endParaRPr lang="en-US"/>
           </a:p>
@@ -4955,8 +5419,12 @@
           <a:lstStyle/>
           <a:p>
             <a:r>
+              <a:rPr lang="el-GR" dirty="0"/>
+              <a:t>ρ </a:t>
+            </a:r>
+            <a:r>
               <a:rPr lang="en-US" dirty="0"/>
-              <a:t>Rho=0.05</a:t>
+              <a:t>=0.05</a:t>
             </a:r>
           </a:p>
         </p:txBody>
@@ -5213,8 +5681,12 @@
           <a:lstStyle/>
           <a:p>
             <a:r>
+              <a:rPr lang="el-GR" dirty="0"/>
+              <a:t>ρ </a:t>
+            </a:r>
+            <a:r>
               <a:rPr lang="en-US" dirty="0"/>
-              <a:t>Rho=0.08</a:t>
+              <a:t>=0.08</a:t>
             </a:r>
           </a:p>
         </p:txBody>
@@ -5471,8 +5943,12 @@
           <a:lstStyle/>
           <a:p>
             <a:r>
+              <a:rPr lang="el-GR" dirty="0"/>
+              <a:t>ρ </a:t>
+            </a:r>
+            <a:r>
               <a:rPr lang="en-US" dirty="0"/>
-              <a:t>Rho=</a:t>
+              <a:t>=</a:t>
             </a:r>
             <a:r>
               <a:rPr lang="fa-IR" dirty="0"/>
@@ -5487,19 +5963,17 @@
       </p:sp>
       <p:pic>
         <p:nvPicPr>
-          <p:cNvPr id="5" name="Content Placeholder 4">
-            <a:extLst>
-              <a:ext uri="{FF2B5EF4-FFF2-40B4-BE49-F238E27FC236}">
-                <a16:creationId xmlns:a16="http://schemas.microsoft.com/office/drawing/2014/main" id="{2116B283-F63B-4872-A902-51CC6A18175A}"/>
+          <p:cNvPr id="8" name="Picture 7">
+            <a:extLst>
+              <a:ext uri="{FF2B5EF4-FFF2-40B4-BE49-F238E27FC236}">
+                <a16:creationId xmlns:a16="http://schemas.microsoft.com/office/drawing/2014/main" id="{F008D75F-D987-448E-92DA-6B689BEFFCB0}"/>
               </a:ext>
             </a:extLst>
           </p:cNvPr>
           <p:cNvPicPr>
-            <a:picLocks noGrp="1" noChangeAspect="1"/>
+            <a:picLocks noChangeAspect="1"/>
           </p:cNvPicPr>
-          <p:nvPr>
-            <p:ph idx="1"/>
-          </p:nvPr>
+          <p:nvPr/>
         </p:nvPicPr>
         <p:blipFill>
           <a:blip r:embed="rId2"/>
@@ -5509,17 +5983,20 @@
         </p:blipFill>
         <p:spPr>
           <a:xfrm>
-            <a:off x="564122" y="2079556"/>
+            <a:off x="1051802" y="2181143"/>
             <a:ext cx="4673016" cy="3149206"/>
           </a:xfrm>
+          <a:prstGeom prst="rect">
+            <a:avLst/>
+          </a:prstGeom>
         </p:spPr>
       </p:pic>
       <p:pic>
         <p:nvPicPr>
-          <p:cNvPr id="7" name="Picture 6">
-            <a:extLst>
-              <a:ext uri="{FF2B5EF4-FFF2-40B4-BE49-F238E27FC236}">
-                <a16:creationId xmlns:a16="http://schemas.microsoft.com/office/drawing/2014/main" id="{8E9060B4-8696-4C81-8C4C-D72941C897C7}"/>
+          <p:cNvPr id="10" name="Picture 9">
+            <a:extLst>
+              <a:ext uri="{FF2B5EF4-FFF2-40B4-BE49-F238E27FC236}">
+                <a16:creationId xmlns:a16="http://schemas.microsoft.com/office/drawing/2014/main" id="{34018263-AD90-41A4-82F6-AA2404A1D133}"/>
               </a:ext>
             </a:extLst>
           </p:cNvPr>
@@ -5536,7 +6013,7 @@
         </p:blipFill>
         <p:spPr>
           <a:xfrm>
-            <a:off x="6172227" y="2079556"/>
+            <a:off x="6821755" y="1977968"/>
             <a:ext cx="4800000" cy="3352381"/>
           </a:xfrm>
           <a:prstGeom prst="rect">
@@ -5576,10 +6053,10 @@
       </p:grpSpPr>
       <p:pic>
         <p:nvPicPr>
-          <p:cNvPr id="4" name="Picture 3">
-            <a:extLst>
-              <a:ext uri="{FF2B5EF4-FFF2-40B4-BE49-F238E27FC236}">
-                <a16:creationId xmlns:a16="http://schemas.microsoft.com/office/drawing/2014/main" id="{A4A438F5-0970-4C35-A98B-6E977B78762B}"/>
+          <p:cNvPr id="3" name="Picture 2">
+            <a:extLst>
+              <a:ext uri="{FF2B5EF4-FFF2-40B4-BE49-F238E27FC236}">
+                <a16:creationId xmlns:a16="http://schemas.microsoft.com/office/drawing/2014/main" id="{43710650-8C57-4249-8907-6F9C4B9F0A5C}"/>
               </a:ext>
             </a:extLst>
           </p:cNvPr>
@@ -5596,8 +6073,8 @@
         </p:blipFill>
         <p:spPr>
           <a:xfrm>
-            <a:off x="2062500" y="4128796"/>
-            <a:ext cx="8749206" cy="1980952"/>
+            <a:off x="3826628" y="409201"/>
+            <a:ext cx="4800000" cy="3352381"/>
           </a:xfrm>
           <a:prstGeom prst="rect">
             <a:avLst/>
@@ -5606,10 +6083,10 @@
       </p:pic>
       <p:pic>
         <p:nvPicPr>
-          <p:cNvPr id="5" name="Picture 4">
-            <a:extLst>
-              <a:ext uri="{FF2B5EF4-FFF2-40B4-BE49-F238E27FC236}">
-                <a16:creationId xmlns:a16="http://schemas.microsoft.com/office/drawing/2014/main" id="{0CD341E1-E756-42F5-929D-CD61B6E3538A}"/>
+          <p:cNvPr id="7" name="Picture 6">
+            <a:extLst>
+              <a:ext uri="{FF2B5EF4-FFF2-40B4-BE49-F238E27FC236}">
+                <a16:creationId xmlns:a16="http://schemas.microsoft.com/office/drawing/2014/main" id="{61501763-108C-463E-8905-4954DDCD49B8}"/>
               </a:ext>
             </a:extLst>
           </p:cNvPr>
@@ -5626,7 +6103,129 @@
         </p:blipFill>
         <p:spPr>
           <a:xfrm>
-            <a:off x="3402394" y="842845"/>
+            <a:off x="2023344" y="4034059"/>
+            <a:ext cx="8723809" cy="1980952"/>
+          </a:xfrm>
+          <a:prstGeom prst="rect">
+            <a:avLst/>
+          </a:prstGeom>
+        </p:spPr>
+      </p:pic>
+    </p:spTree>
+    <p:extLst>
+      <p:ext uri="{BB962C8B-B14F-4D97-AF65-F5344CB8AC3E}">
+        <p14:creationId xmlns:p14="http://schemas.microsoft.com/office/powerpoint/2010/main" val="792685433"/>
+      </p:ext>
+    </p:extLst>
+  </p:cSld>
+  <p:clrMapOvr>
+    <a:masterClrMapping/>
+  </p:clrMapOvr>
+</p:sld>
+</file>
+
+<file path=ppt/slides/slide17.xml><?xml version="1.0" encoding="utf-8"?>
+<p:sld xmlns:a="http://schemas.openxmlformats.org/drawingml/2006/main" xmlns:r="http://schemas.openxmlformats.org/officeDocument/2006/relationships" xmlns:p="http://schemas.openxmlformats.org/presentationml/2006/main">
+  <p:cSld>
+    <p:spTree>
+      <p:nvGrpSpPr>
+        <p:cNvPr id="1" name=""/>
+        <p:cNvGrpSpPr/>
+        <p:nvPr/>
+      </p:nvGrpSpPr>
+      <p:grpSpPr>
+        <a:xfrm>
+          <a:off x="0" y="0"/>
+          <a:ext cx="0" cy="0"/>
+          <a:chOff x="0" y="0"/>
+          <a:chExt cx="0" cy="0"/>
+        </a:xfrm>
+      </p:grpSpPr>
+      <p:sp>
+        <p:nvSpPr>
+          <p:cNvPr id="2" name="Title 1">
+            <a:extLst>
+              <a:ext uri="{FF2B5EF4-FFF2-40B4-BE49-F238E27FC236}">
+                <a16:creationId xmlns:a16="http://schemas.microsoft.com/office/drawing/2014/main" id="{FA6DF249-E61E-4790-BE3F-FF86EF917A16}"/>
+              </a:ext>
+            </a:extLst>
+          </p:cNvPr>
+          <p:cNvSpPr>
+            <a:spLocks noGrp="1"/>
+          </p:cNvSpPr>
+          <p:nvPr>
+            <p:ph type="title"/>
+          </p:nvPr>
+        </p:nvSpPr>
+        <p:spPr/>
+        <p:txBody>
+          <a:bodyPr/>
+          <a:lstStyle/>
+          <a:p>
+            <a:r>
+              <a:rPr lang="el-GR" dirty="0"/>
+              <a:t>ρ</a:t>
+            </a:r>
+            <a:r>
+              <a:rPr lang="en-US" dirty="0"/>
+              <a:t> = 0.3 </a:t>
+            </a:r>
+          </a:p>
+        </p:txBody>
+      </p:sp>
+      <p:pic>
+        <p:nvPicPr>
+          <p:cNvPr id="5" name="Picture 4">
+            <a:extLst>
+              <a:ext uri="{FF2B5EF4-FFF2-40B4-BE49-F238E27FC236}">
+                <a16:creationId xmlns:a16="http://schemas.microsoft.com/office/drawing/2014/main" id="{21537752-BB5D-4654-AF02-F907109960E3}"/>
+              </a:ext>
+            </a:extLst>
+          </p:cNvPr>
+          <p:cNvPicPr>
+            <a:picLocks noChangeAspect="1"/>
+          </p:cNvPicPr>
+          <p:nvPr/>
+        </p:nvPicPr>
+        <p:blipFill>
+          <a:blip r:embed="rId2"/>
+          <a:stretch>
+            <a:fillRect/>
+          </a:stretch>
+        </p:blipFill>
+        <p:spPr>
+          <a:xfrm>
+            <a:off x="235057" y="2085217"/>
+            <a:ext cx="4673016" cy="3149206"/>
+          </a:xfrm>
+          <a:prstGeom prst="rect">
+            <a:avLst/>
+          </a:prstGeom>
+        </p:spPr>
+      </p:pic>
+      <p:pic>
+        <p:nvPicPr>
+          <p:cNvPr id="7" name="Picture 6">
+            <a:extLst>
+              <a:ext uri="{FF2B5EF4-FFF2-40B4-BE49-F238E27FC236}">
+                <a16:creationId xmlns:a16="http://schemas.microsoft.com/office/drawing/2014/main" id="{0C31618D-8F26-46D1-ABEF-B4D1F761F687}"/>
+              </a:ext>
+            </a:extLst>
+          </p:cNvPr>
+          <p:cNvPicPr>
+            <a:picLocks noChangeAspect="1"/>
+          </p:cNvPicPr>
+          <p:nvPr/>
+        </p:nvPicPr>
+        <p:blipFill>
+          <a:blip r:embed="rId3"/>
+          <a:stretch>
+            <a:fillRect/>
+          </a:stretch>
+        </p:blipFill>
+        <p:spPr>
+          <a:xfrm>
+            <a:off x="5842041" y="1983629"/>
             <a:ext cx="4800000" cy="3352381"/>
           </a:xfrm>
           <a:prstGeom prst="rect">
@@ -5637,7 +6236,269 @@
     </p:spTree>
     <p:extLst>
       <p:ext uri="{BB962C8B-B14F-4D97-AF65-F5344CB8AC3E}">
-        <p14:creationId xmlns:p14="http://schemas.microsoft.com/office/powerpoint/2010/main" val="792685433"/>
+        <p14:creationId xmlns:p14="http://schemas.microsoft.com/office/powerpoint/2010/main" val="1850423462"/>
+      </p:ext>
+    </p:extLst>
+  </p:cSld>
+  <p:clrMapOvr>
+    <a:masterClrMapping/>
+  </p:clrMapOvr>
+</p:sld>
+</file>
+
+<file path=ppt/slides/slide18.xml><?xml version="1.0" encoding="utf-8"?>
+<p:sld xmlns:a="http://schemas.openxmlformats.org/drawingml/2006/main" xmlns:r="http://schemas.openxmlformats.org/officeDocument/2006/relationships" xmlns:p="http://schemas.openxmlformats.org/presentationml/2006/main">
+  <p:cSld>
+    <p:spTree>
+      <p:nvGrpSpPr>
+        <p:cNvPr id="1" name=""/>
+        <p:cNvGrpSpPr/>
+        <p:nvPr/>
+      </p:nvGrpSpPr>
+      <p:grpSpPr>
+        <a:xfrm>
+          <a:off x="0" y="0"/>
+          <a:ext cx="0" cy="0"/>
+          <a:chOff x="0" y="0"/>
+          <a:chExt cx="0" cy="0"/>
+        </a:xfrm>
+      </p:grpSpPr>
+      <p:sp>
+        <p:nvSpPr>
+          <p:cNvPr id="2" name="Title 1">
+            <a:extLst>
+              <a:ext uri="{FF2B5EF4-FFF2-40B4-BE49-F238E27FC236}">
+                <a16:creationId xmlns:a16="http://schemas.microsoft.com/office/drawing/2014/main" id="{B28517C6-CE1C-4A46-8F02-8B125BE95015}"/>
+              </a:ext>
+            </a:extLst>
+          </p:cNvPr>
+          <p:cNvSpPr>
+            <a:spLocks noGrp="1"/>
+          </p:cNvSpPr>
+          <p:nvPr>
+            <p:ph type="title"/>
+          </p:nvPr>
+        </p:nvSpPr>
+        <p:spPr/>
+        <p:txBody>
+          <a:bodyPr/>
+          <a:lstStyle/>
+          <a:p>
+            <a:endParaRPr lang="en-US"/>
+          </a:p>
+        </p:txBody>
+      </p:sp>
+      <p:sp>
+        <p:nvSpPr>
+          <p:cNvPr id="3" name="Content Placeholder 2">
+            <a:extLst>
+              <a:ext uri="{FF2B5EF4-FFF2-40B4-BE49-F238E27FC236}">
+                <a16:creationId xmlns:a16="http://schemas.microsoft.com/office/drawing/2014/main" id="{0EFCA968-465B-4C54-98F7-36F78AB67154}"/>
+              </a:ext>
+            </a:extLst>
+          </p:cNvPr>
+          <p:cNvSpPr>
+            <a:spLocks noGrp="1"/>
+          </p:cNvSpPr>
+          <p:nvPr>
+            <p:ph idx="1"/>
+          </p:nvPr>
+        </p:nvSpPr>
+        <p:spPr/>
+        <p:txBody>
+          <a:bodyPr/>
+          <a:lstStyle/>
+          <a:p>
+            <a:endParaRPr lang="en-US"/>
+          </a:p>
+        </p:txBody>
+      </p:sp>
+      <p:pic>
+        <p:nvPicPr>
+          <p:cNvPr id="5" name="Picture 4">
+            <a:extLst>
+              <a:ext uri="{FF2B5EF4-FFF2-40B4-BE49-F238E27FC236}">
+                <a16:creationId xmlns:a16="http://schemas.microsoft.com/office/drawing/2014/main" id="{A9B630F1-872D-4F59-A332-6B00CF149286}"/>
+              </a:ext>
+            </a:extLst>
+          </p:cNvPr>
+          <p:cNvPicPr>
+            <a:picLocks noChangeAspect="1"/>
+          </p:cNvPicPr>
+          <p:nvPr/>
+        </p:nvPicPr>
+        <p:blipFill>
+          <a:blip r:embed="rId2"/>
+          <a:stretch>
+            <a:fillRect/>
+          </a:stretch>
+        </p:blipFill>
+        <p:spPr>
+          <a:xfrm>
+            <a:off x="1612797" y="4407284"/>
+            <a:ext cx="8723809" cy="1980952"/>
+          </a:xfrm>
+          <a:prstGeom prst="rect">
+            <a:avLst/>
+          </a:prstGeom>
+        </p:spPr>
+      </p:pic>
+      <p:pic>
+        <p:nvPicPr>
+          <p:cNvPr id="7" name="Picture 6">
+            <a:extLst>
+              <a:ext uri="{FF2B5EF4-FFF2-40B4-BE49-F238E27FC236}">
+                <a16:creationId xmlns:a16="http://schemas.microsoft.com/office/drawing/2014/main" id="{559B5354-B915-4C23-8EDD-92341ED5AEE3}"/>
+              </a:ext>
+            </a:extLst>
+          </p:cNvPr>
+          <p:cNvPicPr>
+            <a:picLocks noChangeAspect="1"/>
+          </p:cNvPicPr>
+          <p:nvPr/>
+        </p:nvPicPr>
+        <p:blipFill>
+          <a:blip r:embed="rId3"/>
+          <a:stretch>
+            <a:fillRect/>
+          </a:stretch>
+        </p:blipFill>
+        <p:spPr>
+          <a:xfrm>
+            <a:off x="3826629" y="1136988"/>
+            <a:ext cx="4800000" cy="3352381"/>
+          </a:xfrm>
+          <a:prstGeom prst="rect">
+            <a:avLst/>
+          </a:prstGeom>
+        </p:spPr>
+      </p:pic>
+    </p:spTree>
+    <p:extLst>
+      <p:ext uri="{BB962C8B-B14F-4D97-AF65-F5344CB8AC3E}">
+        <p14:creationId xmlns:p14="http://schemas.microsoft.com/office/powerpoint/2010/main" val="992920812"/>
+      </p:ext>
+    </p:extLst>
+  </p:cSld>
+  <p:clrMapOvr>
+    <a:masterClrMapping/>
+  </p:clrMapOvr>
+</p:sld>
+</file>
+
+<file path=ppt/slides/slide19.xml><?xml version="1.0" encoding="utf-8"?>
+<p:sld xmlns:a="http://schemas.openxmlformats.org/drawingml/2006/main" xmlns:r="http://schemas.openxmlformats.org/officeDocument/2006/relationships" xmlns:p="http://schemas.openxmlformats.org/presentationml/2006/main">
+  <p:cSld>
+    <p:spTree>
+      <p:nvGrpSpPr>
+        <p:cNvPr id="1" name=""/>
+        <p:cNvGrpSpPr/>
+        <p:nvPr/>
+      </p:nvGrpSpPr>
+      <p:grpSpPr>
+        <a:xfrm>
+          <a:off x="0" y="0"/>
+          <a:ext cx="0" cy="0"/>
+          <a:chOff x="0" y="0"/>
+          <a:chExt cx="0" cy="0"/>
+        </a:xfrm>
+      </p:grpSpPr>
+      <p:sp>
+        <p:nvSpPr>
+          <p:cNvPr id="2" name="Title 1">
+            <a:extLst>
+              <a:ext uri="{FF2B5EF4-FFF2-40B4-BE49-F238E27FC236}">
+                <a16:creationId xmlns:a16="http://schemas.microsoft.com/office/drawing/2014/main" id="{70F43F5D-A3E0-44F4-989D-0E180CD7F124}"/>
+              </a:ext>
+            </a:extLst>
+          </p:cNvPr>
+          <p:cNvSpPr>
+            <a:spLocks noGrp="1"/>
+          </p:cNvSpPr>
+          <p:nvPr>
+            <p:ph type="title"/>
+          </p:nvPr>
+        </p:nvSpPr>
+        <p:spPr/>
+        <p:txBody>
+          <a:bodyPr/>
+          <a:lstStyle/>
+          <a:p>
+            <a:r>
+              <a:rPr lang="el-GR" dirty="0"/>
+              <a:t>ρ</a:t>
+            </a:r>
+            <a:r>
+              <a:rPr lang="en-US" dirty="0"/>
+              <a:t> = 0.5</a:t>
+            </a:r>
+          </a:p>
+        </p:txBody>
+      </p:sp>
+      <p:pic>
+        <p:nvPicPr>
+          <p:cNvPr id="5" name="Picture 4">
+            <a:extLst>
+              <a:ext uri="{FF2B5EF4-FFF2-40B4-BE49-F238E27FC236}">
+                <a16:creationId xmlns:a16="http://schemas.microsoft.com/office/drawing/2014/main" id="{48AA2546-B20C-4490-8E17-AE7EC6BB5842}"/>
+              </a:ext>
+            </a:extLst>
+          </p:cNvPr>
+          <p:cNvPicPr>
+            <a:picLocks noChangeAspect="1"/>
+          </p:cNvPicPr>
+          <p:nvPr/>
+        </p:nvPicPr>
+        <p:blipFill>
+          <a:blip r:embed="rId2"/>
+          <a:stretch>
+            <a:fillRect/>
+          </a:stretch>
+        </p:blipFill>
+        <p:spPr>
+          <a:xfrm>
+            <a:off x="678940" y="2094094"/>
+            <a:ext cx="4673016" cy="3149206"/>
+          </a:xfrm>
+          <a:prstGeom prst="rect">
+            <a:avLst/>
+          </a:prstGeom>
+        </p:spPr>
+      </p:pic>
+      <p:pic>
+        <p:nvPicPr>
+          <p:cNvPr id="7" name="Picture 6">
+            <a:extLst>
+              <a:ext uri="{FF2B5EF4-FFF2-40B4-BE49-F238E27FC236}">
+                <a16:creationId xmlns:a16="http://schemas.microsoft.com/office/drawing/2014/main" id="{3432D823-FA51-43BD-BC62-E168C93D1C15}"/>
+              </a:ext>
+            </a:extLst>
+          </p:cNvPr>
+          <p:cNvPicPr>
+            <a:picLocks noChangeAspect="1"/>
+          </p:cNvPicPr>
+          <p:nvPr/>
+        </p:nvPicPr>
+        <p:blipFill>
+          <a:blip r:embed="rId3"/>
+          <a:stretch>
+            <a:fillRect/>
+          </a:stretch>
+        </p:blipFill>
+        <p:spPr>
+          <a:xfrm>
+            <a:off x="6918594" y="1890919"/>
+            <a:ext cx="4800000" cy="3352381"/>
+          </a:xfrm>
+          <a:prstGeom prst="rect">
+            <a:avLst/>
+          </a:prstGeom>
+        </p:spPr>
+      </p:pic>
+    </p:spTree>
+    <p:extLst>
+      <p:ext uri="{BB962C8B-B14F-4D97-AF65-F5344CB8AC3E}">
+        <p14:creationId xmlns:p14="http://schemas.microsoft.com/office/powerpoint/2010/main" val="2385623007"/>
       </p:ext>
     </p:extLst>
   </p:cSld>
@@ -6329,6 +7190,4792 @@
 </p:sld>
 </file>
 
+<file path=ppt/slides/slide20.xml><?xml version="1.0" encoding="utf-8"?>
+<p:sld xmlns:a="http://schemas.openxmlformats.org/drawingml/2006/main" xmlns:r="http://schemas.openxmlformats.org/officeDocument/2006/relationships" xmlns:p="http://schemas.openxmlformats.org/presentationml/2006/main">
+  <p:cSld>
+    <p:spTree>
+      <p:nvGrpSpPr>
+        <p:cNvPr id="1" name=""/>
+        <p:cNvGrpSpPr/>
+        <p:nvPr/>
+      </p:nvGrpSpPr>
+      <p:grpSpPr>
+        <a:xfrm>
+          <a:off x="0" y="0"/>
+          <a:ext cx="0" cy="0"/>
+          <a:chOff x="0" y="0"/>
+          <a:chExt cx="0" cy="0"/>
+        </a:xfrm>
+      </p:grpSpPr>
+      <p:sp>
+        <p:nvSpPr>
+          <p:cNvPr id="2" name="Title 1">
+            <a:extLst>
+              <a:ext uri="{FF2B5EF4-FFF2-40B4-BE49-F238E27FC236}">
+                <a16:creationId xmlns:a16="http://schemas.microsoft.com/office/drawing/2014/main" id="{68B86A2F-B23A-4032-B74F-EE758FC08E1C}"/>
+              </a:ext>
+            </a:extLst>
+          </p:cNvPr>
+          <p:cNvSpPr>
+            <a:spLocks noGrp="1"/>
+          </p:cNvSpPr>
+          <p:nvPr>
+            <p:ph type="title"/>
+          </p:nvPr>
+        </p:nvSpPr>
+        <p:spPr/>
+        <p:txBody>
+          <a:bodyPr/>
+          <a:lstStyle/>
+          <a:p>
+            <a:endParaRPr lang="en-US"/>
+          </a:p>
+        </p:txBody>
+      </p:sp>
+      <p:pic>
+        <p:nvPicPr>
+          <p:cNvPr id="5" name="Content Placeholder 4">
+            <a:extLst>
+              <a:ext uri="{FF2B5EF4-FFF2-40B4-BE49-F238E27FC236}">
+                <a16:creationId xmlns:a16="http://schemas.microsoft.com/office/drawing/2014/main" id="{2259D2E3-66D4-415B-80BB-F15AA014F58D}"/>
+              </a:ext>
+            </a:extLst>
+          </p:cNvPr>
+          <p:cNvPicPr>
+            <a:picLocks noGrp="1" noChangeAspect="1"/>
+          </p:cNvPicPr>
+          <p:nvPr>
+            <p:ph idx="1"/>
+          </p:nvPr>
+        </p:nvPicPr>
+        <p:blipFill>
+          <a:blip r:embed="rId2"/>
+          <a:stretch>
+            <a:fillRect/>
+          </a:stretch>
+        </p:blipFill>
+        <p:spPr>
+          <a:xfrm>
+            <a:off x="3864676" y="869165"/>
+            <a:ext cx="4800000" cy="3352381"/>
+          </a:xfrm>
+        </p:spPr>
+      </p:pic>
+      <p:pic>
+        <p:nvPicPr>
+          <p:cNvPr id="7" name="Picture 6">
+            <a:extLst>
+              <a:ext uri="{FF2B5EF4-FFF2-40B4-BE49-F238E27FC236}">
+                <a16:creationId xmlns:a16="http://schemas.microsoft.com/office/drawing/2014/main" id="{FAD0C831-595B-4362-9F47-2976897AA2BD}"/>
+              </a:ext>
+            </a:extLst>
+          </p:cNvPr>
+          <p:cNvPicPr>
+            <a:picLocks noChangeAspect="1"/>
+          </p:cNvPicPr>
+          <p:nvPr/>
+        </p:nvPicPr>
+        <p:blipFill>
+          <a:blip r:embed="rId3"/>
+          <a:stretch>
+            <a:fillRect/>
+          </a:stretch>
+        </p:blipFill>
+        <p:spPr>
+          <a:xfrm>
+            <a:off x="1734095" y="4356101"/>
+            <a:ext cx="8723809" cy="1980952"/>
+          </a:xfrm>
+          <a:prstGeom prst="rect">
+            <a:avLst/>
+          </a:prstGeom>
+        </p:spPr>
+      </p:pic>
+    </p:spTree>
+    <p:extLst>
+      <p:ext uri="{BB962C8B-B14F-4D97-AF65-F5344CB8AC3E}">
+        <p14:creationId xmlns:p14="http://schemas.microsoft.com/office/powerpoint/2010/main" val="372113354"/>
+      </p:ext>
+    </p:extLst>
+  </p:cSld>
+  <p:clrMapOvr>
+    <a:masterClrMapping/>
+  </p:clrMapOvr>
+</p:sld>
+</file>
+
+<file path=ppt/slides/slide21.xml><?xml version="1.0" encoding="utf-8"?>
+<p:sld xmlns:a="http://schemas.openxmlformats.org/drawingml/2006/main" xmlns:r="http://schemas.openxmlformats.org/officeDocument/2006/relationships" xmlns:p="http://schemas.openxmlformats.org/presentationml/2006/main">
+  <p:cSld>
+    <p:spTree>
+      <p:nvGrpSpPr>
+        <p:cNvPr id="1" name=""/>
+        <p:cNvGrpSpPr/>
+        <p:nvPr/>
+      </p:nvGrpSpPr>
+      <p:grpSpPr>
+        <a:xfrm>
+          <a:off x="0" y="0"/>
+          <a:ext cx="0" cy="0"/>
+          <a:chOff x="0" y="0"/>
+          <a:chExt cx="0" cy="0"/>
+        </a:xfrm>
+      </p:grpSpPr>
+      <p:sp>
+        <p:nvSpPr>
+          <p:cNvPr id="2" name="Title 1">
+            <a:extLst>
+              <a:ext uri="{FF2B5EF4-FFF2-40B4-BE49-F238E27FC236}">
+                <a16:creationId xmlns:a16="http://schemas.microsoft.com/office/drawing/2014/main" id="{662FC327-6912-418C-A75F-33EE8AA75703}"/>
+              </a:ext>
+            </a:extLst>
+          </p:cNvPr>
+          <p:cNvSpPr>
+            <a:spLocks noGrp="1"/>
+          </p:cNvSpPr>
+          <p:nvPr>
+            <p:ph type="title"/>
+          </p:nvPr>
+        </p:nvSpPr>
+        <p:spPr/>
+        <p:txBody>
+          <a:bodyPr/>
+          <a:lstStyle/>
+          <a:p>
+            <a:r>
+              <a:rPr lang="el-GR" dirty="0"/>
+              <a:t>ρ</a:t>
+            </a:r>
+            <a:r>
+              <a:rPr lang="en-US" dirty="0"/>
+              <a:t> = 0.7</a:t>
+            </a:r>
+          </a:p>
+        </p:txBody>
+      </p:sp>
+      <p:pic>
+        <p:nvPicPr>
+          <p:cNvPr id="5" name="Content Placeholder 4">
+            <a:extLst>
+              <a:ext uri="{FF2B5EF4-FFF2-40B4-BE49-F238E27FC236}">
+                <a16:creationId xmlns:a16="http://schemas.microsoft.com/office/drawing/2014/main" id="{1E64505C-BFE8-4937-8806-9B669C8DDD9D}"/>
+              </a:ext>
+            </a:extLst>
+          </p:cNvPr>
+          <p:cNvPicPr>
+            <a:picLocks noGrp="1" noChangeAspect="1"/>
+          </p:cNvPicPr>
+          <p:nvPr>
+            <p:ph idx="1"/>
+          </p:nvPr>
+        </p:nvPicPr>
+        <p:blipFill>
+          <a:blip r:embed="rId2"/>
+          <a:stretch>
+            <a:fillRect/>
+          </a:stretch>
+        </p:blipFill>
+        <p:spPr>
+          <a:xfrm>
+            <a:off x="616796" y="2346792"/>
+            <a:ext cx="4673016" cy="3149206"/>
+          </a:xfrm>
+        </p:spPr>
+      </p:pic>
+      <p:pic>
+        <p:nvPicPr>
+          <p:cNvPr id="7" name="Picture 6">
+            <a:extLst>
+              <a:ext uri="{FF2B5EF4-FFF2-40B4-BE49-F238E27FC236}">
+                <a16:creationId xmlns:a16="http://schemas.microsoft.com/office/drawing/2014/main" id="{EB4A8350-D0F6-4430-874A-29C83F4A32D9}"/>
+              </a:ext>
+            </a:extLst>
+          </p:cNvPr>
+          <p:cNvPicPr>
+            <a:picLocks noChangeAspect="1"/>
+          </p:cNvPicPr>
+          <p:nvPr/>
+        </p:nvPicPr>
+        <p:blipFill>
+          <a:blip r:embed="rId3"/>
+          <a:stretch>
+            <a:fillRect/>
+          </a:stretch>
+        </p:blipFill>
+        <p:spPr>
+          <a:xfrm>
+            <a:off x="6553800" y="2051389"/>
+            <a:ext cx="4800000" cy="3352381"/>
+          </a:xfrm>
+          <a:prstGeom prst="rect">
+            <a:avLst/>
+          </a:prstGeom>
+        </p:spPr>
+      </p:pic>
+    </p:spTree>
+    <p:extLst>
+      <p:ext uri="{BB962C8B-B14F-4D97-AF65-F5344CB8AC3E}">
+        <p14:creationId xmlns:p14="http://schemas.microsoft.com/office/powerpoint/2010/main" val="2714614645"/>
+      </p:ext>
+    </p:extLst>
+  </p:cSld>
+  <p:clrMapOvr>
+    <a:masterClrMapping/>
+  </p:clrMapOvr>
+</p:sld>
+</file>
+
+<file path=ppt/slides/slide22.xml><?xml version="1.0" encoding="utf-8"?>
+<p:sld xmlns:a="http://schemas.openxmlformats.org/drawingml/2006/main" xmlns:r="http://schemas.openxmlformats.org/officeDocument/2006/relationships" xmlns:p="http://schemas.openxmlformats.org/presentationml/2006/main">
+  <p:cSld>
+    <p:spTree>
+      <p:nvGrpSpPr>
+        <p:cNvPr id="1" name=""/>
+        <p:cNvGrpSpPr/>
+        <p:nvPr/>
+      </p:nvGrpSpPr>
+      <p:grpSpPr>
+        <a:xfrm>
+          <a:off x="0" y="0"/>
+          <a:ext cx="0" cy="0"/>
+          <a:chOff x="0" y="0"/>
+          <a:chExt cx="0" cy="0"/>
+        </a:xfrm>
+      </p:grpSpPr>
+      <p:sp>
+        <p:nvSpPr>
+          <p:cNvPr id="2" name="Title 1">
+            <a:extLst>
+              <a:ext uri="{FF2B5EF4-FFF2-40B4-BE49-F238E27FC236}">
+                <a16:creationId xmlns:a16="http://schemas.microsoft.com/office/drawing/2014/main" id="{D56A9860-1BC5-456D-80A3-3F0D7CDFB090}"/>
+              </a:ext>
+            </a:extLst>
+          </p:cNvPr>
+          <p:cNvSpPr>
+            <a:spLocks noGrp="1"/>
+          </p:cNvSpPr>
+          <p:nvPr>
+            <p:ph type="title"/>
+          </p:nvPr>
+        </p:nvSpPr>
+        <p:spPr/>
+        <p:txBody>
+          <a:bodyPr/>
+          <a:lstStyle/>
+          <a:p>
+            <a:endParaRPr lang="en-US" dirty="0"/>
+          </a:p>
+        </p:txBody>
+      </p:sp>
+      <p:sp>
+        <p:nvSpPr>
+          <p:cNvPr id="3" name="Content Placeholder 2">
+            <a:extLst>
+              <a:ext uri="{FF2B5EF4-FFF2-40B4-BE49-F238E27FC236}">
+                <a16:creationId xmlns:a16="http://schemas.microsoft.com/office/drawing/2014/main" id="{22F24B6F-1DC2-4E00-A297-42F4E0CA6FA8}"/>
+              </a:ext>
+            </a:extLst>
+          </p:cNvPr>
+          <p:cNvSpPr>
+            <a:spLocks noGrp="1"/>
+          </p:cNvSpPr>
+          <p:nvPr>
+            <p:ph idx="1"/>
+          </p:nvPr>
+        </p:nvSpPr>
+        <p:spPr/>
+        <p:txBody>
+          <a:bodyPr/>
+          <a:lstStyle/>
+          <a:p>
+            <a:endParaRPr lang="en-US"/>
+          </a:p>
+        </p:txBody>
+      </p:sp>
+      <p:pic>
+        <p:nvPicPr>
+          <p:cNvPr id="5" name="Picture 4">
+            <a:extLst>
+              <a:ext uri="{FF2B5EF4-FFF2-40B4-BE49-F238E27FC236}">
+                <a16:creationId xmlns:a16="http://schemas.microsoft.com/office/drawing/2014/main" id="{747948D6-ED55-4A14-B65E-217ADF4FB176}"/>
+              </a:ext>
+            </a:extLst>
+          </p:cNvPr>
+          <p:cNvPicPr>
+            <a:picLocks noChangeAspect="1"/>
+          </p:cNvPicPr>
+          <p:nvPr/>
+        </p:nvPicPr>
+        <p:blipFill>
+          <a:blip r:embed="rId2"/>
+          <a:stretch>
+            <a:fillRect/>
+          </a:stretch>
+        </p:blipFill>
+        <p:spPr>
+          <a:xfrm>
+            <a:off x="3304114" y="829078"/>
+            <a:ext cx="4800000" cy="3352381"/>
+          </a:xfrm>
+          <a:prstGeom prst="rect">
+            <a:avLst/>
+          </a:prstGeom>
+        </p:spPr>
+      </p:pic>
+      <p:pic>
+        <p:nvPicPr>
+          <p:cNvPr id="7" name="Picture 6">
+            <a:extLst>
+              <a:ext uri="{FF2B5EF4-FFF2-40B4-BE49-F238E27FC236}">
+                <a16:creationId xmlns:a16="http://schemas.microsoft.com/office/drawing/2014/main" id="{F5EE451C-943A-4B2C-9D0D-6A86335B7BEB}"/>
+              </a:ext>
+            </a:extLst>
+          </p:cNvPr>
+          <p:cNvPicPr>
+            <a:picLocks noChangeAspect="1"/>
+          </p:cNvPicPr>
+          <p:nvPr/>
+        </p:nvPicPr>
+        <p:blipFill>
+          <a:blip r:embed="rId3"/>
+          <a:stretch>
+            <a:fillRect/>
+          </a:stretch>
+        </p:blipFill>
+        <p:spPr>
+          <a:xfrm>
+            <a:off x="1510161" y="4181459"/>
+            <a:ext cx="8723809" cy="1980952"/>
+          </a:xfrm>
+          <a:prstGeom prst="rect">
+            <a:avLst/>
+          </a:prstGeom>
+        </p:spPr>
+      </p:pic>
+    </p:spTree>
+    <p:extLst>
+      <p:ext uri="{BB962C8B-B14F-4D97-AF65-F5344CB8AC3E}">
+        <p14:creationId xmlns:p14="http://schemas.microsoft.com/office/powerpoint/2010/main" val="3846389472"/>
+      </p:ext>
+    </p:extLst>
+  </p:cSld>
+  <p:clrMapOvr>
+    <a:masterClrMapping/>
+  </p:clrMapOvr>
+</p:sld>
+</file>
+
+<file path=ppt/slides/slide23.xml><?xml version="1.0" encoding="utf-8"?>
+<p:sld xmlns:a="http://schemas.openxmlformats.org/drawingml/2006/main" xmlns:r="http://schemas.openxmlformats.org/officeDocument/2006/relationships" xmlns:p="http://schemas.openxmlformats.org/presentationml/2006/main">
+  <p:cSld>
+    <p:spTree>
+      <p:nvGrpSpPr>
+        <p:cNvPr id="1" name=""/>
+        <p:cNvGrpSpPr/>
+        <p:nvPr/>
+      </p:nvGrpSpPr>
+      <p:grpSpPr>
+        <a:xfrm>
+          <a:off x="0" y="0"/>
+          <a:ext cx="0" cy="0"/>
+          <a:chOff x="0" y="0"/>
+          <a:chExt cx="0" cy="0"/>
+        </a:xfrm>
+      </p:grpSpPr>
+      <p:sp>
+        <p:nvSpPr>
+          <p:cNvPr id="2" name="Title 1">
+            <a:extLst>
+              <a:ext uri="{FF2B5EF4-FFF2-40B4-BE49-F238E27FC236}">
+                <a16:creationId xmlns:a16="http://schemas.microsoft.com/office/drawing/2014/main" id="{29EC4573-762F-4CAB-98B2-E4DC8D6454D8}"/>
+              </a:ext>
+            </a:extLst>
+          </p:cNvPr>
+          <p:cNvSpPr>
+            <a:spLocks noGrp="1"/>
+          </p:cNvSpPr>
+          <p:nvPr>
+            <p:ph type="title"/>
+          </p:nvPr>
+        </p:nvSpPr>
+        <p:spPr/>
+        <p:txBody>
+          <a:bodyPr/>
+          <a:lstStyle/>
+          <a:p>
+            <a:endParaRPr lang="en-US"/>
+          </a:p>
+        </p:txBody>
+      </p:sp>
+      <p:sp>
+        <p:nvSpPr>
+          <p:cNvPr id="3" name="Content Placeholder 2">
+            <a:extLst>
+              <a:ext uri="{FF2B5EF4-FFF2-40B4-BE49-F238E27FC236}">
+                <a16:creationId xmlns:a16="http://schemas.microsoft.com/office/drawing/2014/main" id="{221B88B8-1014-4492-BEAD-51D06513402C}"/>
+              </a:ext>
+            </a:extLst>
+          </p:cNvPr>
+          <p:cNvSpPr>
+            <a:spLocks noGrp="1"/>
+          </p:cNvSpPr>
+          <p:nvPr>
+            <p:ph idx="1"/>
+          </p:nvPr>
+        </p:nvSpPr>
+        <p:spPr/>
+        <p:txBody>
+          <a:bodyPr/>
+          <a:lstStyle/>
+          <a:p>
+            <a:endParaRPr lang="en-US"/>
+          </a:p>
+        </p:txBody>
+      </p:sp>
+    </p:spTree>
+    <p:extLst>
+      <p:ext uri="{BB962C8B-B14F-4D97-AF65-F5344CB8AC3E}">
+        <p14:creationId xmlns:p14="http://schemas.microsoft.com/office/powerpoint/2010/main" val="1768836244"/>
+      </p:ext>
+    </p:extLst>
+  </p:cSld>
+  <p:clrMapOvr>
+    <a:masterClrMapping/>
+  </p:clrMapOvr>
+</p:sld>
+</file>
+
+<file path=ppt/slides/slide24.xml><?xml version="1.0" encoding="utf-8"?>
+<p:sld xmlns:a="http://schemas.openxmlformats.org/drawingml/2006/main" xmlns:r="http://schemas.openxmlformats.org/officeDocument/2006/relationships" xmlns:p="http://schemas.openxmlformats.org/presentationml/2006/main">
+  <p:cSld>
+    <p:spTree>
+      <p:nvGrpSpPr>
+        <p:cNvPr id="1" name=""/>
+        <p:cNvGrpSpPr/>
+        <p:nvPr/>
+      </p:nvGrpSpPr>
+      <p:grpSpPr>
+        <a:xfrm>
+          <a:off x="0" y="0"/>
+          <a:ext cx="0" cy="0"/>
+          <a:chOff x="0" y="0"/>
+          <a:chExt cx="0" cy="0"/>
+        </a:xfrm>
+      </p:grpSpPr>
+      <p:sp>
+        <p:nvSpPr>
+          <p:cNvPr id="2" name="Title 1">
+            <a:extLst>
+              <a:ext uri="{FF2B5EF4-FFF2-40B4-BE49-F238E27FC236}">
+                <a16:creationId xmlns:a16="http://schemas.microsoft.com/office/drawing/2014/main" id="{3229548F-299B-46F5-901E-E74801F74283}"/>
+              </a:ext>
+            </a:extLst>
+          </p:cNvPr>
+          <p:cNvSpPr>
+            <a:spLocks noGrp="1"/>
+          </p:cNvSpPr>
+          <p:nvPr>
+            <p:ph type="title"/>
+          </p:nvPr>
+        </p:nvSpPr>
+        <p:spPr/>
+        <p:txBody>
+          <a:bodyPr/>
+          <a:lstStyle/>
+          <a:p>
+            <a:r>
+              <a:rPr lang="en-US" dirty="0"/>
+              <a:t>Num taper 50 – rho=0.2</a:t>
+            </a:r>
+          </a:p>
+        </p:txBody>
+      </p:sp>
+      <p:pic>
+        <p:nvPicPr>
+          <p:cNvPr id="5" name="Content Placeholder 4">
+            <a:extLst>
+              <a:ext uri="{FF2B5EF4-FFF2-40B4-BE49-F238E27FC236}">
+                <a16:creationId xmlns:a16="http://schemas.microsoft.com/office/drawing/2014/main" id="{39D03098-7886-4588-BD7D-9B033F129BA9}"/>
+              </a:ext>
+            </a:extLst>
+          </p:cNvPr>
+          <p:cNvPicPr>
+            <a:picLocks noGrp="1" noChangeAspect="1"/>
+          </p:cNvPicPr>
+          <p:nvPr>
+            <p:ph idx="1"/>
+          </p:nvPr>
+        </p:nvPicPr>
+        <p:blipFill>
+          <a:blip r:embed="rId2"/>
+          <a:stretch>
+            <a:fillRect/>
+          </a:stretch>
+        </p:blipFill>
+        <p:spPr>
+          <a:xfrm>
+            <a:off x="3195108" y="1825625"/>
+            <a:ext cx="5801784" cy="4351338"/>
+          </a:xfrm>
+        </p:spPr>
+      </p:pic>
+      <p:pic>
+        <p:nvPicPr>
+          <p:cNvPr id="7" name="Picture 6">
+            <a:extLst>
+              <a:ext uri="{FF2B5EF4-FFF2-40B4-BE49-F238E27FC236}">
+                <a16:creationId xmlns:a16="http://schemas.microsoft.com/office/drawing/2014/main" id="{2FED82D4-3E37-4DEC-A969-8FFAF6569233}"/>
+              </a:ext>
+            </a:extLst>
+          </p:cNvPr>
+          <p:cNvPicPr>
+            <a:picLocks noChangeAspect="1"/>
+          </p:cNvPicPr>
+          <p:nvPr/>
+        </p:nvPicPr>
+        <p:blipFill>
+          <a:blip r:embed="rId3"/>
+          <a:stretch>
+            <a:fillRect/>
+          </a:stretch>
+        </p:blipFill>
+        <p:spPr>
+          <a:xfrm>
+            <a:off x="3048000" y="1143000"/>
+            <a:ext cx="6096000" cy="4572000"/>
+          </a:xfrm>
+          <a:prstGeom prst="rect">
+            <a:avLst/>
+          </a:prstGeom>
+        </p:spPr>
+      </p:pic>
+      <p:pic>
+        <p:nvPicPr>
+          <p:cNvPr id="9" name="Picture 8">
+            <a:extLst>
+              <a:ext uri="{FF2B5EF4-FFF2-40B4-BE49-F238E27FC236}">
+                <a16:creationId xmlns:a16="http://schemas.microsoft.com/office/drawing/2014/main" id="{E7FADFEB-88F2-42AA-837D-E7FAC0076F06}"/>
+              </a:ext>
+            </a:extLst>
+          </p:cNvPr>
+          <p:cNvPicPr>
+            <a:picLocks noChangeAspect="1"/>
+          </p:cNvPicPr>
+          <p:nvPr/>
+        </p:nvPicPr>
+        <p:blipFill>
+          <a:blip r:embed="rId4"/>
+          <a:stretch>
+            <a:fillRect/>
+          </a:stretch>
+        </p:blipFill>
+        <p:spPr>
+          <a:xfrm>
+            <a:off x="381000" y="2476500"/>
+            <a:ext cx="11430000" cy="1905000"/>
+          </a:xfrm>
+          <a:prstGeom prst="rect">
+            <a:avLst/>
+          </a:prstGeom>
+        </p:spPr>
+      </p:pic>
+      <p:pic>
+        <p:nvPicPr>
+          <p:cNvPr id="11" name="Picture 10">
+            <a:extLst>
+              <a:ext uri="{FF2B5EF4-FFF2-40B4-BE49-F238E27FC236}">
+                <a16:creationId xmlns:a16="http://schemas.microsoft.com/office/drawing/2014/main" id="{E49B9C2A-3616-4C66-86ED-82B63CCDB291}"/>
+              </a:ext>
+            </a:extLst>
+          </p:cNvPr>
+          <p:cNvPicPr>
+            <a:picLocks noChangeAspect="1"/>
+          </p:cNvPicPr>
+          <p:nvPr/>
+        </p:nvPicPr>
+        <p:blipFill>
+          <a:blip r:embed="rId5"/>
+          <a:stretch>
+            <a:fillRect/>
+          </a:stretch>
+        </p:blipFill>
+        <p:spPr>
+          <a:xfrm>
+            <a:off x="3048000" y="1143000"/>
+            <a:ext cx="6096000" cy="4572000"/>
+          </a:xfrm>
+          <a:prstGeom prst="rect">
+            <a:avLst/>
+          </a:prstGeom>
+        </p:spPr>
+      </p:pic>
+    </p:spTree>
+    <p:extLst>
+      <p:ext uri="{BB962C8B-B14F-4D97-AF65-F5344CB8AC3E}">
+        <p14:creationId xmlns:p14="http://schemas.microsoft.com/office/powerpoint/2010/main" val="2969586006"/>
+      </p:ext>
+    </p:extLst>
+  </p:cSld>
+  <p:clrMapOvr>
+    <a:masterClrMapping/>
+  </p:clrMapOvr>
+</p:sld>
+</file>
+
+<file path=ppt/slides/slide25.xml><?xml version="1.0" encoding="utf-8"?>
+<p:sld xmlns:a="http://schemas.openxmlformats.org/drawingml/2006/main" xmlns:r="http://schemas.openxmlformats.org/officeDocument/2006/relationships" xmlns:p="http://schemas.openxmlformats.org/presentationml/2006/main">
+  <p:cSld>
+    <p:spTree>
+      <p:nvGrpSpPr>
+        <p:cNvPr id="1" name=""/>
+        <p:cNvGrpSpPr/>
+        <p:nvPr/>
+      </p:nvGrpSpPr>
+      <p:grpSpPr>
+        <a:xfrm>
+          <a:off x="0" y="0"/>
+          <a:ext cx="0" cy="0"/>
+          <a:chOff x="0" y="0"/>
+          <a:chExt cx="0" cy="0"/>
+        </a:xfrm>
+      </p:grpSpPr>
+      <p:sp>
+        <p:nvSpPr>
+          <p:cNvPr id="2" name="Title 1">
+            <a:extLst>
+              <a:ext uri="{FF2B5EF4-FFF2-40B4-BE49-F238E27FC236}">
+                <a16:creationId xmlns:a16="http://schemas.microsoft.com/office/drawing/2014/main" id="{BB884C28-F866-447C-8B4B-298969DE21DF}"/>
+              </a:ext>
+            </a:extLst>
+          </p:cNvPr>
+          <p:cNvSpPr>
+            <a:spLocks noGrp="1"/>
+          </p:cNvSpPr>
+          <p:nvPr>
+            <p:ph type="title"/>
+          </p:nvPr>
+        </p:nvSpPr>
+        <p:spPr/>
+        <p:txBody>
+          <a:bodyPr/>
+          <a:lstStyle/>
+          <a:p>
+            <a:r>
+              <a:rPr lang="en-US" dirty="0"/>
+              <a:t>Rho=0.4</a:t>
+            </a:r>
+          </a:p>
+        </p:txBody>
+      </p:sp>
+      <mc:AlternateContent xmlns:mc="http://schemas.openxmlformats.org/markup-compatibility/2006">
+        <mc:Choice xmlns:a14="http://schemas.microsoft.com/office/drawing/2010/main" Requires="a14">
+          <p:graphicFrame>
+            <p:nvGraphicFramePr>
+              <p:cNvPr id="6" name="Table 6">
+                <a:extLst>
+                  <a:ext uri="{FF2B5EF4-FFF2-40B4-BE49-F238E27FC236}">
+                    <a16:creationId xmlns:a16="http://schemas.microsoft.com/office/drawing/2014/main" id="{9E4D9507-6FC4-4504-95A1-75889750A7DD}"/>
+                  </a:ext>
+                </a:extLst>
+              </p:cNvPr>
+              <p:cNvGraphicFramePr>
+                <a:graphicFrameLocks noGrp="1"/>
+              </p:cNvGraphicFramePr>
+              <p:nvPr>
+                <p:ph idx="1"/>
+                <p:extLst>
+                  <p:ext uri="{D42A27DB-BD31-4B8C-83A1-F6EECF244321}">
+                    <p14:modId xmlns:p14="http://schemas.microsoft.com/office/powerpoint/2010/main" val="1643844345"/>
+                  </p:ext>
+                </p:extLst>
+              </p:nvPr>
+            </p:nvGraphicFramePr>
+            <p:xfrm>
+              <a:off x="145774" y="1825625"/>
+              <a:ext cx="11900459" cy="3307080"/>
+            </p:xfrm>
+            <a:graphic>
+              <a:graphicData uri="http://schemas.openxmlformats.org/drawingml/2006/table">
+                <a:tbl>
+                  <a:tblPr firstRow="1" bandRow="1">
+                    <a:tableStyleId>{5C22544A-7EE6-4342-B048-85BDC9FD1C3A}</a:tableStyleId>
+                  </a:tblPr>
+                  <a:tblGrid>
+                    <a:gridCol w="1342293">
+                      <a:extLst>
+                        <a:ext uri="{9D8B030D-6E8A-4147-A177-3AD203B41FA5}">
+                          <a16:colId xmlns:a16="http://schemas.microsoft.com/office/drawing/2014/main" val="3247159312"/>
+                        </a:ext>
+                      </a:extLst>
+                    </a:gridCol>
+                    <a:gridCol w="671147">
+                      <a:extLst>
+                        <a:ext uri="{9D8B030D-6E8A-4147-A177-3AD203B41FA5}">
+                          <a16:colId xmlns:a16="http://schemas.microsoft.com/office/drawing/2014/main" val="1044816037"/>
+                        </a:ext>
+                      </a:extLst>
+                    </a:gridCol>
+                    <a:gridCol w="671147">
+                      <a:extLst>
+                        <a:ext uri="{9D8B030D-6E8A-4147-A177-3AD203B41FA5}">
+                          <a16:colId xmlns:a16="http://schemas.microsoft.com/office/drawing/2014/main" val="341415303"/>
+                        </a:ext>
+                      </a:extLst>
+                    </a:gridCol>
+                    <a:gridCol w="671147">
+                      <a:extLst>
+                        <a:ext uri="{9D8B030D-6E8A-4147-A177-3AD203B41FA5}">
+                          <a16:colId xmlns:a16="http://schemas.microsoft.com/office/drawing/2014/main" val="3194767071"/>
+                        </a:ext>
+                      </a:extLst>
+                    </a:gridCol>
+                    <a:gridCol w="671147">
+                      <a:extLst>
+                        <a:ext uri="{9D8B030D-6E8A-4147-A177-3AD203B41FA5}">
+                          <a16:colId xmlns:a16="http://schemas.microsoft.com/office/drawing/2014/main" val="3900111154"/>
+                        </a:ext>
+                      </a:extLst>
+                    </a:gridCol>
+                    <a:gridCol w="671147">
+                      <a:extLst>
+                        <a:ext uri="{9D8B030D-6E8A-4147-A177-3AD203B41FA5}">
+                          <a16:colId xmlns:a16="http://schemas.microsoft.com/office/drawing/2014/main" val="2471587204"/>
+                        </a:ext>
+                      </a:extLst>
+                    </a:gridCol>
+                    <a:gridCol w="671147">
+                      <a:extLst>
+                        <a:ext uri="{9D8B030D-6E8A-4147-A177-3AD203B41FA5}">
+                          <a16:colId xmlns:a16="http://schemas.microsoft.com/office/drawing/2014/main" val="1569905177"/>
+                        </a:ext>
+                      </a:extLst>
+                    </a:gridCol>
+                    <a:gridCol w="671147">
+                      <a:extLst>
+                        <a:ext uri="{9D8B030D-6E8A-4147-A177-3AD203B41FA5}">
+                          <a16:colId xmlns:a16="http://schemas.microsoft.com/office/drawing/2014/main" val="2913658401"/>
+                        </a:ext>
+                      </a:extLst>
+                    </a:gridCol>
+                    <a:gridCol w="671147">
+                      <a:extLst>
+                        <a:ext uri="{9D8B030D-6E8A-4147-A177-3AD203B41FA5}">
+                          <a16:colId xmlns:a16="http://schemas.microsoft.com/office/drawing/2014/main" val="209088930"/>
+                        </a:ext>
+                      </a:extLst>
+                    </a:gridCol>
+                    <a:gridCol w="671147">
+                      <a:extLst>
+                        <a:ext uri="{9D8B030D-6E8A-4147-A177-3AD203B41FA5}">
+                          <a16:colId xmlns:a16="http://schemas.microsoft.com/office/drawing/2014/main" val="3078893975"/>
+                        </a:ext>
+                      </a:extLst>
+                    </a:gridCol>
+                    <a:gridCol w="671147">
+                      <a:extLst>
+                        <a:ext uri="{9D8B030D-6E8A-4147-A177-3AD203B41FA5}">
+                          <a16:colId xmlns:a16="http://schemas.microsoft.com/office/drawing/2014/main" val="31719339"/>
+                        </a:ext>
+                      </a:extLst>
+                    </a:gridCol>
+                    <a:gridCol w="581054">
+                      <a:extLst>
+                        <a:ext uri="{9D8B030D-6E8A-4147-A177-3AD203B41FA5}">
+                          <a16:colId xmlns:a16="http://schemas.microsoft.com/office/drawing/2014/main" val="3678376529"/>
+                        </a:ext>
+                      </a:extLst>
+                    </a:gridCol>
+                    <a:gridCol w="581054">
+                      <a:extLst>
+                        <a:ext uri="{9D8B030D-6E8A-4147-A177-3AD203B41FA5}">
+                          <a16:colId xmlns:a16="http://schemas.microsoft.com/office/drawing/2014/main" val="508379586"/>
+                        </a:ext>
+                      </a:extLst>
+                    </a:gridCol>
+                    <a:gridCol w="671147">
+                      <a:extLst>
+                        <a:ext uri="{9D8B030D-6E8A-4147-A177-3AD203B41FA5}">
+                          <a16:colId xmlns:a16="http://schemas.microsoft.com/office/drawing/2014/main" val="4262606386"/>
+                        </a:ext>
+                      </a:extLst>
+                    </a:gridCol>
+                    <a:gridCol w="671147">
+                      <a:extLst>
+                        <a:ext uri="{9D8B030D-6E8A-4147-A177-3AD203B41FA5}">
+                          <a16:colId xmlns:a16="http://schemas.microsoft.com/office/drawing/2014/main" val="2198977318"/>
+                        </a:ext>
+                      </a:extLst>
+                    </a:gridCol>
+                    <a:gridCol w="671147">
+                      <a:extLst>
+                        <a:ext uri="{9D8B030D-6E8A-4147-A177-3AD203B41FA5}">
+                          <a16:colId xmlns:a16="http://schemas.microsoft.com/office/drawing/2014/main" val="4101588250"/>
+                        </a:ext>
+                      </a:extLst>
+                    </a:gridCol>
+                    <a:gridCol w="671147">
+                      <a:extLst>
+                        <a:ext uri="{9D8B030D-6E8A-4147-A177-3AD203B41FA5}">
+                          <a16:colId xmlns:a16="http://schemas.microsoft.com/office/drawing/2014/main" val="4232495769"/>
+                        </a:ext>
+                      </a:extLst>
+                    </a:gridCol>
+                  </a:tblGrid>
+                  <a:tr h="370840">
+                    <a:tc>
+                      <a:txBody>
+                        <a:bodyPr/>
+                        <a:lstStyle/>
+                        <a:p>
+                          <a:endParaRPr lang="en-US"/>
+                        </a:p>
+                      </a:txBody>
+                      <a:tcPr/>
+                    </a:tc>
+                    <a:tc gridSpan="6">
+                      <a:txBody>
+                        <a:bodyPr/>
+                        <a:lstStyle/>
+                        <a:p>
+                          <a:r>
+                            <a:rPr lang="en-US" dirty="0"/>
+                            <a:t>Baseline parameters </a:t>
+                          </a:r>
+                        </a:p>
+                      </a:txBody>
+                      <a:tcPr/>
+                    </a:tc>
+                    <a:tc hMerge="1">
+                      <a:txBody>
+                        <a:bodyPr/>
+                        <a:lstStyle/>
+                        <a:p>
+                          <a:endParaRPr lang="en-US"/>
+                        </a:p>
+                      </a:txBody>
+                      <a:tcPr/>
+                    </a:tc>
+                    <a:tc hMerge="1">
+                      <a:txBody>
+                        <a:bodyPr/>
+                        <a:lstStyle/>
+                        <a:p>
+                          <a:endParaRPr lang="en-US"/>
+                        </a:p>
+                      </a:txBody>
+                      <a:tcPr/>
+                    </a:tc>
+                    <a:tc hMerge="1">
+                      <a:txBody>
+                        <a:bodyPr/>
+                        <a:lstStyle/>
+                        <a:p>
+                          <a:endParaRPr lang="en-US"/>
+                        </a:p>
+                      </a:txBody>
+                      <a:tcPr/>
+                    </a:tc>
+                    <a:tc hMerge="1">
+                      <a:txBody>
+                        <a:bodyPr/>
+                        <a:lstStyle/>
+                        <a:p>
+                          <a:endParaRPr lang="en-US" dirty="0"/>
+                        </a:p>
+                      </a:txBody>
+                      <a:tcPr/>
+                    </a:tc>
+                    <a:tc hMerge="1">
+                      <a:txBody>
+                        <a:bodyPr/>
+                        <a:lstStyle/>
+                        <a:p>
+                          <a:endParaRPr lang="en-US"/>
+                        </a:p>
+                      </a:txBody>
+                      <a:tcPr/>
+                    </a:tc>
+                    <a:tc gridSpan="6">
+                      <a:txBody>
+                        <a:bodyPr/>
+                        <a:lstStyle/>
+                        <a:p>
+                          <a:r>
+                            <a:rPr lang="en-US" dirty="0"/>
+                            <a:t>1</a:t>
+                          </a:r>
+                          <a:r>
+                            <a:rPr lang="en-US" baseline="30000" dirty="0"/>
+                            <a:t>st</a:t>
+                          </a:r>
+                          <a:r>
+                            <a:rPr lang="en-US" dirty="0"/>
+                            <a:t> Bump parameters </a:t>
+                          </a:r>
+                        </a:p>
+                      </a:txBody>
+                      <a:tcPr/>
+                    </a:tc>
+                    <a:tc hMerge="1">
+                      <a:txBody>
+                        <a:bodyPr/>
+                        <a:lstStyle/>
+                        <a:p>
+                          <a:endParaRPr lang="en-US"/>
+                        </a:p>
+                      </a:txBody>
+                      <a:tcPr/>
+                    </a:tc>
+                    <a:tc hMerge="1">
+                      <a:txBody>
+                        <a:bodyPr/>
+                        <a:lstStyle/>
+                        <a:p>
+                          <a:endParaRPr lang="en-US"/>
+                        </a:p>
+                      </a:txBody>
+                      <a:tcPr/>
+                    </a:tc>
+                    <a:tc hMerge="1">
+                      <a:txBody>
+                        <a:bodyPr/>
+                        <a:lstStyle/>
+                        <a:p>
+                          <a:endParaRPr lang="en-US"/>
+                        </a:p>
+                      </a:txBody>
+                      <a:tcPr/>
+                    </a:tc>
+                    <a:tc hMerge="1">
+                      <a:txBody>
+                        <a:bodyPr/>
+                        <a:lstStyle/>
+                        <a:p>
+                          <a:endParaRPr lang="en-US" dirty="0"/>
+                        </a:p>
+                      </a:txBody>
+                      <a:tcPr/>
+                    </a:tc>
+                    <a:tc hMerge="1">
+                      <a:txBody>
+                        <a:bodyPr/>
+                        <a:lstStyle/>
+                        <a:p>
+                          <a:endParaRPr lang="en-US"/>
+                        </a:p>
+                      </a:txBody>
+                      <a:tcPr/>
+                    </a:tc>
+                    <a:tc gridSpan="4">
+                      <a:txBody>
+                        <a:bodyPr/>
+                        <a:lstStyle/>
+                        <a:p>
+                          <a:r>
+                            <a:rPr lang="en-US" dirty="0"/>
+                            <a:t>Noise Param </a:t>
+                          </a:r>
+                        </a:p>
+                      </a:txBody>
+                      <a:tcPr/>
+                    </a:tc>
+                    <a:tc hMerge="1">
+                      <a:txBody>
+                        <a:bodyPr/>
+                        <a:lstStyle/>
+                        <a:p>
+                          <a:endParaRPr lang="en-US"/>
+                        </a:p>
+                      </a:txBody>
+                      <a:tcPr/>
+                    </a:tc>
+                    <a:tc hMerge="1">
+                      <a:txBody>
+                        <a:bodyPr/>
+                        <a:lstStyle/>
+                        <a:p>
+                          <a:endParaRPr lang="en-US" dirty="0"/>
+                        </a:p>
+                      </a:txBody>
+                      <a:tcPr/>
+                    </a:tc>
+                    <a:tc hMerge="1">
+                      <a:txBody>
+                        <a:bodyPr/>
+                        <a:lstStyle/>
+                        <a:p>
+                          <a:endParaRPr lang="en-US"/>
+                        </a:p>
+                      </a:txBody>
+                      <a:tcPr/>
+                    </a:tc>
+                    <a:extLst>
+                      <a:ext uri="{0D108BD9-81ED-4DB2-BD59-A6C34878D82A}">
+                        <a16:rowId xmlns:a16="http://schemas.microsoft.com/office/drawing/2014/main" val="3834260169"/>
+                      </a:ext>
+                    </a:extLst>
+                  </a:tr>
+                  <a:tr h="370840">
+                    <a:tc>
+                      <a:txBody>
+                        <a:bodyPr/>
+                        <a:lstStyle/>
+                        <a:p>
+                          <a:endParaRPr lang="en-US"/>
+                        </a:p>
+                      </a:txBody>
+                      <a:tcPr/>
+                    </a:tc>
+                    <a:tc gridSpan="2">
+                      <a:txBody>
+                        <a:bodyPr/>
+                        <a:lstStyle/>
+                        <a:p>
+                          <a:r>
+                            <a:rPr lang="en-US" dirty="0"/>
+                            <a:t>a </a:t>
+                          </a:r>
+                        </a:p>
+                      </a:txBody>
+                      <a:tcPr/>
+                    </a:tc>
+                    <a:tc hMerge="1">
+                      <a:txBody>
+                        <a:bodyPr/>
+                        <a:lstStyle/>
+                        <a:p>
+                          <a:endParaRPr lang="en-US"/>
+                        </a:p>
+                      </a:txBody>
+                      <a:tcPr/>
+                    </a:tc>
+                    <a:tc gridSpan="2">
+                      <a:txBody>
+                        <a:bodyPr/>
+                        <a:lstStyle/>
+                        <a:p>
+                          <a:r>
+                            <a:rPr lang="en-US" dirty="0"/>
+                            <a:t>b</a:t>
+                          </a:r>
+                        </a:p>
+                      </a:txBody>
+                      <a:tcPr/>
+                    </a:tc>
+                    <a:tc hMerge="1">
+                      <a:txBody>
+                        <a:bodyPr/>
+                        <a:lstStyle/>
+                        <a:p>
+                          <a:endParaRPr lang="en-US"/>
+                        </a:p>
+                      </a:txBody>
+                      <a:tcPr/>
+                    </a:tc>
+                    <a:tc gridSpan="2">
+                      <a:txBody>
+                        <a:bodyPr/>
+                        <a:lstStyle/>
+                        <a:p>
+                          <a:r>
+                            <a:rPr lang="en-US" dirty="0"/>
+                            <a:t>c</a:t>
+                          </a:r>
+                        </a:p>
+                      </a:txBody>
+                      <a:tcPr/>
+                    </a:tc>
+                    <a:tc hMerge="1">
+                      <a:txBody>
+                        <a:bodyPr/>
+                        <a:lstStyle/>
+                        <a:p>
+                          <a:endParaRPr lang="en-US"/>
+                        </a:p>
+                      </a:txBody>
+                      <a:tcPr/>
+                    </a:tc>
+                    <a:tc gridSpan="2">
+                      <a:txBody>
+                        <a:bodyPr/>
+                        <a:lstStyle/>
+                        <a:p>
+                          <a:r>
+                            <a:rPr lang="en-US" dirty="0"/>
+                            <a:t>w1</a:t>
+                          </a:r>
+                        </a:p>
+                      </a:txBody>
+                      <a:tcPr/>
+                    </a:tc>
+                    <a:tc hMerge="1">
+                      <a:txBody>
+                        <a:bodyPr/>
+                        <a:lstStyle/>
+                        <a:p>
+                          <a:endParaRPr lang="en-US"/>
+                        </a:p>
+                      </a:txBody>
+                      <a:tcPr/>
+                    </a:tc>
+                    <a:tc gridSpan="2">
+                      <a:txBody>
+                        <a:bodyPr/>
+                        <a:lstStyle/>
+                        <a:p>
+                          <a:r>
+                            <a:rPr lang="en-US" dirty="0"/>
+                            <a:t>f1 </a:t>
+                          </a:r>
+                        </a:p>
+                      </a:txBody>
+                      <a:tcPr/>
+                    </a:tc>
+                    <a:tc hMerge="1">
+                      <a:txBody>
+                        <a:bodyPr/>
+                        <a:lstStyle/>
+                        <a:p>
+                          <a:endParaRPr lang="en-US"/>
+                        </a:p>
+                      </a:txBody>
+                      <a:tcPr/>
+                    </a:tc>
+                    <a:tc gridSpan="2">
+                      <a:txBody>
+                        <a:bodyPr/>
+                        <a:lstStyle/>
+                        <a:p>
+                          <a:r>
+                            <a:rPr lang="el-GR" dirty="0">
+                              <a:latin typeface="Cambria Math" panose="02040503050406030204" pitchFamily="18" charset="0"/>
+                              <a:ea typeface="Cambria Math" panose="02040503050406030204" pitchFamily="18" charset="0"/>
+                            </a:rPr>
+                            <a:t>σ</a:t>
+                          </a:r>
+                          <a:r>
+                            <a:rPr lang="en-US" dirty="0">
+                              <a:latin typeface="Cambria Math" panose="02040503050406030204" pitchFamily="18" charset="0"/>
+                              <a:ea typeface="Cambria Math" panose="02040503050406030204" pitchFamily="18" charset="0"/>
+                            </a:rPr>
+                            <a:t>1</a:t>
+                          </a:r>
+                          <a:endParaRPr lang="en-US" dirty="0"/>
+                        </a:p>
+                      </a:txBody>
+                      <a:tcPr/>
+                    </a:tc>
+                    <a:tc hMerge="1">
+                      <a:txBody>
+                        <a:bodyPr/>
+                        <a:lstStyle/>
+                        <a:p>
+                          <a:endParaRPr lang="en-US"/>
+                        </a:p>
+                      </a:txBody>
+                      <a:tcPr/>
+                    </a:tc>
+                    <a:tc gridSpan="2">
+                      <a:txBody>
+                        <a:bodyPr/>
+                        <a:lstStyle/>
+                        <a:p>
+                          <a14:m>
+                            <m:oMathPara xmlns:m="http://schemas.openxmlformats.org/officeDocument/2006/math">
+                              <m:oMathParaPr>
+                                <m:jc m:val="centerGroup"/>
+                              </m:oMathParaPr>
+                              <m:oMath xmlns:m="http://schemas.openxmlformats.org/officeDocument/2006/math">
+                                <m:sSub>
+                                  <m:sSubPr>
+                                    <m:ctrlPr>
+                                      <a:rPr lang="en-US" i="1" smtClean="0">
+                                        <a:latin typeface="Cambria Math" panose="02040503050406030204" pitchFamily="18" charset="0"/>
+                                      </a:rPr>
+                                    </m:ctrlPr>
+                                  </m:sSubPr>
+                                  <m:e>
+                                    <m:r>
+                                      <a:rPr lang="en-US" i="1" smtClean="0">
+                                        <a:latin typeface="Cambria Math" panose="02040503050406030204" pitchFamily="18" charset="0"/>
+                                        <a:ea typeface="Cambria Math" panose="02040503050406030204" pitchFamily="18" charset="0"/>
+                                      </a:rPr>
+                                      <m:t>𝜎</m:t>
+                                    </m:r>
+                                  </m:e>
+                                  <m:sub>
+                                    <m:r>
+                                      <a:rPr lang="en-US" b="0" i="1" smtClean="0">
+                                        <a:latin typeface="Cambria Math" panose="02040503050406030204" pitchFamily="18" charset="0"/>
+                                      </a:rPr>
+                                      <m:t>𝑛</m:t>
+                                    </m:r>
+                                  </m:sub>
+                                </m:sSub>
+                              </m:oMath>
+                            </m:oMathPara>
+                          </a14:m>
+                          <a:endParaRPr lang="en-US" dirty="0"/>
+                        </a:p>
+                      </a:txBody>
+                      <a:tcPr/>
+                    </a:tc>
+                    <a:tc hMerge="1">
+                      <a:txBody>
+                        <a:bodyPr/>
+                        <a:lstStyle/>
+                        <a:p>
+                          <a:endParaRPr lang="en-US"/>
+                        </a:p>
+                      </a:txBody>
+                      <a:tcPr/>
+                    </a:tc>
+                    <a:tc gridSpan="2">
+                      <a:txBody>
+                        <a:bodyPr/>
+                        <a:lstStyle/>
+                        <a:p>
+                          <a14:m>
+                            <m:oMathPara xmlns:m="http://schemas.openxmlformats.org/officeDocument/2006/math">
+                              <m:oMathParaPr>
+                                <m:jc m:val="centerGroup"/>
+                              </m:oMathParaPr>
+                              <m:oMath xmlns:m="http://schemas.openxmlformats.org/officeDocument/2006/math">
+                                <m:sSub>
+                                  <m:sSubPr>
+                                    <m:ctrlPr>
+                                      <a:rPr lang="en-US" i="1" smtClean="0">
+                                        <a:latin typeface="Cambria Math" panose="02040503050406030204" pitchFamily="18" charset="0"/>
+                                      </a:rPr>
+                                    </m:ctrlPr>
+                                  </m:sSubPr>
+                                  <m:e>
+                                    <m:r>
+                                      <a:rPr lang="en-US" i="1" smtClean="0">
+                                        <a:latin typeface="Cambria Math" panose="02040503050406030204" pitchFamily="18" charset="0"/>
+                                        <a:ea typeface="Cambria Math" panose="02040503050406030204" pitchFamily="18" charset="0"/>
+                                      </a:rPr>
+                                      <m:t>𝜌</m:t>
+                                    </m:r>
+                                  </m:e>
+                                  <m:sub>
+                                    <m:r>
+                                      <a:rPr lang="en-US" b="0" i="1" smtClean="0">
+                                        <a:latin typeface="Cambria Math" panose="02040503050406030204" pitchFamily="18" charset="0"/>
+                                      </a:rPr>
+                                      <m:t>𝑛</m:t>
+                                    </m:r>
+                                  </m:sub>
+                                </m:sSub>
+                              </m:oMath>
+                            </m:oMathPara>
+                          </a14:m>
+                          <a:endParaRPr lang="en-US" dirty="0"/>
+                        </a:p>
+                      </a:txBody>
+                      <a:tcPr/>
+                    </a:tc>
+                    <a:tc hMerge="1">
+                      <a:txBody>
+                        <a:bodyPr/>
+                        <a:lstStyle/>
+                        <a:p>
+                          <a:endParaRPr lang="en-US"/>
+                        </a:p>
+                      </a:txBody>
+                      <a:tcPr/>
+                    </a:tc>
+                    <a:extLst>
+                      <a:ext uri="{0D108BD9-81ED-4DB2-BD59-A6C34878D82A}">
+                        <a16:rowId xmlns:a16="http://schemas.microsoft.com/office/drawing/2014/main" val="1776762730"/>
+                      </a:ext>
+                    </a:extLst>
+                  </a:tr>
+                  <a:tr h="370840">
+                    <a:tc>
+                      <a:txBody>
+                        <a:bodyPr/>
+                        <a:lstStyle/>
+                        <a:p>
+                          <a:r>
+                            <a:rPr lang="en-US" dirty="0"/>
+                            <a:t>Synthetic values </a:t>
+                          </a:r>
+                        </a:p>
+                      </a:txBody>
+                      <a:tcPr/>
+                    </a:tc>
+                    <a:tc gridSpan="2">
+                      <a:txBody>
+                        <a:bodyPr/>
+                        <a:lstStyle/>
+                        <a:p>
+                          <a:r>
+                            <a:rPr lang="en-US" dirty="0"/>
+                            <a:t>50</a:t>
+                          </a:r>
+                        </a:p>
+                      </a:txBody>
+                      <a:tcPr/>
+                    </a:tc>
+                    <a:tc hMerge="1">
+                      <a:txBody>
+                        <a:bodyPr/>
+                        <a:lstStyle/>
+                        <a:p>
+                          <a:endParaRPr lang="en-US"/>
+                        </a:p>
+                      </a:txBody>
+                      <a:tcPr/>
+                    </a:tc>
+                    <a:tc gridSpan="2">
+                      <a:txBody>
+                        <a:bodyPr/>
+                        <a:lstStyle/>
+                        <a:p>
+                          <a:r>
+                            <a:rPr lang="en-US" dirty="0"/>
+                            <a:t>4</a:t>
+                          </a:r>
+                        </a:p>
+                      </a:txBody>
+                      <a:tcPr/>
+                    </a:tc>
+                    <a:tc hMerge="1">
+                      <a:txBody>
+                        <a:bodyPr/>
+                        <a:lstStyle/>
+                        <a:p>
+                          <a:endParaRPr lang="en-US"/>
+                        </a:p>
+                      </a:txBody>
+                      <a:tcPr/>
+                    </a:tc>
+                    <a:tc gridSpan="2">
+                      <a:txBody>
+                        <a:bodyPr/>
+                        <a:lstStyle/>
+                        <a:p>
+                          <a:r>
+                            <a:rPr lang="en-US" dirty="0"/>
+                            <a:t>3</a:t>
+                          </a:r>
+                        </a:p>
+                      </a:txBody>
+                      <a:tcPr/>
+                    </a:tc>
+                    <a:tc hMerge="1">
+                      <a:txBody>
+                        <a:bodyPr/>
+                        <a:lstStyle/>
+                        <a:p>
+                          <a:endParaRPr lang="en-US"/>
+                        </a:p>
+                      </a:txBody>
+                      <a:tcPr/>
+                    </a:tc>
+                    <a:tc gridSpan="2">
+                      <a:txBody>
+                        <a:bodyPr/>
+                        <a:lstStyle/>
+                        <a:p>
+                          <a:r>
+                            <a:rPr lang="en-US" dirty="0"/>
+                            <a:t>4</a:t>
+                          </a:r>
+                        </a:p>
+                      </a:txBody>
+                      <a:tcPr/>
+                    </a:tc>
+                    <a:tc hMerge="1">
+                      <a:txBody>
+                        <a:bodyPr/>
+                        <a:lstStyle/>
+                        <a:p>
+                          <a:endParaRPr lang="en-US"/>
+                        </a:p>
+                      </a:txBody>
+                      <a:tcPr/>
+                    </a:tc>
+                    <a:tc gridSpan="2">
+                      <a:txBody>
+                        <a:bodyPr/>
+                        <a:lstStyle/>
+                        <a:p>
+                          <a:r>
+                            <a:rPr lang="en-US" dirty="0"/>
+                            <a:t>5</a:t>
+                          </a:r>
+                        </a:p>
+                      </a:txBody>
+                      <a:tcPr/>
+                    </a:tc>
+                    <a:tc hMerge="1">
+                      <a:txBody>
+                        <a:bodyPr/>
+                        <a:lstStyle/>
+                        <a:p>
+                          <a:endParaRPr lang="en-US"/>
+                        </a:p>
+                      </a:txBody>
+                      <a:tcPr/>
+                    </a:tc>
+                    <a:tc gridSpan="2">
+                      <a:txBody>
+                        <a:bodyPr/>
+                        <a:lstStyle/>
+                        <a:p>
+                          <a:r>
+                            <a:rPr lang="en-US" dirty="0"/>
+                            <a:t>1</a:t>
+                          </a:r>
+                        </a:p>
+                      </a:txBody>
+                      <a:tcPr/>
+                    </a:tc>
+                    <a:tc hMerge="1">
+                      <a:txBody>
+                        <a:bodyPr/>
+                        <a:lstStyle/>
+                        <a:p>
+                          <a:endParaRPr lang="en-US"/>
+                        </a:p>
+                      </a:txBody>
+                      <a:tcPr/>
+                    </a:tc>
+                    <a:tc gridSpan="2">
+                      <a:txBody>
+                        <a:bodyPr/>
+                        <a:lstStyle/>
+                        <a:p>
+                          <a:r>
+                            <a:rPr lang="en-US" dirty="0"/>
+                            <a:t>1</a:t>
+                          </a:r>
+                        </a:p>
+                      </a:txBody>
+                      <a:tcPr/>
+                    </a:tc>
+                    <a:tc hMerge="1">
+                      <a:txBody>
+                        <a:bodyPr/>
+                        <a:lstStyle/>
+                        <a:p>
+                          <a:endParaRPr lang="en-US"/>
+                        </a:p>
+                      </a:txBody>
+                      <a:tcPr/>
+                    </a:tc>
+                    <a:tc gridSpan="2">
+                      <a:txBody>
+                        <a:bodyPr/>
+                        <a:lstStyle/>
+                        <a:p>
+                          <a:r>
+                            <a:rPr lang="en-US" dirty="0"/>
+                            <a:t>0.2 </a:t>
+                          </a:r>
+                        </a:p>
+                      </a:txBody>
+                      <a:tcPr/>
+                    </a:tc>
+                    <a:tc hMerge="1">
+                      <a:txBody>
+                        <a:bodyPr/>
+                        <a:lstStyle/>
+                        <a:p>
+                          <a:endParaRPr lang="en-US"/>
+                        </a:p>
+                      </a:txBody>
+                      <a:tcPr/>
+                    </a:tc>
+                    <a:extLst>
+                      <a:ext uri="{0D108BD9-81ED-4DB2-BD59-A6C34878D82A}">
+                        <a16:rowId xmlns:a16="http://schemas.microsoft.com/office/drawing/2014/main" val="1501203979"/>
+                      </a:ext>
+                    </a:extLst>
+                  </a:tr>
+                  <a:tr h="370840">
+                    <a:tc>
+                      <a:txBody>
+                        <a:bodyPr/>
+                        <a:lstStyle/>
+                        <a:p>
+                          <a:r>
+                            <a:rPr lang="en-US" dirty="0"/>
+                            <a:t>Prior </a:t>
+                          </a:r>
+                        </a:p>
+                      </a:txBody>
+                      <a:tcPr/>
+                    </a:tc>
+                    <a:tc gridSpan="2">
+                      <a:txBody>
+                        <a:bodyPr/>
+                        <a:lstStyle/>
+                        <a:p>
+                          <a:r>
+                            <a:rPr lang="en-US" dirty="0"/>
+                            <a:t>Uniform</a:t>
+                          </a:r>
+                        </a:p>
+                        <a:p>
+                          <a:r>
+                            <a:rPr lang="en-US" dirty="0"/>
+                            <a:t>-50 50 </a:t>
+                          </a:r>
+                        </a:p>
+                      </a:txBody>
+                      <a:tcPr/>
+                    </a:tc>
+                    <a:tc hMerge="1">
+                      <a:txBody>
+                        <a:bodyPr/>
+                        <a:lstStyle/>
+                        <a:p>
+                          <a:endParaRPr lang="en-US"/>
+                        </a:p>
+                      </a:txBody>
+                      <a:tcPr/>
+                    </a:tc>
+                    <a:tc gridSpan="2">
+                      <a:txBody>
+                        <a:bodyPr/>
+                        <a:lstStyle/>
+                        <a:p>
+                          <a:r>
+                            <a:rPr lang="en-US" dirty="0"/>
+                            <a:t>Normal </a:t>
+                          </a:r>
+                        </a:p>
+                        <a:p>
+                          <a:r>
+                            <a:rPr lang="el-GR" dirty="0">
+                              <a:latin typeface="Cambria Math" panose="02040503050406030204" pitchFamily="18" charset="0"/>
+                              <a:ea typeface="Cambria Math" panose="02040503050406030204" pitchFamily="18" charset="0"/>
+                            </a:rPr>
+                            <a:t>μ</a:t>
+                          </a:r>
+                          <a:r>
+                            <a:rPr lang="en-US" dirty="0"/>
+                            <a:t>=1</a:t>
+                          </a:r>
+                        </a:p>
+                        <a:p>
+                          <a14:m>
+                            <m:oMath xmlns:m="http://schemas.openxmlformats.org/officeDocument/2006/math">
+                              <m:sSup>
+                                <m:sSupPr>
+                                  <m:ctrlPr>
+                                    <a:rPr lang="en-US" i="1" smtClean="0">
+                                      <a:latin typeface="Cambria Math" panose="02040503050406030204" pitchFamily="18" charset="0"/>
+                                    </a:rPr>
+                                  </m:ctrlPr>
+                                </m:sSupPr>
+                                <m:e>
+                                  <m:r>
+                                    <a:rPr lang="en-US" i="1" smtClean="0">
+                                      <a:latin typeface="Cambria Math" panose="02040503050406030204" pitchFamily="18" charset="0"/>
+                                      <a:ea typeface="Cambria Math" panose="02040503050406030204" pitchFamily="18" charset="0"/>
+                                    </a:rPr>
+                                    <m:t>𝜎</m:t>
+                                  </m:r>
+                                </m:e>
+                                <m:sup>
+                                  <m:r>
+                                    <a:rPr lang="en-US" b="0" i="1" smtClean="0">
+                                      <a:latin typeface="Cambria Math" panose="02040503050406030204" pitchFamily="18" charset="0"/>
+                                    </a:rPr>
+                                    <m:t>2</m:t>
+                                  </m:r>
+                                </m:sup>
+                              </m:sSup>
+                            </m:oMath>
+                          </a14:m>
+                          <a:r>
+                            <a:rPr lang="en-US" dirty="0"/>
+                            <a:t> = 40 </a:t>
+                          </a:r>
+                        </a:p>
+                      </a:txBody>
+                      <a:tcPr/>
+                    </a:tc>
+                    <a:tc hMerge="1">
+                      <a:txBody>
+                        <a:bodyPr/>
+                        <a:lstStyle/>
+                        <a:p>
+                          <a:endParaRPr lang="en-US"/>
+                        </a:p>
+                      </a:txBody>
+                      <a:tcPr/>
+                    </a:tc>
+                    <a:tc gridSpan="2">
+                      <a:txBody>
+                        <a:bodyPr/>
+                        <a:lstStyle/>
+                        <a:p>
+                          <a:r>
+                            <a:rPr lang="en-US" dirty="0"/>
+                            <a:t>Normal </a:t>
+                          </a:r>
+                        </a:p>
+                        <a:p>
+                          <a:r>
+                            <a:rPr lang="el-GR" dirty="0">
+                              <a:latin typeface="Cambria Math" panose="02040503050406030204" pitchFamily="18" charset="0"/>
+                              <a:ea typeface="Cambria Math" panose="02040503050406030204" pitchFamily="18" charset="0"/>
+                            </a:rPr>
+                            <a:t>μ</a:t>
+                          </a:r>
+                          <a:r>
+                            <a:rPr lang="en-US" dirty="0"/>
+                            <a:t> = 0</a:t>
+                          </a:r>
+                        </a:p>
+                        <a:p>
+                          <a14:m>
+                            <m:oMath xmlns:m="http://schemas.openxmlformats.org/officeDocument/2006/math">
+                              <m:sSup>
+                                <m:sSupPr>
+                                  <m:ctrlPr>
+                                    <a:rPr lang="en-US" i="1" smtClean="0">
+                                      <a:latin typeface="Cambria Math" panose="02040503050406030204" pitchFamily="18" charset="0"/>
+                                    </a:rPr>
+                                  </m:ctrlPr>
+                                </m:sSupPr>
+                                <m:e>
+                                  <m:r>
+                                    <a:rPr lang="en-US" i="1" smtClean="0">
+                                      <a:latin typeface="Cambria Math" panose="02040503050406030204" pitchFamily="18" charset="0"/>
+                                      <a:ea typeface="Cambria Math" panose="02040503050406030204" pitchFamily="18" charset="0"/>
+                                    </a:rPr>
+                                    <m:t>𝜎</m:t>
+                                  </m:r>
+                                </m:e>
+                                <m:sup>
+                                  <m:r>
+                                    <a:rPr lang="en-US" b="0" i="1" smtClean="0">
+                                      <a:latin typeface="Cambria Math" panose="02040503050406030204" pitchFamily="18" charset="0"/>
+                                    </a:rPr>
+                                    <m:t>2</m:t>
+                                  </m:r>
+                                </m:sup>
+                              </m:sSup>
+                            </m:oMath>
+                          </a14:m>
+                          <a:r>
+                            <a:rPr lang="en-US" dirty="0"/>
+                            <a:t>  = 4 </a:t>
+                          </a:r>
+                        </a:p>
+                      </a:txBody>
+                      <a:tcPr/>
+                    </a:tc>
+                    <a:tc hMerge="1">
+                      <a:txBody>
+                        <a:bodyPr/>
+                        <a:lstStyle/>
+                        <a:p>
+                          <a:endParaRPr lang="en-US"/>
+                        </a:p>
+                      </a:txBody>
+                      <a:tcPr/>
+                    </a:tc>
+                    <a:tc gridSpan="2">
+                      <a:txBody>
+                        <a:bodyPr/>
+                        <a:lstStyle/>
+                        <a:p>
+                          <a:r>
+                            <a:rPr lang="en-US" dirty="0"/>
+                            <a:t>Exp </a:t>
+                          </a:r>
+                        </a:p>
+                        <a:p>
+                          <a:r>
+                            <a:rPr lang="el-GR" dirty="0">
+                              <a:latin typeface="Cambria Math" panose="02040503050406030204" pitchFamily="18" charset="0"/>
+                              <a:ea typeface="Cambria Math" panose="02040503050406030204" pitchFamily="18" charset="0"/>
+                            </a:rPr>
+                            <a:t>λ</a:t>
+                          </a:r>
+                          <a:r>
+                            <a:rPr lang="en-US" dirty="0"/>
+                            <a:t> = 1 </a:t>
+                          </a:r>
+                        </a:p>
+                      </a:txBody>
+                      <a:tcPr/>
+                    </a:tc>
+                    <a:tc hMerge="1">
+                      <a:txBody>
+                        <a:bodyPr/>
+                        <a:lstStyle/>
+                        <a:p>
+                          <a:endParaRPr lang="en-US"/>
+                        </a:p>
+                      </a:txBody>
+                      <a:tcPr/>
+                    </a:tc>
+                    <a:tc gridSpan="2">
+                      <a:txBody>
+                        <a:bodyPr/>
+                        <a:lstStyle/>
+                        <a:p>
+                          <a:r>
+                            <a:rPr lang="en-US" dirty="0"/>
+                            <a:t>Normal</a:t>
+                          </a:r>
+                        </a:p>
+                        <a:p>
+                          <a:r>
+                            <a:rPr lang="el-GR" dirty="0">
+                              <a:latin typeface="Cambria Math" panose="02040503050406030204" pitchFamily="18" charset="0"/>
+                              <a:ea typeface="Cambria Math" panose="02040503050406030204" pitchFamily="18" charset="0"/>
+                            </a:rPr>
+                            <a:t>μ</a:t>
+                          </a:r>
+                          <a:r>
+                            <a:rPr lang="en-US" dirty="0"/>
+                            <a:t> = 2 </a:t>
+                          </a:r>
+                        </a:p>
+                        <a:p>
+                          <a14:m>
+                            <m:oMath xmlns:m="http://schemas.openxmlformats.org/officeDocument/2006/math">
+                              <m:sSup>
+                                <m:sSupPr>
+                                  <m:ctrlPr>
+                                    <a:rPr lang="en-US" i="1" smtClean="0">
+                                      <a:latin typeface="Cambria Math" panose="02040503050406030204" pitchFamily="18" charset="0"/>
+                                    </a:rPr>
+                                  </m:ctrlPr>
+                                </m:sSupPr>
+                                <m:e>
+                                  <m:r>
+                                    <a:rPr lang="en-US" i="1" smtClean="0">
+                                      <a:latin typeface="Cambria Math" panose="02040503050406030204" pitchFamily="18" charset="0"/>
+                                      <a:ea typeface="Cambria Math" panose="02040503050406030204" pitchFamily="18" charset="0"/>
+                                    </a:rPr>
+                                    <m:t>𝜎</m:t>
+                                  </m:r>
+                                </m:e>
+                                <m:sup>
+                                  <m:r>
+                                    <a:rPr lang="en-US" b="0" i="1" smtClean="0">
+                                      <a:latin typeface="Cambria Math" panose="02040503050406030204" pitchFamily="18" charset="0"/>
+                                    </a:rPr>
+                                    <m:t>2</m:t>
+                                  </m:r>
+                                </m:sup>
+                              </m:sSup>
+                            </m:oMath>
+                          </a14:m>
+                          <a:r>
+                            <a:rPr lang="en-US" dirty="0"/>
+                            <a:t>  = 3 </a:t>
+                          </a:r>
+                        </a:p>
+                      </a:txBody>
+                      <a:tcPr/>
+                    </a:tc>
+                    <a:tc hMerge="1">
+                      <a:txBody>
+                        <a:bodyPr/>
+                        <a:lstStyle/>
+                        <a:p>
+                          <a:endParaRPr lang="en-US"/>
+                        </a:p>
+                      </a:txBody>
+                      <a:tcPr/>
+                    </a:tc>
+                    <a:tc gridSpan="2">
+                      <a:txBody>
+                        <a:bodyPr/>
+                        <a:lstStyle/>
+                        <a:p>
+                          <a:r>
+                            <a:rPr lang="en-US" dirty="0"/>
+                            <a:t>Exp </a:t>
+                          </a:r>
+                        </a:p>
+                        <a:p>
+                          <a:r>
+                            <a:rPr lang="el-GR" dirty="0">
+                              <a:latin typeface="Cambria Math" panose="02040503050406030204" pitchFamily="18" charset="0"/>
+                              <a:ea typeface="Cambria Math" panose="02040503050406030204" pitchFamily="18" charset="0"/>
+                            </a:rPr>
+                            <a:t>λ</a:t>
+                          </a:r>
+                          <a:r>
+                            <a:rPr lang="en-US" dirty="0"/>
+                            <a:t> = 1 </a:t>
+                          </a:r>
+                        </a:p>
+                        <a:p>
+                          <a:endParaRPr lang="en-US" dirty="0"/>
+                        </a:p>
+                      </a:txBody>
+                      <a:tcPr/>
+                    </a:tc>
+                    <a:tc hMerge="1">
+                      <a:txBody>
+                        <a:bodyPr/>
+                        <a:lstStyle/>
+                        <a:p>
+                          <a:endParaRPr lang="en-US"/>
+                        </a:p>
+                      </a:txBody>
+                      <a:tcPr/>
+                    </a:tc>
+                    <a:tc gridSpan="2">
+                      <a:txBody>
+                        <a:bodyPr/>
+                        <a:lstStyle/>
+                        <a:p>
+                          <a:r>
+                            <a:rPr lang="en-US" dirty="0"/>
+                            <a:t> Normal </a:t>
+                          </a:r>
+                        </a:p>
+                        <a:p>
+                          <a:r>
+                            <a:rPr lang="el-GR" dirty="0">
+                              <a:latin typeface="Cambria Math" panose="02040503050406030204" pitchFamily="18" charset="0"/>
+                              <a:ea typeface="Cambria Math" panose="02040503050406030204" pitchFamily="18" charset="0"/>
+                            </a:rPr>
+                            <a:t>μ</a:t>
+                          </a:r>
+                          <a:r>
+                            <a:rPr lang="en-US" dirty="0"/>
+                            <a:t> = 0</a:t>
+                          </a:r>
+                        </a:p>
+                        <a:p>
+                          <a14:m>
+                            <m:oMath xmlns:m="http://schemas.openxmlformats.org/officeDocument/2006/math">
+                              <m:sSup>
+                                <m:sSupPr>
+                                  <m:ctrlPr>
+                                    <a:rPr lang="en-US" i="1" smtClean="0">
+                                      <a:latin typeface="Cambria Math" panose="02040503050406030204" pitchFamily="18" charset="0"/>
+                                    </a:rPr>
+                                  </m:ctrlPr>
+                                </m:sSupPr>
+                                <m:e>
+                                  <m:r>
+                                    <a:rPr lang="en-US" i="1" smtClean="0">
+                                      <a:latin typeface="Cambria Math" panose="02040503050406030204" pitchFamily="18" charset="0"/>
+                                      <a:ea typeface="Cambria Math" panose="02040503050406030204" pitchFamily="18" charset="0"/>
+                                    </a:rPr>
+                                    <m:t>𝜎</m:t>
+                                  </m:r>
+                                </m:e>
+                                <m:sup>
+                                  <m:r>
+                                    <a:rPr lang="en-US" b="0" i="1" smtClean="0">
+                                      <a:latin typeface="Cambria Math" panose="02040503050406030204" pitchFamily="18" charset="0"/>
+                                    </a:rPr>
+                                    <m:t>2</m:t>
+                                  </m:r>
+                                </m:sup>
+                              </m:sSup>
+                            </m:oMath>
+                          </a14:m>
+                          <a:r>
+                            <a:rPr lang="en-US" dirty="0"/>
+                            <a:t>  = 3 </a:t>
+                          </a:r>
+                        </a:p>
+                      </a:txBody>
+                      <a:tcPr/>
+                    </a:tc>
+                    <a:tc hMerge="1">
+                      <a:txBody>
+                        <a:bodyPr/>
+                        <a:lstStyle/>
+                        <a:p>
+                          <a:endParaRPr lang="en-US"/>
+                        </a:p>
+                      </a:txBody>
+                      <a:tcPr/>
+                    </a:tc>
+                    <a:tc gridSpan="2">
+                      <a:txBody>
+                        <a:bodyPr/>
+                        <a:lstStyle/>
+                        <a:p>
+                          <a:r>
+                            <a:rPr lang="en-US" dirty="0"/>
+                            <a:t>Uniform </a:t>
+                          </a:r>
+                        </a:p>
+                        <a:p>
+                          <a:r>
+                            <a:rPr lang="en-US" dirty="0"/>
+                            <a:t>-2 2 </a:t>
+                          </a:r>
+                        </a:p>
+                      </a:txBody>
+                      <a:tcPr/>
+                    </a:tc>
+                    <a:tc hMerge="1">
+                      <a:txBody>
+                        <a:bodyPr/>
+                        <a:lstStyle/>
+                        <a:p>
+                          <a:endParaRPr lang="en-US"/>
+                        </a:p>
+                      </a:txBody>
+                      <a:tcPr/>
+                    </a:tc>
+                    <a:extLst>
+                      <a:ext uri="{0D108BD9-81ED-4DB2-BD59-A6C34878D82A}">
+                        <a16:rowId xmlns:a16="http://schemas.microsoft.com/office/drawing/2014/main" val="2133327295"/>
+                      </a:ext>
+                    </a:extLst>
+                  </a:tr>
+                  <a:tr h="370840">
+                    <a:tc>
+                      <a:txBody>
+                        <a:bodyPr/>
+                        <a:lstStyle/>
+                        <a:p>
+                          <a:endParaRPr lang="en-US" dirty="0"/>
+                        </a:p>
+                      </a:txBody>
+                      <a:tcPr/>
+                    </a:tc>
+                    <a:tc>
+                      <a:txBody>
+                        <a:bodyPr/>
+                        <a:lstStyle/>
+                        <a:p>
+                          <a:r>
+                            <a:rPr lang="el-GR" dirty="0">
+                              <a:latin typeface="Cambria Math" panose="02040503050406030204" pitchFamily="18" charset="0"/>
+                              <a:ea typeface="Cambria Math" panose="02040503050406030204" pitchFamily="18" charset="0"/>
+                            </a:rPr>
+                            <a:t>μ</a:t>
+                          </a:r>
+                          <a:endParaRPr lang="en-US" dirty="0"/>
+                        </a:p>
+                      </a:txBody>
+                      <a:tcPr/>
+                    </a:tc>
+                    <a:tc>
+                      <a:txBody>
+                        <a:bodyPr/>
+                        <a:lstStyle/>
+                        <a:p>
+                          <a14:m>
+                            <m:oMath xmlns:m="http://schemas.openxmlformats.org/officeDocument/2006/math">
+                              <m:sSup>
+                                <m:sSupPr>
+                                  <m:ctrlPr>
+                                    <a:rPr lang="en-US" i="1" smtClean="0">
+                                      <a:latin typeface="Cambria Math" panose="02040503050406030204" pitchFamily="18" charset="0"/>
+                                    </a:rPr>
+                                  </m:ctrlPr>
+                                </m:sSupPr>
+                                <m:e>
+                                  <m:r>
+                                    <a:rPr lang="en-US" i="1" smtClean="0">
+                                      <a:latin typeface="Cambria Math" panose="02040503050406030204" pitchFamily="18" charset="0"/>
+                                      <a:ea typeface="Cambria Math" panose="02040503050406030204" pitchFamily="18" charset="0"/>
+                                    </a:rPr>
+                                    <m:t>𝜎</m:t>
+                                  </m:r>
+                                </m:e>
+                                <m:sup>
+                                  <m:r>
+                                    <a:rPr lang="en-US" b="0" i="1" smtClean="0">
+                                      <a:latin typeface="Cambria Math" panose="02040503050406030204" pitchFamily="18" charset="0"/>
+                                    </a:rPr>
+                                    <m:t>2</m:t>
+                                  </m:r>
+                                </m:sup>
+                              </m:sSup>
+                            </m:oMath>
+                          </a14:m>
+                          <a:r>
+                            <a:rPr lang="en-US" dirty="0"/>
+                            <a:t> </a:t>
+                          </a:r>
+                        </a:p>
+                      </a:txBody>
+                      <a:tcPr/>
+                    </a:tc>
+                    <a:tc>
+                      <a:txBody>
+                        <a:bodyPr/>
+                        <a:lstStyle/>
+                        <a:p>
+                          <a:r>
+                            <a:rPr lang="el-GR" dirty="0">
+                              <a:latin typeface="Cambria Math" panose="02040503050406030204" pitchFamily="18" charset="0"/>
+                              <a:ea typeface="Cambria Math" panose="02040503050406030204" pitchFamily="18" charset="0"/>
+                            </a:rPr>
+                            <a:t>μ</a:t>
+                          </a:r>
+                          <a:endParaRPr lang="en-US" dirty="0"/>
+                        </a:p>
+                      </a:txBody>
+                      <a:tcPr/>
+                    </a:tc>
+                    <a:tc>
+                      <a:txBody>
+                        <a:bodyPr/>
+                        <a:lstStyle/>
+                        <a:p>
+                          <a14:m>
+                            <m:oMath xmlns:m="http://schemas.openxmlformats.org/officeDocument/2006/math">
+                              <m:sSup>
+                                <m:sSupPr>
+                                  <m:ctrlPr>
+                                    <a:rPr lang="en-US" i="1" smtClean="0">
+                                      <a:latin typeface="Cambria Math" panose="02040503050406030204" pitchFamily="18" charset="0"/>
+                                    </a:rPr>
+                                  </m:ctrlPr>
+                                </m:sSupPr>
+                                <m:e>
+                                  <m:r>
+                                    <a:rPr lang="en-US" i="1" smtClean="0">
+                                      <a:latin typeface="Cambria Math" panose="02040503050406030204" pitchFamily="18" charset="0"/>
+                                      <a:ea typeface="Cambria Math" panose="02040503050406030204" pitchFamily="18" charset="0"/>
+                                    </a:rPr>
+                                    <m:t>𝜎</m:t>
+                                  </m:r>
+                                </m:e>
+                                <m:sup>
+                                  <m:r>
+                                    <a:rPr lang="en-US" b="0" i="1" smtClean="0">
+                                      <a:latin typeface="Cambria Math" panose="02040503050406030204" pitchFamily="18" charset="0"/>
+                                    </a:rPr>
+                                    <m:t>2</m:t>
+                                  </m:r>
+                                </m:sup>
+                              </m:sSup>
+                            </m:oMath>
+                          </a14:m>
+                          <a:r>
+                            <a:rPr lang="en-US" dirty="0"/>
+                            <a:t> </a:t>
+                          </a:r>
+                        </a:p>
+                      </a:txBody>
+                      <a:tcPr/>
+                    </a:tc>
+                    <a:tc>
+                      <a:txBody>
+                        <a:bodyPr/>
+                        <a:lstStyle/>
+                        <a:p>
+                          <a:r>
+                            <a:rPr lang="el-GR" dirty="0">
+                              <a:latin typeface="Cambria Math" panose="02040503050406030204" pitchFamily="18" charset="0"/>
+                              <a:ea typeface="Cambria Math" panose="02040503050406030204" pitchFamily="18" charset="0"/>
+                            </a:rPr>
+                            <a:t>μ</a:t>
+                          </a:r>
+                          <a:endParaRPr lang="en-US" dirty="0"/>
+                        </a:p>
+                      </a:txBody>
+                      <a:tcPr/>
+                    </a:tc>
+                    <a:tc>
+                      <a:txBody>
+                        <a:bodyPr/>
+                        <a:lstStyle/>
+                        <a:p>
+                          <a14:m>
+                            <m:oMath xmlns:m="http://schemas.openxmlformats.org/officeDocument/2006/math">
+                              <m:sSup>
+                                <m:sSupPr>
+                                  <m:ctrlPr>
+                                    <a:rPr lang="en-US" i="1" smtClean="0">
+                                      <a:latin typeface="Cambria Math" panose="02040503050406030204" pitchFamily="18" charset="0"/>
+                                    </a:rPr>
+                                  </m:ctrlPr>
+                                </m:sSupPr>
+                                <m:e>
+                                  <m:r>
+                                    <a:rPr lang="en-US" i="1" smtClean="0">
+                                      <a:latin typeface="Cambria Math" panose="02040503050406030204" pitchFamily="18" charset="0"/>
+                                      <a:ea typeface="Cambria Math" panose="02040503050406030204" pitchFamily="18" charset="0"/>
+                                    </a:rPr>
+                                    <m:t>𝜎</m:t>
+                                  </m:r>
+                                </m:e>
+                                <m:sup>
+                                  <m:r>
+                                    <a:rPr lang="en-US" b="0" i="1" smtClean="0">
+                                      <a:latin typeface="Cambria Math" panose="02040503050406030204" pitchFamily="18" charset="0"/>
+                                    </a:rPr>
+                                    <m:t>2</m:t>
+                                  </m:r>
+                                </m:sup>
+                              </m:sSup>
+                            </m:oMath>
+                          </a14:m>
+                          <a:r>
+                            <a:rPr lang="en-US" dirty="0"/>
+                            <a:t> </a:t>
+                          </a:r>
+                        </a:p>
+                      </a:txBody>
+                      <a:tcPr/>
+                    </a:tc>
+                    <a:tc>
+                      <a:txBody>
+                        <a:bodyPr/>
+                        <a:lstStyle/>
+                        <a:p>
+                          <a:r>
+                            <a:rPr lang="el-GR" dirty="0">
+                              <a:latin typeface="Cambria Math" panose="02040503050406030204" pitchFamily="18" charset="0"/>
+                              <a:ea typeface="Cambria Math" panose="02040503050406030204" pitchFamily="18" charset="0"/>
+                            </a:rPr>
+                            <a:t>μ</a:t>
+                          </a:r>
+                          <a:endParaRPr lang="en-US" dirty="0"/>
+                        </a:p>
+                      </a:txBody>
+                      <a:tcPr/>
+                    </a:tc>
+                    <a:tc>
+                      <a:txBody>
+                        <a:bodyPr/>
+                        <a:lstStyle/>
+                        <a:p>
+                          <a14:m>
+                            <m:oMath xmlns:m="http://schemas.openxmlformats.org/officeDocument/2006/math">
+                              <m:sSup>
+                                <m:sSupPr>
+                                  <m:ctrlPr>
+                                    <a:rPr lang="en-US" i="1" smtClean="0">
+                                      <a:latin typeface="Cambria Math" panose="02040503050406030204" pitchFamily="18" charset="0"/>
+                                    </a:rPr>
+                                  </m:ctrlPr>
+                                </m:sSupPr>
+                                <m:e>
+                                  <m:r>
+                                    <a:rPr lang="en-US" i="1" smtClean="0">
+                                      <a:latin typeface="Cambria Math" panose="02040503050406030204" pitchFamily="18" charset="0"/>
+                                      <a:ea typeface="Cambria Math" panose="02040503050406030204" pitchFamily="18" charset="0"/>
+                                    </a:rPr>
+                                    <m:t>𝜎</m:t>
+                                  </m:r>
+                                </m:e>
+                                <m:sup>
+                                  <m:r>
+                                    <a:rPr lang="en-US" b="0" i="1" smtClean="0">
+                                      <a:latin typeface="Cambria Math" panose="02040503050406030204" pitchFamily="18" charset="0"/>
+                                    </a:rPr>
+                                    <m:t>2</m:t>
+                                  </m:r>
+                                </m:sup>
+                              </m:sSup>
+                            </m:oMath>
+                          </a14:m>
+                          <a:r>
+                            <a:rPr lang="en-US" dirty="0"/>
+                            <a:t> </a:t>
+                          </a:r>
+                        </a:p>
+                      </a:txBody>
+                      <a:tcPr/>
+                    </a:tc>
+                    <a:tc>
+                      <a:txBody>
+                        <a:bodyPr/>
+                        <a:lstStyle/>
+                        <a:p>
+                          <a:r>
+                            <a:rPr lang="el-GR" dirty="0">
+                              <a:latin typeface="Cambria Math" panose="02040503050406030204" pitchFamily="18" charset="0"/>
+                              <a:ea typeface="Cambria Math" panose="02040503050406030204" pitchFamily="18" charset="0"/>
+                            </a:rPr>
+                            <a:t>μ</a:t>
+                          </a:r>
+                          <a:endParaRPr lang="en-US" dirty="0"/>
+                        </a:p>
+                      </a:txBody>
+                      <a:tcPr/>
+                    </a:tc>
+                    <a:tc>
+                      <a:txBody>
+                        <a:bodyPr/>
+                        <a:lstStyle/>
+                        <a:p>
+                          <a14:m>
+                            <m:oMath xmlns:m="http://schemas.openxmlformats.org/officeDocument/2006/math">
+                              <m:sSup>
+                                <m:sSupPr>
+                                  <m:ctrlPr>
+                                    <a:rPr lang="en-US" i="1" smtClean="0">
+                                      <a:latin typeface="Cambria Math" panose="02040503050406030204" pitchFamily="18" charset="0"/>
+                                    </a:rPr>
+                                  </m:ctrlPr>
+                                </m:sSupPr>
+                                <m:e>
+                                  <m:r>
+                                    <a:rPr lang="en-US" i="1" smtClean="0">
+                                      <a:latin typeface="Cambria Math" panose="02040503050406030204" pitchFamily="18" charset="0"/>
+                                      <a:ea typeface="Cambria Math" panose="02040503050406030204" pitchFamily="18" charset="0"/>
+                                    </a:rPr>
+                                    <m:t>𝜎</m:t>
+                                  </m:r>
+                                </m:e>
+                                <m:sup>
+                                  <m:r>
+                                    <a:rPr lang="en-US" b="0" i="1" smtClean="0">
+                                      <a:latin typeface="Cambria Math" panose="02040503050406030204" pitchFamily="18" charset="0"/>
+                                    </a:rPr>
+                                    <m:t>2</m:t>
+                                  </m:r>
+                                </m:sup>
+                              </m:sSup>
+                            </m:oMath>
+                          </a14:m>
+                          <a:r>
+                            <a:rPr lang="en-US" dirty="0"/>
+                            <a:t> </a:t>
+                          </a:r>
+                        </a:p>
+                      </a:txBody>
+                      <a:tcPr/>
+                    </a:tc>
+                    <a:tc>
+                      <a:txBody>
+                        <a:bodyPr/>
+                        <a:lstStyle/>
+                        <a:p>
+                          <a:r>
+                            <a:rPr lang="el-GR" dirty="0">
+                              <a:latin typeface="Cambria Math" panose="02040503050406030204" pitchFamily="18" charset="0"/>
+                              <a:ea typeface="Cambria Math" panose="02040503050406030204" pitchFamily="18" charset="0"/>
+                            </a:rPr>
+                            <a:t>μ</a:t>
+                          </a:r>
+                          <a:endParaRPr lang="en-US" dirty="0"/>
+                        </a:p>
+                      </a:txBody>
+                      <a:tcPr/>
+                    </a:tc>
+                    <a:tc>
+                      <a:txBody>
+                        <a:bodyPr/>
+                        <a:lstStyle/>
+                        <a:p>
+                          <a14:m>
+                            <m:oMath xmlns:m="http://schemas.openxmlformats.org/officeDocument/2006/math">
+                              <m:sSup>
+                                <m:sSupPr>
+                                  <m:ctrlPr>
+                                    <a:rPr lang="en-US" i="1" smtClean="0">
+                                      <a:latin typeface="Cambria Math" panose="02040503050406030204" pitchFamily="18" charset="0"/>
+                                    </a:rPr>
+                                  </m:ctrlPr>
+                                </m:sSupPr>
+                                <m:e>
+                                  <m:r>
+                                    <a:rPr lang="en-US" i="1" smtClean="0">
+                                      <a:latin typeface="Cambria Math" panose="02040503050406030204" pitchFamily="18" charset="0"/>
+                                      <a:ea typeface="Cambria Math" panose="02040503050406030204" pitchFamily="18" charset="0"/>
+                                    </a:rPr>
+                                    <m:t>𝜎</m:t>
+                                  </m:r>
+                                </m:e>
+                                <m:sup>
+                                  <m:r>
+                                    <a:rPr lang="en-US" b="0" i="1" smtClean="0">
+                                      <a:latin typeface="Cambria Math" panose="02040503050406030204" pitchFamily="18" charset="0"/>
+                                    </a:rPr>
+                                    <m:t>2</m:t>
+                                  </m:r>
+                                </m:sup>
+                              </m:sSup>
+                            </m:oMath>
+                          </a14:m>
+                          <a:r>
+                            <a:rPr lang="en-US" dirty="0"/>
+                            <a:t> </a:t>
+                          </a:r>
+                        </a:p>
+                      </a:txBody>
+                      <a:tcPr/>
+                    </a:tc>
+                    <a:tc>
+                      <a:txBody>
+                        <a:bodyPr/>
+                        <a:lstStyle/>
+                        <a:p>
+                          <a:r>
+                            <a:rPr lang="el-GR" dirty="0">
+                              <a:latin typeface="Cambria Math" panose="02040503050406030204" pitchFamily="18" charset="0"/>
+                              <a:ea typeface="Cambria Math" panose="02040503050406030204" pitchFamily="18" charset="0"/>
+                            </a:rPr>
+                            <a:t>μ</a:t>
+                          </a:r>
+                          <a:endParaRPr lang="en-US" dirty="0"/>
+                        </a:p>
+                      </a:txBody>
+                      <a:tcPr/>
+                    </a:tc>
+                    <a:tc>
+                      <a:txBody>
+                        <a:bodyPr/>
+                        <a:lstStyle/>
+                        <a:p>
+                          <a14:m>
+                            <m:oMath xmlns:m="http://schemas.openxmlformats.org/officeDocument/2006/math">
+                              <m:sSup>
+                                <m:sSupPr>
+                                  <m:ctrlPr>
+                                    <a:rPr lang="en-US" i="1" smtClean="0">
+                                      <a:latin typeface="Cambria Math" panose="02040503050406030204" pitchFamily="18" charset="0"/>
+                                    </a:rPr>
+                                  </m:ctrlPr>
+                                </m:sSupPr>
+                                <m:e>
+                                  <m:r>
+                                    <a:rPr lang="en-US" i="1" smtClean="0">
+                                      <a:latin typeface="Cambria Math" panose="02040503050406030204" pitchFamily="18" charset="0"/>
+                                      <a:ea typeface="Cambria Math" panose="02040503050406030204" pitchFamily="18" charset="0"/>
+                                    </a:rPr>
+                                    <m:t>𝜎</m:t>
+                                  </m:r>
+                                </m:e>
+                                <m:sup>
+                                  <m:r>
+                                    <a:rPr lang="en-US" b="0" i="1" smtClean="0">
+                                      <a:latin typeface="Cambria Math" panose="02040503050406030204" pitchFamily="18" charset="0"/>
+                                    </a:rPr>
+                                    <m:t>2</m:t>
+                                  </m:r>
+                                </m:sup>
+                              </m:sSup>
+                            </m:oMath>
+                          </a14:m>
+                          <a:r>
+                            <a:rPr lang="en-US" dirty="0"/>
+                            <a:t> </a:t>
+                          </a:r>
+                        </a:p>
+                      </a:txBody>
+                      <a:tcPr/>
+                    </a:tc>
+                    <a:tc>
+                      <a:txBody>
+                        <a:bodyPr/>
+                        <a:lstStyle/>
+                        <a:p>
+                          <a:r>
+                            <a:rPr lang="el-GR" dirty="0">
+                              <a:latin typeface="Cambria Math" panose="02040503050406030204" pitchFamily="18" charset="0"/>
+                              <a:ea typeface="Cambria Math" panose="02040503050406030204" pitchFamily="18" charset="0"/>
+                            </a:rPr>
+                            <a:t>μ</a:t>
+                          </a:r>
+                          <a:endParaRPr lang="en-US" dirty="0"/>
+                        </a:p>
+                      </a:txBody>
+                      <a:tcPr/>
+                    </a:tc>
+                    <a:tc>
+                      <a:txBody>
+                        <a:bodyPr/>
+                        <a:lstStyle/>
+                        <a:p>
+                          <a14:m>
+                            <m:oMath xmlns:m="http://schemas.openxmlformats.org/officeDocument/2006/math">
+                              <m:sSup>
+                                <m:sSupPr>
+                                  <m:ctrlPr>
+                                    <a:rPr lang="en-US" i="1" smtClean="0">
+                                      <a:latin typeface="Cambria Math" panose="02040503050406030204" pitchFamily="18" charset="0"/>
+                                    </a:rPr>
+                                  </m:ctrlPr>
+                                </m:sSupPr>
+                                <m:e>
+                                  <m:r>
+                                    <a:rPr lang="en-US" i="1" smtClean="0">
+                                      <a:latin typeface="Cambria Math" panose="02040503050406030204" pitchFamily="18" charset="0"/>
+                                      <a:ea typeface="Cambria Math" panose="02040503050406030204" pitchFamily="18" charset="0"/>
+                                    </a:rPr>
+                                    <m:t>𝜎</m:t>
+                                  </m:r>
+                                </m:e>
+                                <m:sup>
+                                  <m:r>
+                                    <a:rPr lang="en-US" b="0" i="1" smtClean="0">
+                                      <a:latin typeface="Cambria Math" panose="02040503050406030204" pitchFamily="18" charset="0"/>
+                                    </a:rPr>
+                                    <m:t>2</m:t>
+                                  </m:r>
+                                </m:sup>
+                              </m:sSup>
+                            </m:oMath>
+                          </a14:m>
+                          <a:r>
+                            <a:rPr lang="en-US" dirty="0"/>
+                            <a:t> </a:t>
+                          </a:r>
+                        </a:p>
+                      </a:txBody>
+                      <a:tcPr/>
+                    </a:tc>
+                    <a:extLst>
+                      <a:ext uri="{0D108BD9-81ED-4DB2-BD59-A6C34878D82A}">
+                        <a16:rowId xmlns:a16="http://schemas.microsoft.com/office/drawing/2014/main" val="3149648251"/>
+                      </a:ext>
+                    </a:extLst>
+                  </a:tr>
+                  <a:tr h="370840">
+                    <a:tc>
+                      <a:txBody>
+                        <a:bodyPr/>
+                        <a:lstStyle/>
+                        <a:p>
+                          <a:pPr marL="0" marR="0" lvl="0" indent="0" algn="l" defTabSz="914400" rtl="0" eaLnBrk="1" fontAlgn="auto" latinLnBrk="0" hangingPunct="1">
+                            <a:lnSpc>
+                              <a:spcPct val="100000"/>
+                            </a:lnSpc>
+                            <a:spcBef>
+                              <a:spcPts val="0"/>
+                            </a:spcBef>
+                            <a:spcAft>
+                              <a:spcPts val="0"/>
+                            </a:spcAft>
+                            <a:buClrTx/>
+                            <a:buSzTx/>
+                            <a:buFontTx/>
+                            <a:buNone/>
+                            <a:tabLst/>
+                            <a:defRPr/>
+                          </a:pPr>
+                          <a:r>
+                            <a:rPr lang="en-US" dirty="0"/>
+                            <a:t>Estimated posterior </a:t>
+                          </a:r>
+                        </a:p>
+                      </a:txBody>
+                      <a:tcPr/>
+                    </a:tc>
+                    <a:tc>
+                      <a:txBody>
+                        <a:bodyPr/>
+                        <a:lstStyle/>
+                        <a:p>
+                          <a:r>
+                            <a:rPr lang="en-US" sz="1200" dirty="0"/>
+                            <a:t>58.8</a:t>
+                          </a:r>
+                        </a:p>
+                      </a:txBody>
+                      <a:tcPr/>
+                    </a:tc>
+                    <a:tc>
+                      <a:txBody>
+                        <a:bodyPr/>
+                        <a:lstStyle/>
+                        <a:p>
+                          <a:r>
+                            <a:rPr lang="en-US" sz="1200" dirty="0"/>
+                            <a:t>16.6</a:t>
+                          </a:r>
+                        </a:p>
+                      </a:txBody>
+                      <a:tcPr/>
+                    </a:tc>
+                    <a:tc>
+                      <a:txBody>
+                        <a:bodyPr/>
+                        <a:lstStyle/>
+                        <a:p>
+                          <a:r>
+                            <a:rPr lang="en-US" sz="1200" dirty="0"/>
+                            <a:t>4.65</a:t>
+                          </a:r>
+                        </a:p>
+                      </a:txBody>
+                      <a:tcPr/>
+                    </a:tc>
+                    <a:tc>
+                      <a:txBody>
+                        <a:bodyPr/>
+                        <a:lstStyle/>
+                        <a:p>
+                          <a:r>
+                            <a:rPr lang="en-US" sz="1200" dirty="0"/>
+                            <a:t>1.18</a:t>
+                          </a:r>
+                        </a:p>
+                      </a:txBody>
+                      <a:tcPr/>
+                    </a:tc>
+                    <a:tc>
+                      <a:txBody>
+                        <a:bodyPr/>
+                        <a:lstStyle/>
+                        <a:p>
+                          <a:r>
+                            <a:rPr lang="en-US" sz="1200" dirty="0"/>
+                            <a:t>2.623</a:t>
+                          </a:r>
+                        </a:p>
+                      </a:txBody>
+                      <a:tcPr/>
+                    </a:tc>
+                    <a:tc>
+                      <a:txBody>
+                        <a:bodyPr/>
+                        <a:lstStyle/>
+                        <a:p>
+                          <a:r>
+                            <a:rPr lang="en-US" sz="1200" dirty="0"/>
+                            <a:t>0.847</a:t>
+                          </a:r>
+                        </a:p>
+                      </a:txBody>
+                      <a:tcPr/>
+                    </a:tc>
+                    <a:tc>
+                      <a:txBody>
+                        <a:bodyPr/>
+                        <a:lstStyle/>
+                        <a:p>
+                          <a:r>
+                            <a:rPr lang="en-US" sz="1200" dirty="0"/>
+                            <a:t>3.825</a:t>
+                          </a:r>
+                        </a:p>
+                      </a:txBody>
+                      <a:tcPr/>
+                    </a:tc>
+                    <a:tc>
+                      <a:txBody>
+                        <a:bodyPr/>
+                        <a:lstStyle/>
+                        <a:p>
+                          <a:r>
+                            <a:rPr lang="en-US" sz="1200" dirty="0"/>
+                            <a:t>0.145</a:t>
+                          </a:r>
+                        </a:p>
+                      </a:txBody>
+                      <a:tcPr/>
+                    </a:tc>
+                    <a:tc>
+                      <a:txBody>
+                        <a:bodyPr/>
+                        <a:lstStyle/>
+                        <a:p>
+                          <a:r>
+                            <a:rPr lang="en-US" sz="1200" dirty="0"/>
+                            <a:t>5.009</a:t>
+                          </a:r>
+                        </a:p>
+                      </a:txBody>
+                      <a:tcPr/>
+                    </a:tc>
+                    <a:tc>
+                      <a:txBody>
+                        <a:bodyPr/>
+                        <a:lstStyle/>
+                        <a:p>
+                          <a:r>
+                            <a:rPr lang="en-US" sz="1200" dirty="0"/>
+                            <a:t>0.034</a:t>
+                          </a:r>
+                        </a:p>
+                      </a:txBody>
+                      <a:tcPr/>
+                    </a:tc>
+                    <a:tc>
+                      <a:txBody>
+                        <a:bodyPr/>
+                        <a:lstStyle/>
+                        <a:p>
+                          <a:r>
+                            <a:rPr lang="en-US" sz="1200" dirty="0"/>
+                            <a:t>1.032</a:t>
+                          </a:r>
+                        </a:p>
+                      </a:txBody>
+                      <a:tcPr/>
+                    </a:tc>
+                    <a:tc>
+                      <a:txBody>
+                        <a:bodyPr/>
+                        <a:lstStyle/>
+                        <a:p>
+                          <a:r>
+                            <a:rPr lang="en-US" sz="1200" dirty="0"/>
+                            <a:t>0.046</a:t>
+                          </a:r>
+                        </a:p>
+                      </a:txBody>
+                      <a:tcPr/>
+                    </a:tc>
+                    <a:tc>
+                      <a:txBody>
+                        <a:bodyPr/>
+                        <a:lstStyle/>
+                        <a:p>
+                          <a:r>
+                            <a:rPr lang="en-US" sz="1200" dirty="0"/>
+                            <a:t>1.014</a:t>
+                          </a:r>
+                        </a:p>
+                      </a:txBody>
+                      <a:tcPr/>
+                    </a:tc>
+                    <a:tc>
+                      <a:txBody>
+                        <a:bodyPr/>
+                        <a:lstStyle/>
+                        <a:p>
+                          <a:r>
+                            <a:rPr lang="en-US" sz="1200" dirty="0"/>
+                            <a:t>0.024</a:t>
+                          </a:r>
+                        </a:p>
+                      </a:txBody>
+                      <a:tcPr/>
+                    </a:tc>
+                    <a:tc>
+                      <a:txBody>
+                        <a:bodyPr/>
+                        <a:lstStyle/>
+                        <a:p>
+                          <a:r>
+                            <a:rPr lang="en-US" sz="1200" dirty="0"/>
+                            <a:t>0.011</a:t>
+                          </a:r>
+                        </a:p>
+                      </a:txBody>
+                      <a:tcPr/>
+                    </a:tc>
+                    <a:tc>
+                      <a:txBody>
+                        <a:bodyPr/>
+                        <a:lstStyle/>
+                        <a:p>
+                          <a:r>
+                            <a:rPr lang="en-US" sz="1200" dirty="0"/>
+                            <a:t>0.036</a:t>
+                          </a:r>
+                        </a:p>
+                      </a:txBody>
+                      <a:tcPr/>
+                    </a:tc>
+                    <a:extLst>
+                      <a:ext uri="{0D108BD9-81ED-4DB2-BD59-A6C34878D82A}">
+                        <a16:rowId xmlns:a16="http://schemas.microsoft.com/office/drawing/2014/main" val="3768733929"/>
+                      </a:ext>
+                    </a:extLst>
+                  </a:tr>
+                </a:tbl>
+              </a:graphicData>
+            </a:graphic>
+          </p:graphicFrame>
+        </mc:Choice>
+        <mc:Fallback>
+          <p:graphicFrame>
+            <p:nvGraphicFramePr>
+              <p:cNvPr id="6" name="Table 6">
+                <a:extLst>
+                  <a:ext uri="{FF2B5EF4-FFF2-40B4-BE49-F238E27FC236}">
+                    <a16:creationId xmlns:a16="http://schemas.microsoft.com/office/drawing/2014/main" id="{9E4D9507-6FC4-4504-95A1-75889750A7DD}"/>
+                  </a:ext>
+                </a:extLst>
+              </p:cNvPr>
+              <p:cNvGraphicFramePr>
+                <a:graphicFrameLocks noGrp="1"/>
+              </p:cNvGraphicFramePr>
+              <p:nvPr>
+                <p:ph idx="1"/>
+                <p:extLst>
+                  <p:ext uri="{D42A27DB-BD31-4B8C-83A1-F6EECF244321}">
+                    <p14:modId xmlns:p14="http://schemas.microsoft.com/office/powerpoint/2010/main" val="1643844345"/>
+                  </p:ext>
+                </p:extLst>
+              </p:nvPr>
+            </p:nvGraphicFramePr>
+            <p:xfrm>
+              <a:off x="145774" y="1825625"/>
+              <a:ext cx="11900459" cy="3307080"/>
+            </p:xfrm>
+            <a:graphic>
+              <a:graphicData uri="http://schemas.openxmlformats.org/drawingml/2006/table">
+                <a:tbl>
+                  <a:tblPr firstRow="1" bandRow="1">
+                    <a:tableStyleId>{5C22544A-7EE6-4342-B048-85BDC9FD1C3A}</a:tableStyleId>
+                  </a:tblPr>
+                  <a:tblGrid>
+                    <a:gridCol w="1342293">
+                      <a:extLst>
+                        <a:ext uri="{9D8B030D-6E8A-4147-A177-3AD203B41FA5}">
+                          <a16:colId xmlns:a16="http://schemas.microsoft.com/office/drawing/2014/main" val="3247159312"/>
+                        </a:ext>
+                      </a:extLst>
+                    </a:gridCol>
+                    <a:gridCol w="671147">
+                      <a:extLst>
+                        <a:ext uri="{9D8B030D-6E8A-4147-A177-3AD203B41FA5}">
+                          <a16:colId xmlns:a16="http://schemas.microsoft.com/office/drawing/2014/main" val="1044816037"/>
+                        </a:ext>
+                      </a:extLst>
+                    </a:gridCol>
+                    <a:gridCol w="671147">
+                      <a:extLst>
+                        <a:ext uri="{9D8B030D-6E8A-4147-A177-3AD203B41FA5}">
+                          <a16:colId xmlns:a16="http://schemas.microsoft.com/office/drawing/2014/main" val="341415303"/>
+                        </a:ext>
+                      </a:extLst>
+                    </a:gridCol>
+                    <a:gridCol w="671147">
+                      <a:extLst>
+                        <a:ext uri="{9D8B030D-6E8A-4147-A177-3AD203B41FA5}">
+                          <a16:colId xmlns:a16="http://schemas.microsoft.com/office/drawing/2014/main" val="3194767071"/>
+                        </a:ext>
+                      </a:extLst>
+                    </a:gridCol>
+                    <a:gridCol w="671147">
+                      <a:extLst>
+                        <a:ext uri="{9D8B030D-6E8A-4147-A177-3AD203B41FA5}">
+                          <a16:colId xmlns:a16="http://schemas.microsoft.com/office/drawing/2014/main" val="3900111154"/>
+                        </a:ext>
+                      </a:extLst>
+                    </a:gridCol>
+                    <a:gridCol w="671147">
+                      <a:extLst>
+                        <a:ext uri="{9D8B030D-6E8A-4147-A177-3AD203B41FA5}">
+                          <a16:colId xmlns:a16="http://schemas.microsoft.com/office/drawing/2014/main" val="2471587204"/>
+                        </a:ext>
+                      </a:extLst>
+                    </a:gridCol>
+                    <a:gridCol w="671147">
+                      <a:extLst>
+                        <a:ext uri="{9D8B030D-6E8A-4147-A177-3AD203B41FA5}">
+                          <a16:colId xmlns:a16="http://schemas.microsoft.com/office/drawing/2014/main" val="1569905177"/>
+                        </a:ext>
+                      </a:extLst>
+                    </a:gridCol>
+                    <a:gridCol w="671147">
+                      <a:extLst>
+                        <a:ext uri="{9D8B030D-6E8A-4147-A177-3AD203B41FA5}">
+                          <a16:colId xmlns:a16="http://schemas.microsoft.com/office/drawing/2014/main" val="2913658401"/>
+                        </a:ext>
+                      </a:extLst>
+                    </a:gridCol>
+                    <a:gridCol w="671147">
+                      <a:extLst>
+                        <a:ext uri="{9D8B030D-6E8A-4147-A177-3AD203B41FA5}">
+                          <a16:colId xmlns:a16="http://schemas.microsoft.com/office/drawing/2014/main" val="209088930"/>
+                        </a:ext>
+                      </a:extLst>
+                    </a:gridCol>
+                    <a:gridCol w="671147">
+                      <a:extLst>
+                        <a:ext uri="{9D8B030D-6E8A-4147-A177-3AD203B41FA5}">
+                          <a16:colId xmlns:a16="http://schemas.microsoft.com/office/drawing/2014/main" val="3078893975"/>
+                        </a:ext>
+                      </a:extLst>
+                    </a:gridCol>
+                    <a:gridCol w="671147">
+                      <a:extLst>
+                        <a:ext uri="{9D8B030D-6E8A-4147-A177-3AD203B41FA5}">
+                          <a16:colId xmlns:a16="http://schemas.microsoft.com/office/drawing/2014/main" val="31719339"/>
+                        </a:ext>
+                      </a:extLst>
+                    </a:gridCol>
+                    <a:gridCol w="581054">
+                      <a:extLst>
+                        <a:ext uri="{9D8B030D-6E8A-4147-A177-3AD203B41FA5}">
+                          <a16:colId xmlns:a16="http://schemas.microsoft.com/office/drawing/2014/main" val="3678376529"/>
+                        </a:ext>
+                      </a:extLst>
+                    </a:gridCol>
+                    <a:gridCol w="581054">
+                      <a:extLst>
+                        <a:ext uri="{9D8B030D-6E8A-4147-A177-3AD203B41FA5}">
+                          <a16:colId xmlns:a16="http://schemas.microsoft.com/office/drawing/2014/main" val="508379586"/>
+                        </a:ext>
+                      </a:extLst>
+                    </a:gridCol>
+                    <a:gridCol w="671147">
+                      <a:extLst>
+                        <a:ext uri="{9D8B030D-6E8A-4147-A177-3AD203B41FA5}">
+                          <a16:colId xmlns:a16="http://schemas.microsoft.com/office/drawing/2014/main" val="4262606386"/>
+                        </a:ext>
+                      </a:extLst>
+                    </a:gridCol>
+                    <a:gridCol w="671147">
+                      <a:extLst>
+                        <a:ext uri="{9D8B030D-6E8A-4147-A177-3AD203B41FA5}">
+                          <a16:colId xmlns:a16="http://schemas.microsoft.com/office/drawing/2014/main" val="2198977318"/>
+                        </a:ext>
+                      </a:extLst>
+                    </a:gridCol>
+                    <a:gridCol w="671147">
+                      <a:extLst>
+                        <a:ext uri="{9D8B030D-6E8A-4147-A177-3AD203B41FA5}">
+                          <a16:colId xmlns:a16="http://schemas.microsoft.com/office/drawing/2014/main" val="4101588250"/>
+                        </a:ext>
+                      </a:extLst>
+                    </a:gridCol>
+                    <a:gridCol w="671147">
+                      <a:extLst>
+                        <a:ext uri="{9D8B030D-6E8A-4147-A177-3AD203B41FA5}">
+                          <a16:colId xmlns:a16="http://schemas.microsoft.com/office/drawing/2014/main" val="4232495769"/>
+                        </a:ext>
+                      </a:extLst>
+                    </a:gridCol>
+                  </a:tblGrid>
+                  <a:tr h="370840">
+                    <a:tc>
+                      <a:txBody>
+                        <a:bodyPr/>
+                        <a:lstStyle/>
+                        <a:p>
+                          <a:endParaRPr lang="en-US"/>
+                        </a:p>
+                      </a:txBody>
+                      <a:tcPr/>
+                    </a:tc>
+                    <a:tc gridSpan="6">
+                      <a:txBody>
+                        <a:bodyPr/>
+                        <a:lstStyle/>
+                        <a:p>
+                          <a:r>
+                            <a:rPr lang="en-US" dirty="0"/>
+                            <a:t>Baseline parameters </a:t>
+                          </a:r>
+                        </a:p>
+                      </a:txBody>
+                      <a:tcPr/>
+                    </a:tc>
+                    <a:tc hMerge="1">
+                      <a:txBody>
+                        <a:bodyPr/>
+                        <a:lstStyle/>
+                        <a:p>
+                          <a:endParaRPr lang="en-US"/>
+                        </a:p>
+                      </a:txBody>
+                      <a:tcPr/>
+                    </a:tc>
+                    <a:tc hMerge="1">
+                      <a:txBody>
+                        <a:bodyPr/>
+                        <a:lstStyle/>
+                        <a:p>
+                          <a:endParaRPr lang="en-US"/>
+                        </a:p>
+                      </a:txBody>
+                      <a:tcPr/>
+                    </a:tc>
+                    <a:tc hMerge="1">
+                      <a:txBody>
+                        <a:bodyPr/>
+                        <a:lstStyle/>
+                        <a:p>
+                          <a:endParaRPr lang="en-US"/>
+                        </a:p>
+                      </a:txBody>
+                      <a:tcPr/>
+                    </a:tc>
+                    <a:tc hMerge="1">
+                      <a:txBody>
+                        <a:bodyPr/>
+                        <a:lstStyle/>
+                        <a:p>
+                          <a:endParaRPr lang="en-US" dirty="0"/>
+                        </a:p>
+                      </a:txBody>
+                      <a:tcPr/>
+                    </a:tc>
+                    <a:tc hMerge="1">
+                      <a:txBody>
+                        <a:bodyPr/>
+                        <a:lstStyle/>
+                        <a:p>
+                          <a:endParaRPr lang="en-US"/>
+                        </a:p>
+                      </a:txBody>
+                      <a:tcPr/>
+                    </a:tc>
+                    <a:tc gridSpan="6">
+                      <a:txBody>
+                        <a:bodyPr/>
+                        <a:lstStyle/>
+                        <a:p>
+                          <a:r>
+                            <a:rPr lang="en-US" dirty="0"/>
+                            <a:t>1</a:t>
+                          </a:r>
+                          <a:r>
+                            <a:rPr lang="en-US" baseline="30000" dirty="0"/>
+                            <a:t>st</a:t>
+                          </a:r>
+                          <a:r>
+                            <a:rPr lang="en-US" dirty="0"/>
+                            <a:t> Bump parameters </a:t>
+                          </a:r>
+                        </a:p>
+                      </a:txBody>
+                      <a:tcPr/>
+                    </a:tc>
+                    <a:tc hMerge="1">
+                      <a:txBody>
+                        <a:bodyPr/>
+                        <a:lstStyle/>
+                        <a:p>
+                          <a:endParaRPr lang="en-US"/>
+                        </a:p>
+                      </a:txBody>
+                      <a:tcPr/>
+                    </a:tc>
+                    <a:tc hMerge="1">
+                      <a:txBody>
+                        <a:bodyPr/>
+                        <a:lstStyle/>
+                        <a:p>
+                          <a:endParaRPr lang="en-US"/>
+                        </a:p>
+                      </a:txBody>
+                      <a:tcPr/>
+                    </a:tc>
+                    <a:tc hMerge="1">
+                      <a:txBody>
+                        <a:bodyPr/>
+                        <a:lstStyle/>
+                        <a:p>
+                          <a:endParaRPr lang="en-US"/>
+                        </a:p>
+                      </a:txBody>
+                      <a:tcPr/>
+                    </a:tc>
+                    <a:tc hMerge="1">
+                      <a:txBody>
+                        <a:bodyPr/>
+                        <a:lstStyle/>
+                        <a:p>
+                          <a:endParaRPr lang="en-US" dirty="0"/>
+                        </a:p>
+                      </a:txBody>
+                      <a:tcPr/>
+                    </a:tc>
+                    <a:tc hMerge="1">
+                      <a:txBody>
+                        <a:bodyPr/>
+                        <a:lstStyle/>
+                        <a:p>
+                          <a:endParaRPr lang="en-US"/>
+                        </a:p>
+                      </a:txBody>
+                      <a:tcPr/>
+                    </a:tc>
+                    <a:tc gridSpan="4">
+                      <a:txBody>
+                        <a:bodyPr/>
+                        <a:lstStyle/>
+                        <a:p>
+                          <a:r>
+                            <a:rPr lang="en-US" dirty="0"/>
+                            <a:t>Noise Param </a:t>
+                          </a:r>
+                        </a:p>
+                      </a:txBody>
+                      <a:tcPr/>
+                    </a:tc>
+                    <a:tc hMerge="1">
+                      <a:txBody>
+                        <a:bodyPr/>
+                        <a:lstStyle/>
+                        <a:p>
+                          <a:endParaRPr lang="en-US"/>
+                        </a:p>
+                      </a:txBody>
+                      <a:tcPr/>
+                    </a:tc>
+                    <a:tc hMerge="1">
+                      <a:txBody>
+                        <a:bodyPr/>
+                        <a:lstStyle/>
+                        <a:p>
+                          <a:endParaRPr lang="en-US" dirty="0"/>
+                        </a:p>
+                      </a:txBody>
+                      <a:tcPr/>
+                    </a:tc>
+                    <a:tc hMerge="1">
+                      <a:txBody>
+                        <a:bodyPr/>
+                        <a:lstStyle/>
+                        <a:p>
+                          <a:endParaRPr lang="en-US"/>
+                        </a:p>
+                      </a:txBody>
+                      <a:tcPr/>
+                    </a:tc>
+                    <a:extLst>
+                      <a:ext uri="{0D108BD9-81ED-4DB2-BD59-A6C34878D82A}">
+                        <a16:rowId xmlns:a16="http://schemas.microsoft.com/office/drawing/2014/main" val="3834260169"/>
+                      </a:ext>
+                    </a:extLst>
+                  </a:tr>
+                  <a:tr h="370840">
+                    <a:tc>
+                      <a:txBody>
+                        <a:bodyPr/>
+                        <a:lstStyle/>
+                        <a:p>
+                          <a:endParaRPr lang="en-US"/>
+                        </a:p>
+                      </a:txBody>
+                      <a:tcPr/>
+                    </a:tc>
+                    <a:tc gridSpan="2">
+                      <a:txBody>
+                        <a:bodyPr/>
+                        <a:lstStyle/>
+                        <a:p>
+                          <a:r>
+                            <a:rPr lang="en-US" dirty="0"/>
+                            <a:t>a </a:t>
+                          </a:r>
+                        </a:p>
+                      </a:txBody>
+                      <a:tcPr/>
+                    </a:tc>
+                    <a:tc hMerge="1">
+                      <a:txBody>
+                        <a:bodyPr/>
+                        <a:lstStyle/>
+                        <a:p>
+                          <a:endParaRPr lang="en-US"/>
+                        </a:p>
+                      </a:txBody>
+                      <a:tcPr/>
+                    </a:tc>
+                    <a:tc gridSpan="2">
+                      <a:txBody>
+                        <a:bodyPr/>
+                        <a:lstStyle/>
+                        <a:p>
+                          <a:r>
+                            <a:rPr lang="en-US" dirty="0"/>
+                            <a:t>b</a:t>
+                          </a:r>
+                        </a:p>
+                      </a:txBody>
+                      <a:tcPr/>
+                    </a:tc>
+                    <a:tc hMerge="1">
+                      <a:txBody>
+                        <a:bodyPr/>
+                        <a:lstStyle/>
+                        <a:p>
+                          <a:endParaRPr lang="en-US"/>
+                        </a:p>
+                      </a:txBody>
+                      <a:tcPr/>
+                    </a:tc>
+                    <a:tc gridSpan="2">
+                      <a:txBody>
+                        <a:bodyPr/>
+                        <a:lstStyle/>
+                        <a:p>
+                          <a:r>
+                            <a:rPr lang="en-US" dirty="0"/>
+                            <a:t>c</a:t>
+                          </a:r>
+                        </a:p>
+                      </a:txBody>
+                      <a:tcPr/>
+                    </a:tc>
+                    <a:tc hMerge="1">
+                      <a:txBody>
+                        <a:bodyPr/>
+                        <a:lstStyle/>
+                        <a:p>
+                          <a:endParaRPr lang="en-US"/>
+                        </a:p>
+                      </a:txBody>
+                      <a:tcPr/>
+                    </a:tc>
+                    <a:tc gridSpan="2">
+                      <a:txBody>
+                        <a:bodyPr/>
+                        <a:lstStyle/>
+                        <a:p>
+                          <a:r>
+                            <a:rPr lang="en-US" dirty="0"/>
+                            <a:t>w1</a:t>
+                          </a:r>
+                        </a:p>
+                      </a:txBody>
+                      <a:tcPr/>
+                    </a:tc>
+                    <a:tc hMerge="1">
+                      <a:txBody>
+                        <a:bodyPr/>
+                        <a:lstStyle/>
+                        <a:p>
+                          <a:endParaRPr lang="en-US"/>
+                        </a:p>
+                      </a:txBody>
+                      <a:tcPr/>
+                    </a:tc>
+                    <a:tc gridSpan="2">
+                      <a:txBody>
+                        <a:bodyPr/>
+                        <a:lstStyle/>
+                        <a:p>
+                          <a:r>
+                            <a:rPr lang="en-US" dirty="0"/>
+                            <a:t>f1 </a:t>
+                          </a:r>
+                        </a:p>
+                      </a:txBody>
+                      <a:tcPr/>
+                    </a:tc>
+                    <a:tc hMerge="1">
+                      <a:txBody>
+                        <a:bodyPr/>
+                        <a:lstStyle/>
+                        <a:p>
+                          <a:endParaRPr lang="en-US"/>
+                        </a:p>
+                      </a:txBody>
+                      <a:tcPr/>
+                    </a:tc>
+                    <a:tc gridSpan="2">
+                      <a:txBody>
+                        <a:bodyPr/>
+                        <a:lstStyle/>
+                        <a:p>
+                          <a:r>
+                            <a:rPr lang="el-GR" dirty="0">
+                              <a:latin typeface="Cambria Math" panose="02040503050406030204" pitchFamily="18" charset="0"/>
+                              <a:ea typeface="Cambria Math" panose="02040503050406030204" pitchFamily="18" charset="0"/>
+                            </a:rPr>
+                            <a:t>σ</a:t>
+                          </a:r>
+                          <a:r>
+                            <a:rPr lang="en-US" dirty="0">
+                              <a:latin typeface="Cambria Math" panose="02040503050406030204" pitchFamily="18" charset="0"/>
+                              <a:ea typeface="Cambria Math" panose="02040503050406030204" pitchFamily="18" charset="0"/>
+                            </a:rPr>
+                            <a:t>1</a:t>
+                          </a:r>
+                          <a:endParaRPr lang="en-US" dirty="0"/>
+                        </a:p>
+                      </a:txBody>
+                      <a:tcPr/>
+                    </a:tc>
+                    <a:tc hMerge="1">
+                      <a:txBody>
+                        <a:bodyPr/>
+                        <a:lstStyle/>
+                        <a:p>
+                          <a:endParaRPr lang="en-US"/>
+                        </a:p>
+                      </a:txBody>
+                      <a:tcPr/>
+                    </a:tc>
+                    <a:tc gridSpan="2">
+                      <a:txBody>
+                        <a:bodyPr/>
+                        <a:lstStyle/>
+                        <a:p>
+                          <a:endParaRPr lang="en-US"/>
+                        </a:p>
+                      </a:txBody>
+                      <a:tcPr>
+                        <a:blipFill>
+                          <a:blip r:embed="rId2"/>
+                          <a:stretch>
+                            <a:fillRect l="-685068" t="-108197" r="-101357" b="-716393"/>
+                          </a:stretch>
+                        </a:blipFill>
+                      </a:tcPr>
+                    </a:tc>
+                    <a:tc hMerge="1">
+                      <a:txBody>
+                        <a:bodyPr/>
+                        <a:lstStyle/>
+                        <a:p>
+                          <a:endParaRPr lang="en-US"/>
+                        </a:p>
+                      </a:txBody>
+                      <a:tcPr/>
+                    </a:tc>
+                    <a:tc gridSpan="2">
+                      <a:txBody>
+                        <a:bodyPr/>
+                        <a:lstStyle/>
+                        <a:p>
+                          <a:endParaRPr lang="en-US"/>
+                        </a:p>
+                      </a:txBody>
+                      <a:tcPr>
+                        <a:blipFill>
+                          <a:blip r:embed="rId2"/>
+                          <a:stretch>
+                            <a:fillRect l="-788636" t="-108197" r="-1818" b="-716393"/>
+                          </a:stretch>
+                        </a:blipFill>
+                      </a:tcPr>
+                    </a:tc>
+                    <a:tc hMerge="1">
+                      <a:txBody>
+                        <a:bodyPr/>
+                        <a:lstStyle/>
+                        <a:p>
+                          <a:endParaRPr lang="en-US"/>
+                        </a:p>
+                      </a:txBody>
+                      <a:tcPr/>
+                    </a:tc>
+                    <a:extLst>
+                      <a:ext uri="{0D108BD9-81ED-4DB2-BD59-A6C34878D82A}">
+                        <a16:rowId xmlns:a16="http://schemas.microsoft.com/office/drawing/2014/main" val="1776762730"/>
+                      </a:ext>
+                    </a:extLst>
+                  </a:tr>
+                  <a:tr h="640080">
+                    <a:tc>
+                      <a:txBody>
+                        <a:bodyPr/>
+                        <a:lstStyle/>
+                        <a:p>
+                          <a:r>
+                            <a:rPr lang="en-US" dirty="0"/>
+                            <a:t>Synthetic values </a:t>
+                          </a:r>
+                        </a:p>
+                      </a:txBody>
+                      <a:tcPr/>
+                    </a:tc>
+                    <a:tc gridSpan="2">
+                      <a:txBody>
+                        <a:bodyPr/>
+                        <a:lstStyle/>
+                        <a:p>
+                          <a:r>
+                            <a:rPr lang="en-US" dirty="0"/>
+                            <a:t>50</a:t>
+                          </a:r>
+                        </a:p>
+                      </a:txBody>
+                      <a:tcPr/>
+                    </a:tc>
+                    <a:tc hMerge="1">
+                      <a:txBody>
+                        <a:bodyPr/>
+                        <a:lstStyle/>
+                        <a:p>
+                          <a:endParaRPr lang="en-US"/>
+                        </a:p>
+                      </a:txBody>
+                      <a:tcPr/>
+                    </a:tc>
+                    <a:tc gridSpan="2">
+                      <a:txBody>
+                        <a:bodyPr/>
+                        <a:lstStyle/>
+                        <a:p>
+                          <a:r>
+                            <a:rPr lang="en-US" dirty="0"/>
+                            <a:t>4</a:t>
+                          </a:r>
+                        </a:p>
+                      </a:txBody>
+                      <a:tcPr/>
+                    </a:tc>
+                    <a:tc hMerge="1">
+                      <a:txBody>
+                        <a:bodyPr/>
+                        <a:lstStyle/>
+                        <a:p>
+                          <a:endParaRPr lang="en-US"/>
+                        </a:p>
+                      </a:txBody>
+                      <a:tcPr/>
+                    </a:tc>
+                    <a:tc gridSpan="2">
+                      <a:txBody>
+                        <a:bodyPr/>
+                        <a:lstStyle/>
+                        <a:p>
+                          <a:r>
+                            <a:rPr lang="en-US" dirty="0"/>
+                            <a:t>3</a:t>
+                          </a:r>
+                        </a:p>
+                      </a:txBody>
+                      <a:tcPr/>
+                    </a:tc>
+                    <a:tc hMerge="1">
+                      <a:txBody>
+                        <a:bodyPr/>
+                        <a:lstStyle/>
+                        <a:p>
+                          <a:endParaRPr lang="en-US"/>
+                        </a:p>
+                      </a:txBody>
+                      <a:tcPr/>
+                    </a:tc>
+                    <a:tc gridSpan="2">
+                      <a:txBody>
+                        <a:bodyPr/>
+                        <a:lstStyle/>
+                        <a:p>
+                          <a:r>
+                            <a:rPr lang="en-US" dirty="0"/>
+                            <a:t>4</a:t>
+                          </a:r>
+                        </a:p>
+                      </a:txBody>
+                      <a:tcPr/>
+                    </a:tc>
+                    <a:tc hMerge="1">
+                      <a:txBody>
+                        <a:bodyPr/>
+                        <a:lstStyle/>
+                        <a:p>
+                          <a:endParaRPr lang="en-US"/>
+                        </a:p>
+                      </a:txBody>
+                      <a:tcPr/>
+                    </a:tc>
+                    <a:tc gridSpan="2">
+                      <a:txBody>
+                        <a:bodyPr/>
+                        <a:lstStyle/>
+                        <a:p>
+                          <a:r>
+                            <a:rPr lang="en-US" dirty="0"/>
+                            <a:t>5</a:t>
+                          </a:r>
+                        </a:p>
+                      </a:txBody>
+                      <a:tcPr/>
+                    </a:tc>
+                    <a:tc hMerge="1">
+                      <a:txBody>
+                        <a:bodyPr/>
+                        <a:lstStyle/>
+                        <a:p>
+                          <a:endParaRPr lang="en-US"/>
+                        </a:p>
+                      </a:txBody>
+                      <a:tcPr/>
+                    </a:tc>
+                    <a:tc gridSpan="2">
+                      <a:txBody>
+                        <a:bodyPr/>
+                        <a:lstStyle/>
+                        <a:p>
+                          <a:r>
+                            <a:rPr lang="en-US" dirty="0"/>
+                            <a:t>1</a:t>
+                          </a:r>
+                        </a:p>
+                      </a:txBody>
+                      <a:tcPr/>
+                    </a:tc>
+                    <a:tc hMerge="1">
+                      <a:txBody>
+                        <a:bodyPr/>
+                        <a:lstStyle/>
+                        <a:p>
+                          <a:endParaRPr lang="en-US"/>
+                        </a:p>
+                      </a:txBody>
+                      <a:tcPr/>
+                    </a:tc>
+                    <a:tc gridSpan="2">
+                      <a:txBody>
+                        <a:bodyPr/>
+                        <a:lstStyle/>
+                        <a:p>
+                          <a:r>
+                            <a:rPr lang="en-US" dirty="0"/>
+                            <a:t>1</a:t>
+                          </a:r>
+                        </a:p>
+                      </a:txBody>
+                      <a:tcPr/>
+                    </a:tc>
+                    <a:tc hMerge="1">
+                      <a:txBody>
+                        <a:bodyPr/>
+                        <a:lstStyle/>
+                        <a:p>
+                          <a:endParaRPr lang="en-US"/>
+                        </a:p>
+                      </a:txBody>
+                      <a:tcPr/>
+                    </a:tc>
+                    <a:tc gridSpan="2">
+                      <a:txBody>
+                        <a:bodyPr/>
+                        <a:lstStyle/>
+                        <a:p>
+                          <a:r>
+                            <a:rPr lang="en-US" dirty="0"/>
+                            <a:t>0.2 </a:t>
+                          </a:r>
+                        </a:p>
+                      </a:txBody>
+                      <a:tcPr/>
+                    </a:tc>
+                    <a:tc hMerge="1">
+                      <a:txBody>
+                        <a:bodyPr/>
+                        <a:lstStyle/>
+                        <a:p>
+                          <a:endParaRPr lang="en-US"/>
+                        </a:p>
+                      </a:txBody>
+                      <a:tcPr/>
+                    </a:tc>
+                    <a:extLst>
+                      <a:ext uri="{0D108BD9-81ED-4DB2-BD59-A6C34878D82A}">
+                        <a16:rowId xmlns:a16="http://schemas.microsoft.com/office/drawing/2014/main" val="1501203979"/>
+                      </a:ext>
+                    </a:extLst>
+                  </a:tr>
+                  <a:tr h="914400">
+                    <a:tc>
+                      <a:txBody>
+                        <a:bodyPr/>
+                        <a:lstStyle/>
+                        <a:p>
+                          <a:r>
+                            <a:rPr lang="en-US" dirty="0"/>
+                            <a:t>Prior </a:t>
+                          </a:r>
+                        </a:p>
+                      </a:txBody>
+                      <a:tcPr/>
+                    </a:tc>
+                    <a:tc gridSpan="2">
+                      <a:txBody>
+                        <a:bodyPr/>
+                        <a:lstStyle/>
+                        <a:p>
+                          <a:r>
+                            <a:rPr lang="en-US" dirty="0"/>
+                            <a:t>Uniform</a:t>
+                          </a:r>
+                        </a:p>
+                        <a:p>
+                          <a:r>
+                            <a:rPr lang="en-US" dirty="0"/>
+                            <a:t>-50 50 </a:t>
+                          </a:r>
+                        </a:p>
+                      </a:txBody>
+                      <a:tcPr/>
+                    </a:tc>
+                    <a:tc hMerge="1">
+                      <a:txBody>
+                        <a:bodyPr/>
+                        <a:lstStyle/>
+                        <a:p>
+                          <a:endParaRPr lang="en-US"/>
+                        </a:p>
+                      </a:txBody>
+                      <a:tcPr/>
+                    </a:tc>
+                    <a:tc gridSpan="2">
+                      <a:txBody>
+                        <a:bodyPr/>
+                        <a:lstStyle/>
+                        <a:p>
+                          <a:endParaRPr lang="en-US"/>
+                        </a:p>
+                      </a:txBody>
+                      <a:tcPr>
+                        <a:blipFill>
+                          <a:blip r:embed="rId2"/>
+                          <a:stretch>
+                            <a:fillRect l="-200909" t="-154667" r="-589545" b="-121333"/>
+                          </a:stretch>
+                        </a:blipFill>
+                      </a:tcPr>
+                    </a:tc>
+                    <a:tc hMerge="1">
+                      <a:txBody>
+                        <a:bodyPr/>
+                        <a:lstStyle/>
+                        <a:p>
+                          <a:endParaRPr lang="en-US"/>
+                        </a:p>
+                      </a:txBody>
+                      <a:tcPr/>
+                    </a:tc>
+                    <a:tc gridSpan="2">
+                      <a:txBody>
+                        <a:bodyPr/>
+                        <a:lstStyle/>
+                        <a:p>
+                          <a:endParaRPr lang="en-US"/>
+                        </a:p>
+                      </a:txBody>
+                      <a:tcPr>
+                        <a:blipFill>
+                          <a:blip r:embed="rId2"/>
+                          <a:stretch>
+                            <a:fillRect l="-299548" t="-154667" r="-486878" b="-121333"/>
+                          </a:stretch>
+                        </a:blipFill>
+                      </a:tcPr>
+                    </a:tc>
+                    <a:tc hMerge="1">
+                      <a:txBody>
+                        <a:bodyPr/>
+                        <a:lstStyle/>
+                        <a:p>
+                          <a:endParaRPr lang="en-US"/>
+                        </a:p>
+                      </a:txBody>
+                      <a:tcPr/>
+                    </a:tc>
+                    <a:tc gridSpan="2">
+                      <a:txBody>
+                        <a:bodyPr/>
+                        <a:lstStyle/>
+                        <a:p>
+                          <a:r>
+                            <a:rPr lang="en-US" dirty="0"/>
+                            <a:t>Exp </a:t>
+                          </a:r>
+                        </a:p>
+                        <a:p>
+                          <a:r>
+                            <a:rPr lang="el-GR" dirty="0">
+                              <a:latin typeface="Cambria Math" panose="02040503050406030204" pitchFamily="18" charset="0"/>
+                              <a:ea typeface="Cambria Math" panose="02040503050406030204" pitchFamily="18" charset="0"/>
+                            </a:rPr>
+                            <a:t>λ</a:t>
+                          </a:r>
+                          <a:r>
+                            <a:rPr lang="en-US" dirty="0"/>
+                            <a:t> = 1 </a:t>
+                          </a:r>
+                        </a:p>
+                      </a:txBody>
+                      <a:tcPr/>
+                    </a:tc>
+                    <a:tc hMerge="1">
+                      <a:txBody>
+                        <a:bodyPr/>
+                        <a:lstStyle/>
+                        <a:p>
+                          <a:endParaRPr lang="en-US"/>
+                        </a:p>
+                      </a:txBody>
+                      <a:tcPr/>
+                    </a:tc>
+                    <a:tc gridSpan="2">
+                      <a:txBody>
+                        <a:bodyPr/>
+                        <a:lstStyle/>
+                        <a:p>
+                          <a:endParaRPr lang="en-US"/>
+                        </a:p>
+                      </a:txBody>
+                      <a:tcPr>
+                        <a:blipFill>
+                          <a:blip r:embed="rId2"/>
+                          <a:stretch>
+                            <a:fillRect l="-501364" t="-154667" r="-289091" b="-121333"/>
+                          </a:stretch>
+                        </a:blipFill>
+                      </a:tcPr>
+                    </a:tc>
+                    <a:tc hMerge="1">
+                      <a:txBody>
+                        <a:bodyPr/>
+                        <a:lstStyle/>
+                        <a:p>
+                          <a:endParaRPr lang="en-US"/>
+                        </a:p>
+                      </a:txBody>
+                      <a:tcPr/>
+                    </a:tc>
+                    <a:tc gridSpan="2">
+                      <a:txBody>
+                        <a:bodyPr/>
+                        <a:lstStyle/>
+                        <a:p>
+                          <a:r>
+                            <a:rPr lang="en-US" dirty="0"/>
+                            <a:t>Exp </a:t>
+                          </a:r>
+                        </a:p>
+                        <a:p>
+                          <a:r>
+                            <a:rPr lang="el-GR" dirty="0">
+                              <a:latin typeface="Cambria Math" panose="02040503050406030204" pitchFamily="18" charset="0"/>
+                              <a:ea typeface="Cambria Math" panose="02040503050406030204" pitchFamily="18" charset="0"/>
+                            </a:rPr>
+                            <a:t>λ</a:t>
+                          </a:r>
+                          <a:r>
+                            <a:rPr lang="en-US" dirty="0"/>
+                            <a:t> = 1 </a:t>
+                          </a:r>
+                        </a:p>
+                        <a:p>
+                          <a:endParaRPr lang="en-US" dirty="0"/>
+                        </a:p>
+                      </a:txBody>
+                      <a:tcPr/>
+                    </a:tc>
+                    <a:tc hMerge="1">
+                      <a:txBody>
+                        <a:bodyPr/>
+                        <a:lstStyle/>
+                        <a:p>
+                          <a:endParaRPr lang="en-US"/>
+                        </a:p>
+                      </a:txBody>
+                      <a:tcPr/>
+                    </a:tc>
+                    <a:tc gridSpan="2">
+                      <a:txBody>
+                        <a:bodyPr/>
+                        <a:lstStyle/>
+                        <a:p>
+                          <a:endParaRPr lang="en-US"/>
+                        </a:p>
+                      </a:txBody>
+                      <a:tcPr>
+                        <a:blipFill>
+                          <a:blip r:embed="rId2"/>
+                          <a:stretch>
+                            <a:fillRect l="-685068" t="-154667" r="-101357" b="-121333"/>
+                          </a:stretch>
+                        </a:blipFill>
+                      </a:tcPr>
+                    </a:tc>
+                    <a:tc hMerge="1">
+                      <a:txBody>
+                        <a:bodyPr/>
+                        <a:lstStyle/>
+                        <a:p>
+                          <a:endParaRPr lang="en-US"/>
+                        </a:p>
+                      </a:txBody>
+                      <a:tcPr/>
+                    </a:tc>
+                    <a:tc gridSpan="2">
+                      <a:txBody>
+                        <a:bodyPr/>
+                        <a:lstStyle/>
+                        <a:p>
+                          <a:r>
+                            <a:rPr lang="en-US" dirty="0"/>
+                            <a:t>Uniform </a:t>
+                          </a:r>
+                        </a:p>
+                        <a:p>
+                          <a:r>
+                            <a:rPr lang="en-US" dirty="0"/>
+                            <a:t>-2 2 </a:t>
+                          </a:r>
+                        </a:p>
+                      </a:txBody>
+                      <a:tcPr/>
+                    </a:tc>
+                    <a:tc hMerge="1">
+                      <a:txBody>
+                        <a:bodyPr/>
+                        <a:lstStyle/>
+                        <a:p>
+                          <a:endParaRPr lang="en-US"/>
+                        </a:p>
+                      </a:txBody>
+                      <a:tcPr/>
+                    </a:tc>
+                    <a:extLst>
+                      <a:ext uri="{0D108BD9-81ED-4DB2-BD59-A6C34878D82A}">
+                        <a16:rowId xmlns:a16="http://schemas.microsoft.com/office/drawing/2014/main" val="2133327295"/>
+                      </a:ext>
+                    </a:extLst>
+                  </a:tr>
+                  <a:tr h="370840">
+                    <a:tc>
+                      <a:txBody>
+                        <a:bodyPr/>
+                        <a:lstStyle/>
+                        <a:p>
+                          <a:endParaRPr lang="en-US" dirty="0"/>
+                        </a:p>
+                      </a:txBody>
+                      <a:tcPr/>
+                    </a:tc>
+                    <a:tc>
+                      <a:txBody>
+                        <a:bodyPr/>
+                        <a:lstStyle/>
+                        <a:p>
+                          <a:r>
+                            <a:rPr lang="el-GR" dirty="0">
+                              <a:latin typeface="Cambria Math" panose="02040503050406030204" pitchFamily="18" charset="0"/>
+                              <a:ea typeface="Cambria Math" panose="02040503050406030204" pitchFamily="18" charset="0"/>
+                            </a:rPr>
+                            <a:t>μ</a:t>
+                          </a:r>
+                          <a:endParaRPr lang="en-US" dirty="0"/>
+                        </a:p>
+                      </a:txBody>
+                      <a:tcPr/>
+                    </a:tc>
+                    <a:tc>
+                      <a:txBody>
+                        <a:bodyPr/>
+                        <a:lstStyle/>
+                        <a:p>
+                          <a:endParaRPr lang="en-US"/>
+                        </a:p>
+                      </a:txBody>
+                      <a:tcPr>
+                        <a:blipFill>
+                          <a:blip r:embed="rId2"/>
+                          <a:stretch>
+                            <a:fillRect l="-301818" t="-626230" r="-1379091" b="-198361"/>
+                          </a:stretch>
+                        </a:blipFill>
+                      </a:tcPr>
+                    </a:tc>
+                    <a:tc>
+                      <a:txBody>
+                        <a:bodyPr/>
+                        <a:lstStyle/>
+                        <a:p>
+                          <a:r>
+                            <a:rPr lang="el-GR" dirty="0">
+                              <a:latin typeface="Cambria Math" panose="02040503050406030204" pitchFamily="18" charset="0"/>
+                              <a:ea typeface="Cambria Math" panose="02040503050406030204" pitchFamily="18" charset="0"/>
+                            </a:rPr>
+                            <a:t>μ</a:t>
+                          </a:r>
+                          <a:endParaRPr lang="en-US" dirty="0"/>
+                        </a:p>
+                      </a:txBody>
+                      <a:tcPr/>
+                    </a:tc>
+                    <a:tc>
+                      <a:txBody>
+                        <a:bodyPr/>
+                        <a:lstStyle/>
+                        <a:p>
+                          <a:endParaRPr lang="en-US"/>
+                        </a:p>
+                      </a:txBody>
+                      <a:tcPr>
+                        <a:blipFill>
+                          <a:blip r:embed="rId2"/>
+                          <a:stretch>
+                            <a:fillRect l="-501818" t="-626230" r="-1179091" b="-198361"/>
+                          </a:stretch>
+                        </a:blipFill>
+                      </a:tcPr>
+                    </a:tc>
+                    <a:tc>
+                      <a:txBody>
+                        <a:bodyPr/>
+                        <a:lstStyle/>
+                        <a:p>
+                          <a:r>
+                            <a:rPr lang="el-GR" dirty="0">
+                              <a:latin typeface="Cambria Math" panose="02040503050406030204" pitchFamily="18" charset="0"/>
+                              <a:ea typeface="Cambria Math" panose="02040503050406030204" pitchFamily="18" charset="0"/>
+                            </a:rPr>
+                            <a:t>μ</a:t>
+                          </a:r>
+                          <a:endParaRPr lang="en-US" dirty="0"/>
+                        </a:p>
+                      </a:txBody>
+                      <a:tcPr/>
+                    </a:tc>
+                    <a:tc>
+                      <a:txBody>
+                        <a:bodyPr/>
+                        <a:lstStyle/>
+                        <a:p>
+                          <a:endParaRPr lang="en-US"/>
+                        </a:p>
+                      </a:txBody>
+                      <a:tcPr>
+                        <a:blipFill>
+                          <a:blip r:embed="rId2"/>
+                          <a:stretch>
+                            <a:fillRect l="-695495" t="-626230" r="-969369" b="-198361"/>
+                          </a:stretch>
+                        </a:blipFill>
+                      </a:tcPr>
+                    </a:tc>
+                    <a:tc>
+                      <a:txBody>
+                        <a:bodyPr/>
+                        <a:lstStyle/>
+                        <a:p>
+                          <a:r>
+                            <a:rPr lang="el-GR" dirty="0">
+                              <a:latin typeface="Cambria Math" panose="02040503050406030204" pitchFamily="18" charset="0"/>
+                              <a:ea typeface="Cambria Math" panose="02040503050406030204" pitchFamily="18" charset="0"/>
+                            </a:rPr>
+                            <a:t>μ</a:t>
+                          </a:r>
+                          <a:endParaRPr lang="en-US" dirty="0"/>
+                        </a:p>
+                      </a:txBody>
+                      <a:tcPr/>
+                    </a:tc>
+                    <a:tc>
+                      <a:txBody>
+                        <a:bodyPr/>
+                        <a:lstStyle/>
+                        <a:p>
+                          <a:endParaRPr lang="en-US"/>
+                        </a:p>
+                      </a:txBody>
+                      <a:tcPr>
+                        <a:blipFill>
+                          <a:blip r:embed="rId2"/>
+                          <a:stretch>
+                            <a:fillRect l="-902727" t="-626230" r="-778182" b="-198361"/>
+                          </a:stretch>
+                        </a:blipFill>
+                      </a:tcPr>
+                    </a:tc>
+                    <a:tc>
+                      <a:txBody>
+                        <a:bodyPr/>
+                        <a:lstStyle/>
+                        <a:p>
+                          <a:r>
+                            <a:rPr lang="el-GR" dirty="0">
+                              <a:latin typeface="Cambria Math" panose="02040503050406030204" pitchFamily="18" charset="0"/>
+                              <a:ea typeface="Cambria Math" panose="02040503050406030204" pitchFamily="18" charset="0"/>
+                            </a:rPr>
+                            <a:t>μ</a:t>
+                          </a:r>
+                          <a:endParaRPr lang="en-US" dirty="0"/>
+                        </a:p>
+                      </a:txBody>
+                      <a:tcPr/>
+                    </a:tc>
+                    <a:tc>
+                      <a:txBody>
+                        <a:bodyPr/>
+                        <a:lstStyle/>
+                        <a:p>
+                          <a:endParaRPr lang="en-US"/>
+                        </a:p>
+                      </a:txBody>
+                      <a:tcPr>
+                        <a:blipFill>
+                          <a:blip r:embed="rId2"/>
+                          <a:stretch>
+                            <a:fillRect l="-1102727" t="-626230" r="-578182" b="-198361"/>
+                          </a:stretch>
+                        </a:blipFill>
+                      </a:tcPr>
+                    </a:tc>
+                    <a:tc>
+                      <a:txBody>
+                        <a:bodyPr/>
+                        <a:lstStyle/>
+                        <a:p>
+                          <a:r>
+                            <a:rPr lang="el-GR" dirty="0">
+                              <a:latin typeface="Cambria Math" panose="02040503050406030204" pitchFamily="18" charset="0"/>
+                              <a:ea typeface="Cambria Math" panose="02040503050406030204" pitchFamily="18" charset="0"/>
+                            </a:rPr>
+                            <a:t>μ</a:t>
+                          </a:r>
+                          <a:endParaRPr lang="en-US" dirty="0"/>
+                        </a:p>
+                      </a:txBody>
+                      <a:tcPr/>
+                    </a:tc>
+                    <a:tc>
+                      <a:txBody>
+                        <a:bodyPr/>
+                        <a:lstStyle/>
+                        <a:p>
+                          <a:endParaRPr lang="en-US"/>
+                        </a:p>
+                      </a:txBody>
+                      <a:tcPr>
+                        <a:blipFill>
+                          <a:blip r:embed="rId2"/>
+                          <a:stretch>
+                            <a:fillRect l="-1493684" t="-626230" r="-468421" b="-198361"/>
+                          </a:stretch>
+                        </a:blipFill>
+                      </a:tcPr>
+                    </a:tc>
+                    <a:tc>
+                      <a:txBody>
+                        <a:bodyPr/>
+                        <a:lstStyle/>
+                        <a:p>
+                          <a:r>
+                            <a:rPr lang="el-GR" dirty="0">
+                              <a:latin typeface="Cambria Math" panose="02040503050406030204" pitchFamily="18" charset="0"/>
+                              <a:ea typeface="Cambria Math" panose="02040503050406030204" pitchFamily="18" charset="0"/>
+                            </a:rPr>
+                            <a:t>μ</a:t>
+                          </a:r>
+                          <a:endParaRPr lang="en-US" dirty="0"/>
+                        </a:p>
+                      </a:txBody>
+                      <a:tcPr/>
+                    </a:tc>
+                    <a:tc>
+                      <a:txBody>
+                        <a:bodyPr/>
+                        <a:lstStyle/>
+                        <a:p>
+                          <a:endParaRPr lang="en-US"/>
+                        </a:p>
+                      </a:txBody>
+                      <a:tcPr>
+                        <a:blipFill>
+                          <a:blip r:embed="rId2"/>
+                          <a:stretch>
+                            <a:fillRect l="-1463063" t="-626230" r="-201802" b="-198361"/>
+                          </a:stretch>
+                        </a:blipFill>
+                      </a:tcPr>
+                    </a:tc>
+                    <a:tc>
+                      <a:txBody>
+                        <a:bodyPr/>
+                        <a:lstStyle/>
+                        <a:p>
+                          <a:r>
+                            <a:rPr lang="el-GR" dirty="0">
+                              <a:latin typeface="Cambria Math" panose="02040503050406030204" pitchFamily="18" charset="0"/>
+                              <a:ea typeface="Cambria Math" panose="02040503050406030204" pitchFamily="18" charset="0"/>
+                            </a:rPr>
+                            <a:t>μ</a:t>
+                          </a:r>
+                          <a:endParaRPr lang="en-US" dirty="0"/>
+                        </a:p>
+                      </a:txBody>
+                      <a:tcPr/>
+                    </a:tc>
+                    <a:tc>
+                      <a:txBody>
+                        <a:bodyPr/>
+                        <a:lstStyle/>
+                        <a:p>
+                          <a:endParaRPr lang="en-US"/>
+                        </a:p>
+                      </a:txBody>
+                      <a:tcPr>
+                        <a:blipFill>
+                          <a:blip r:embed="rId2"/>
+                          <a:stretch>
+                            <a:fillRect l="-1677273" t="-626230" r="-3636" b="-198361"/>
+                          </a:stretch>
+                        </a:blipFill>
+                      </a:tcPr>
+                    </a:tc>
+                    <a:extLst>
+                      <a:ext uri="{0D108BD9-81ED-4DB2-BD59-A6C34878D82A}">
+                        <a16:rowId xmlns:a16="http://schemas.microsoft.com/office/drawing/2014/main" val="3149648251"/>
+                      </a:ext>
+                    </a:extLst>
+                  </a:tr>
+                  <a:tr h="640080">
+                    <a:tc>
+                      <a:txBody>
+                        <a:bodyPr/>
+                        <a:lstStyle/>
+                        <a:p>
+                          <a:pPr marL="0" marR="0" lvl="0" indent="0" algn="l" defTabSz="914400" rtl="0" eaLnBrk="1" fontAlgn="auto" latinLnBrk="0" hangingPunct="1">
+                            <a:lnSpc>
+                              <a:spcPct val="100000"/>
+                            </a:lnSpc>
+                            <a:spcBef>
+                              <a:spcPts val="0"/>
+                            </a:spcBef>
+                            <a:spcAft>
+                              <a:spcPts val="0"/>
+                            </a:spcAft>
+                            <a:buClrTx/>
+                            <a:buSzTx/>
+                            <a:buFontTx/>
+                            <a:buNone/>
+                            <a:tabLst/>
+                            <a:defRPr/>
+                          </a:pPr>
+                          <a:r>
+                            <a:rPr lang="en-US" dirty="0"/>
+                            <a:t>Estimated posterior </a:t>
+                          </a:r>
+                        </a:p>
+                      </a:txBody>
+                      <a:tcPr/>
+                    </a:tc>
+                    <a:tc>
+                      <a:txBody>
+                        <a:bodyPr/>
+                        <a:lstStyle/>
+                        <a:p>
+                          <a:r>
+                            <a:rPr lang="en-US" sz="1200" dirty="0"/>
+                            <a:t>58.8</a:t>
+                          </a:r>
+                        </a:p>
+                      </a:txBody>
+                      <a:tcPr/>
+                    </a:tc>
+                    <a:tc>
+                      <a:txBody>
+                        <a:bodyPr/>
+                        <a:lstStyle/>
+                        <a:p>
+                          <a:r>
+                            <a:rPr lang="en-US" sz="1200" dirty="0"/>
+                            <a:t>16.6</a:t>
+                          </a:r>
+                        </a:p>
+                      </a:txBody>
+                      <a:tcPr/>
+                    </a:tc>
+                    <a:tc>
+                      <a:txBody>
+                        <a:bodyPr/>
+                        <a:lstStyle/>
+                        <a:p>
+                          <a:r>
+                            <a:rPr lang="en-US" sz="1200" dirty="0"/>
+                            <a:t>4.65</a:t>
+                          </a:r>
+                        </a:p>
+                      </a:txBody>
+                      <a:tcPr/>
+                    </a:tc>
+                    <a:tc>
+                      <a:txBody>
+                        <a:bodyPr/>
+                        <a:lstStyle/>
+                        <a:p>
+                          <a:r>
+                            <a:rPr lang="en-US" sz="1200" dirty="0"/>
+                            <a:t>1.18</a:t>
+                          </a:r>
+                        </a:p>
+                      </a:txBody>
+                      <a:tcPr/>
+                    </a:tc>
+                    <a:tc>
+                      <a:txBody>
+                        <a:bodyPr/>
+                        <a:lstStyle/>
+                        <a:p>
+                          <a:r>
+                            <a:rPr lang="en-US" sz="1200" dirty="0"/>
+                            <a:t>2.623</a:t>
+                          </a:r>
+                        </a:p>
+                      </a:txBody>
+                      <a:tcPr/>
+                    </a:tc>
+                    <a:tc>
+                      <a:txBody>
+                        <a:bodyPr/>
+                        <a:lstStyle/>
+                        <a:p>
+                          <a:r>
+                            <a:rPr lang="en-US" sz="1200" dirty="0"/>
+                            <a:t>0.847</a:t>
+                          </a:r>
+                        </a:p>
+                      </a:txBody>
+                      <a:tcPr/>
+                    </a:tc>
+                    <a:tc>
+                      <a:txBody>
+                        <a:bodyPr/>
+                        <a:lstStyle/>
+                        <a:p>
+                          <a:r>
+                            <a:rPr lang="en-US" sz="1200" dirty="0"/>
+                            <a:t>3.825</a:t>
+                          </a:r>
+                        </a:p>
+                      </a:txBody>
+                      <a:tcPr/>
+                    </a:tc>
+                    <a:tc>
+                      <a:txBody>
+                        <a:bodyPr/>
+                        <a:lstStyle/>
+                        <a:p>
+                          <a:r>
+                            <a:rPr lang="en-US" sz="1200" dirty="0"/>
+                            <a:t>0.145</a:t>
+                          </a:r>
+                        </a:p>
+                      </a:txBody>
+                      <a:tcPr/>
+                    </a:tc>
+                    <a:tc>
+                      <a:txBody>
+                        <a:bodyPr/>
+                        <a:lstStyle/>
+                        <a:p>
+                          <a:r>
+                            <a:rPr lang="en-US" sz="1200" dirty="0"/>
+                            <a:t>5.009</a:t>
+                          </a:r>
+                        </a:p>
+                      </a:txBody>
+                      <a:tcPr/>
+                    </a:tc>
+                    <a:tc>
+                      <a:txBody>
+                        <a:bodyPr/>
+                        <a:lstStyle/>
+                        <a:p>
+                          <a:r>
+                            <a:rPr lang="en-US" sz="1200" dirty="0"/>
+                            <a:t>0.034</a:t>
+                          </a:r>
+                        </a:p>
+                      </a:txBody>
+                      <a:tcPr/>
+                    </a:tc>
+                    <a:tc>
+                      <a:txBody>
+                        <a:bodyPr/>
+                        <a:lstStyle/>
+                        <a:p>
+                          <a:r>
+                            <a:rPr lang="en-US" sz="1200" dirty="0"/>
+                            <a:t>1.032</a:t>
+                          </a:r>
+                        </a:p>
+                      </a:txBody>
+                      <a:tcPr/>
+                    </a:tc>
+                    <a:tc>
+                      <a:txBody>
+                        <a:bodyPr/>
+                        <a:lstStyle/>
+                        <a:p>
+                          <a:r>
+                            <a:rPr lang="en-US" sz="1200" dirty="0"/>
+                            <a:t>0.046</a:t>
+                          </a:r>
+                        </a:p>
+                      </a:txBody>
+                      <a:tcPr/>
+                    </a:tc>
+                    <a:tc>
+                      <a:txBody>
+                        <a:bodyPr/>
+                        <a:lstStyle/>
+                        <a:p>
+                          <a:r>
+                            <a:rPr lang="en-US" sz="1200" dirty="0"/>
+                            <a:t>1.014</a:t>
+                          </a:r>
+                        </a:p>
+                      </a:txBody>
+                      <a:tcPr/>
+                    </a:tc>
+                    <a:tc>
+                      <a:txBody>
+                        <a:bodyPr/>
+                        <a:lstStyle/>
+                        <a:p>
+                          <a:r>
+                            <a:rPr lang="en-US" sz="1200" dirty="0"/>
+                            <a:t>0.024</a:t>
+                          </a:r>
+                        </a:p>
+                      </a:txBody>
+                      <a:tcPr/>
+                    </a:tc>
+                    <a:tc>
+                      <a:txBody>
+                        <a:bodyPr/>
+                        <a:lstStyle/>
+                        <a:p>
+                          <a:r>
+                            <a:rPr lang="en-US" sz="1200" dirty="0"/>
+                            <a:t>0.011</a:t>
+                          </a:r>
+                        </a:p>
+                      </a:txBody>
+                      <a:tcPr/>
+                    </a:tc>
+                    <a:tc>
+                      <a:txBody>
+                        <a:bodyPr/>
+                        <a:lstStyle/>
+                        <a:p>
+                          <a:r>
+                            <a:rPr lang="en-US" sz="1200" dirty="0"/>
+                            <a:t>0.036</a:t>
+                          </a:r>
+                        </a:p>
+                      </a:txBody>
+                      <a:tcPr/>
+                    </a:tc>
+                    <a:extLst>
+                      <a:ext uri="{0D108BD9-81ED-4DB2-BD59-A6C34878D82A}">
+                        <a16:rowId xmlns:a16="http://schemas.microsoft.com/office/drawing/2014/main" val="3768733929"/>
+                      </a:ext>
+                    </a:extLst>
+                  </a:tr>
+                </a:tbl>
+              </a:graphicData>
+            </a:graphic>
+          </p:graphicFrame>
+        </mc:Fallback>
+      </mc:AlternateContent>
+    </p:spTree>
+    <p:extLst>
+      <p:ext uri="{BB962C8B-B14F-4D97-AF65-F5344CB8AC3E}">
+        <p14:creationId xmlns:p14="http://schemas.microsoft.com/office/powerpoint/2010/main" val="1293296367"/>
+      </p:ext>
+    </p:extLst>
+  </p:cSld>
+  <p:clrMapOvr>
+    <a:masterClrMapping/>
+  </p:clrMapOvr>
+</p:sld>
+</file>
+
+<file path=ppt/slides/slide26.xml><?xml version="1.0" encoding="utf-8"?>
+<p:sld xmlns:a="http://schemas.openxmlformats.org/drawingml/2006/main" xmlns:r="http://schemas.openxmlformats.org/officeDocument/2006/relationships" xmlns:p="http://schemas.openxmlformats.org/presentationml/2006/main">
+  <p:cSld>
+    <p:spTree>
+      <p:nvGrpSpPr>
+        <p:cNvPr id="1" name=""/>
+        <p:cNvGrpSpPr/>
+        <p:nvPr/>
+      </p:nvGrpSpPr>
+      <p:grpSpPr>
+        <a:xfrm>
+          <a:off x="0" y="0"/>
+          <a:ext cx="0" cy="0"/>
+          <a:chOff x="0" y="0"/>
+          <a:chExt cx="0" cy="0"/>
+        </a:xfrm>
+      </p:grpSpPr>
+      <p:sp>
+        <p:nvSpPr>
+          <p:cNvPr id="2" name="Title 1">
+            <a:extLst>
+              <a:ext uri="{FF2B5EF4-FFF2-40B4-BE49-F238E27FC236}">
+                <a16:creationId xmlns:a16="http://schemas.microsoft.com/office/drawing/2014/main" id="{6BD6EF37-DC4C-4CD5-8E8F-892E8B4E9548}"/>
+              </a:ext>
+            </a:extLst>
+          </p:cNvPr>
+          <p:cNvSpPr>
+            <a:spLocks noGrp="1"/>
+          </p:cNvSpPr>
+          <p:nvPr>
+            <p:ph type="title"/>
+          </p:nvPr>
+        </p:nvSpPr>
+        <p:spPr/>
+        <p:txBody>
+          <a:bodyPr/>
+          <a:lstStyle/>
+          <a:p>
+            <a:endParaRPr lang="en-US"/>
+          </a:p>
+        </p:txBody>
+      </p:sp>
+      <p:pic>
+        <p:nvPicPr>
+          <p:cNvPr id="5" name="Content Placeholder 4">
+            <a:extLst>
+              <a:ext uri="{FF2B5EF4-FFF2-40B4-BE49-F238E27FC236}">
+                <a16:creationId xmlns:a16="http://schemas.microsoft.com/office/drawing/2014/main" id="{51029B89-BAD5-47A6-8EAB-ACD9560A6DE5}"/>
+              </a:ext>
+            </a:extLst>
+          </p:cNvPr>
+          <p:cNvPicPr>
+            <a:picLocks noGrp="1" noChangeAspect="1"/>
+          </p:cNvPicPr>
+          <p:nvPr>
+            <p:ph idx="1"/>
+          </p:nvPr>
+        </p:nvPicPr>
+        <p:blipFill>
+          <a:blip r:embed="rId2"/>
+          <a:stretch>
+            <a:fillRect/>
+          </a:stretch>
+        </p:blipFill>
+        <p:spPr>
+          <a:xfrm>
+            <a:off x="294216" y="1935956"/>
+            <a:ext cx="5801784" cy="4351338"/>
+          </a:xfrm>
+        </p:spPr>
+      </p:pic>
+      <p:pic>
+        <p:nvPicPr>
+          <p:cNvPr id="7" name="Picture 6">
+            <a:extLst>
+              <a:ext uri="{FF2B5EF4-FFF2-40B4-BE49-F238E27FC236}">
+                <a16:creationId xmlns:a16="http://schemas.microsoft.com/office/drawing/2014/main" id="{C3FF29D4-0CDF-4BA4-BD46-E41F2B6AB57B}"/>
+              </a:ext>
+            </a:extLst>
+          </p:cNvPr>
+          <p:cNvPicPr>
+            <a:picLocks noChangeAspect="1"/>
+          </p:cNvPicPr>
+          <p:nvPr/>
+        </p:nvPicPr>
+        <p:blipFill>
+          <a:blip r:embed="rId3"/>
+          <a:stretch>
+            <a:fillRect/>
+          </a:stretch>
+        </p:blipFill>
+        <p:spPr>
+          <a:xfrm>
+            <a:off x="6096000" y="1825625"/>
+            <a:ext cx="6096000" cy="4572000"/>
+          </a:xfrm>
+          <a:prstGeom prst="rect">
+            <a:avLst/>
+          </a:prstGeom>
+        </p:spPr>
+      </p:pic>
+    </p:spTree>
+    <p:extLst>
+      <p:ext uri="{BB962C8B-B14F-4D97-AF65-F5344CB8AC3E}">
+        <p14:creationId xmlns:p14="http://schemas.microsoft.com/office/powerpoint/2010/main" val="1489734032"/>
+      </p:ext>
+    </p:extLst>
+  </p:cSld>
+  <p:clrMapOvr>
+    <a:masterClrMapping/>
+  </p:clrMapOvr>
+</p:sld>
+</file>
+
+<file path=ppt/slides/slide27.xml><?xml version="1.0" encoding="utf-8"?>
+<p:sld xmlns:a="http://schemas.openxmlformats.org/drawingml/2006/main" xmlns:r="http://schemas.openxmlformats.org/officeDocument/2006/relationships" xmlns:p="http://schemas.openxmlformats.org/presentationml/2006/main">
+  <p:cSld>
+    <p:spTree>
+      <p:nvGrpSpPr>
+        <p:cNvPr id="1" name=""/>
+        <p:cNvGrpSpPr/>
+        <p:nvPr/>
+      </p:nvGrpSpPr>
+      <p:grpSpPr>
+        <a:xfrm>
+          <a:off x="0" y="0"/>
+          <a:ext cx="0" cy="0"/>
+          <a:chOff x="0" y="0"/>
+          <a:chExt cx="0" cy="0"/>
+        </a:xfrm>
+      </p:grpSpPr>
+      <p:sp>
+        <p:nvSpPr>
+          <p:cNvPr id="2" name="Title 1">
+            <a:extLst>
+              <a:ext uri="{FF2B5EF4-FFF2-40B4-BE49-F238E27FC236}">
+                <a16:creationId xmlns:a16="http://schemas.microsoft.com/office/drawing/2014/main" id="{127535BF-9CBC-4ECD-80DD-BBBCDEC7C4F9}"/>
+              </a:ext>
+            </a:extLst>
+          </p:cNvPr>
+          <p:cNvSpPr>
+            <a:spLocks noGrp="1"/>
+          </p:cNvSpPr>
+          <p:nvPr>
+            <p:ph type="title"/>
+          </p:nvPr>
+        </p:nvSpPr>
+        <p:spPr/>
+        <p:txBody>
+          <a:bodyPr/>
+          <a:lstStyle/>
+          <a:p>
+            <a:endParaRPr lang="en-US"/>
+          </a:p>
+        </p:txBody>
+      </p:sp>
+      <p:sp>
+        <p:nvSpPr>
+          <p:cNvPr id="3" name="Content Placeholder 2">
+            <a:extLst>
+              <a:ext uri="{FF2B5EF4-FFF2-40B4-BE49-F238E27FC236}">
+                <a16:creationId xmlns:a16="http://schemas.microsoft.com/office/drawing/2014/main" id="{B375C465-7DA7-48A3-A793-593DC26FFBD4}"/>
+              </a:ext>
+            </a:extLst>
+          </p:cNvPr>
+          <p:cNvSpPr>
+            <a:spLocks noGrp="1"/>
+          </p:cNvSpPr>
+          <p:nvPr>
+            <p:ph idx="1"/>
+          </p:nvPr>
+        </p:nvSpPr>
+        <p:spPr/>
+        <p:txBody>
+          <a:bodyPr/>
+          <a:lstStyle/>
+          <a:p>
+            <a:endParaRPr lang="en-US" dirty="0"/>
+          </a:p>
+        </p:txBody>
+      </p:sp>
+      <p:pic>
+        <p:nvPicPr>
+          <p:cNvPr id="5" name="Picture 4">
+            <a:extLst>
+              <a:ext uri="{FF2B5EF4-FFF2-40B4-BE49-F238E27FC236}">
+                <a16:creationId xmlns:a16="http://schemas.microsoft.com/office/drawing/2014/main" id="{A20B7330-7C0E-4CA3-81C7-0067BAC4B299}"/>
+              </a:ext>
+            </a:extLst>
+          </p:cNvPr>
+          <p:cNvPicPr>
+            <a:picLocks noChangeAspect="1"/>
+          </p:cNvPicPr>
+          <p:nvPr/>
+        </p:nvPicPr>
+        <p:blipFill>
+          <a:blip r:embed="rId2"/>
+          <a:stretch>
+            <a:fillRect/>
+          </a:stretch>
+        </p:blipFill>
+        <p:spPr>
+          <a:xfrm>
+            <a:off x="381000" y="1524000"/>
+            <a:ext cx="11430000" cy="1905000"/>
+          </a:xfrm>
+          <a:prstGeom prst="rect">
+            <a:avLst/>
+          </a:prstGeom>
+        </p:spPr>
+      </p:pic>
+      <p:pic>
+        <p:nvPicPr>
+          <p:cNvPr id="7" name="Picture 6">
+            <a:extLst>
+              <a:ext uri="{FF2B5EF4-FFF2-40B4-BE49-F238E27FC236}">
+                <a16:creationId xmlns:a16="http://schemas.microsoft.com/office/drawing/2014/main" id="{55EC8BF8-50F1-48A5-8C51-143DD8AED0A8}"/>
+              </a:ext>
+            </a:extLst>
+          </p:cNvPr>
+          <p:cNvPicPr>
+            <a:picLocks noChangeAspect="1"/>
+          </p:cNvPicPr>
+          <p:nvPr/>
+        </p:nvPicPr>
+        <p:blipFill>
+          <a:blip r:embed="rId3"/>
+          <a:stretch>
+            <a:fillRect/>
+          </a:stretch>
+        </p:blipFill>
+        <p:spPr>
+          <a:xfrm>
+            <a:off x="381000" y="3828222"/>
+            <a:ext cx="11430000" cy="1905000"/>
+          </a:xfrm>
+          <a:prstGeom prst="rect">
+            <a:avLst/>
+          </a:prstGeom>
+        </p:spPr>
+      </p:pic>
+    </p:spTree>
+    <p:extLst>
+      <p:ext uri="{BB962C8B-B14F-4D97-AF65-F5344CB8AC3E}">
+        <p14:creationId xmlns:p14="http://schemas.microsoft.com/office/powerpoint/2010/main" val="3016210160"/>
+      </p:ext>
+    </p:extLst>
+  </p:cSld>
+  <p:clrMapOvr>
+    <a:masterClrMapping/>
+  </p:clrMapOvr>
+</p:sld>
+</file>
+
+<file path=ppt/slides/slide28.xml><?xml version="1.0" encoding="utf-8"?>
+<p:sld xmlns:a="http://schemas.openxmlformats.org/drawingml/2006/main" xmlns:r="http://schemas.openxmlformats.org/officeDocument/2006/relationships" xmlns:p="http://schemas.openxmlformats.org/presentationml/2006/main">
+  <p:cSld>
+    <p:spTree>
+      <p:nvGrpSpPr>
+        <p:cNvPr id="1" name=""/>
+        <p:cNvGrpSpPr/>
+        <p:nvPr/>
+      </p:nvGrpSpPr>
+      <p:grpSpPr>
+        <a:xfrm>
+          <a:off x="0" y="0"/>
+          <a:ext cx="0" cy="0"/>
+          <a:chOff x="0" y="0"/>
+          <a:chExt cx="0" cy="0"/>
+        </a:xfrm>
+      </p:grpSpPr>
+      <p:sp>
+        <p:nvSpPr>
+          <p:cNvPr id="2" name="Title 1">
+            <a:extLst>
+              <a:ext uri="{FF2B5EF4-FFF2-40B4-BE49-F238E27FC236}">
+                <a16:creationId xmlns:a16="http://schemas.microsoft.com/office/drawing/2014/main" id="{5EA0A947-32E8-401E-BC39-EA837504CE52}"/>
+              </a:ext>
+            </a:extLst>
+          </p:cNvPr>
+          <p:cNvSpPr>
+            <a:spLocks noGrp="1"/>
+          </p:cNvSpPr>
+          <p:nvPr>
+            <p:ph type="title"/>
+          </p:nvPr>
+        </p:nvSpPr>
+        <p:spPr/>
+        <p:txBody>
+          <a:bodyPr/>
+          <a:lstStyle/>
+          <a:p>
+            <a:endParaRPr lang="en-US"/>
+          </a:p>
+        </p:txBody>
+      </p:sp>
+      <p:pic>
+        <p:nvPicPr>
+          <p:cNvPr id="9" name="Content Placeholder 8">
+            <a:extLst>
+              <a:ext uri="{FF2B5EF4-FFF2-40B4-BE49-F238E27FC236}">
+                <a16:creationId xmlns:a16="http://schemas.microsoft.com/office/drawing/2014/main" id="{C9AA05F6-3491-40B3-99F1-E887F6915CA5}"/>
+              </a:ext>
+            </a:extLst>
+          </p:cNvPr>
+          <p:cNvPicPr>
+            <a:picLocks noGrp="1" noChangeAspect="1"/>
+          </p:cNvPicPr>
+          <p:nvPr>
+            <p:ph idx="1"/>
+          </p:nvPr>
+        </p:nvPicPr>
+        <p:blipFill>
+          <a:blip r:embed="rId2"/>
+          <a:stretch>
+            <a:fillRect/>
+          </a:stretch>
+        </p:blipFill>
+        <p:spPr>
+          <a:xfrm>
+            <a:off x="838200" y="3124994"/>
+            <a:ext cx="10515600" cy="1752600"/>
+          </a:xfrm>
+        </p:spPr>
+      </p:pic>
+      <p:pic>
+        <p:nvPicPr>
+          <p:cNvPr id="5" name="Picture 4">
+            <a:extLst>
+              <a:ext uri="{FF2B5EF4-FFF2-40B4-BE49-F238E27FC236}">
+                <a16:creationId xmlns:a16="http://schemas.microsoft.com/office/drawing/2014/main" id="{2F70AF85-32FD-4C77-9671-C7E2D87744EB}"/>
+              </a:ext>
+            </a:extLst>
+          </p:cNvPr>
+          <p:cNvPicPr>
+            <a:picLocks noChangeAspect="1"/>
+          </p:cNvPicPr>
+          <p:nvPr/>
+        </p:nvPicPr>
+        <p:blipFill>
+          <a:blip r:embed="rId3"/>
+          <a:stretch>
+            <a:fillRect/>
+          </a:stretch>
+        </p:blipFill>
+        <p:spPr>
+          <a:xfrm>
+            <a:off x="513522" y="681037"/>
+            <a:ext cx="11430000" cy="1905000"/>
+          </a:xfrm>
+          <a:prstGeom prst="rect">
+            <a:avLst/>
+          </a:prstGeom>
+        </p:spPr>
+      </p:pic>
+      <p:pic>
+        <p:nvPicPr>
+          <p:cNvPr id="7" name="Picture 6">
+            <a:extLst>
+              <a:ext uri="{FF2B5EF4-FFF2-40B4-BE49-F238E27FC236}">
+                <a16:creationId xmlns:a16="http://schemas.microsoft.com/office/drawing/2014/main" id="{447DF554-864E-45D5-8D8E-98A9B75EABA1}"/>
+              </a:ext>
+            </a:extLst>
+          </p:cNvPr>
+          <p:cNvPicPr>
+            <a:picLocks noChangeAspect="1"/>
+          </p:cNvPicPr>
+          <p:nvPr/>
+        </p:nvPicPr>
+        <p:blipFill>
+          <a:blip r:embed="rId4"/>
+          <a:stretch>
+            <a:fillRect/>
+          </a:stretch>
+        </p:blipFill>
+        <p:spPr>
+          <a:xfrm>
+            <a:off x="513522" y="4953000"/>
+            <a:ext cx="11430000" cy="1905000"/>
+          </a:xfrm>
+          <a:prstGeom prst="rect">
+            <a:avLst/>
+          </a:prstGeom>
+        </p:spPr>
+      </p:pic>
+    </p:spTree>
+    <p:extLst>
+      <p:ext uri="{BB962C8B-B14F-4D97-AF65-F5344CB8AC3E}">
+        <p14:creationId xmlns:p14="http://schemas.microsoft.com/office/powerpoint/2010/main" val="2627420557"/>
+      </p:ext>
+    </p:extLst>
+  </p:cSld>
+  <p:clrMapOvr>
+    <a:masterClrMapping/>
+  </p:clrMapOvr>
+</p:sld>
+</file>
+
+<file path=ppt/slides/slide29.xml><?xml version="1.0" encoding="utf-8"?>
+<p:sld xmlns:a="http://schemas.openxmlformats.org/drawingml/2006/main" xmlns:r="http://schemas.openxmlformats.org/officeDocument/2006/relationships" xmlns:p="http://schemas.openxmlformats.org/presentationml/2006/main">
+  <p:cSld>
+    <p:spTree>
+      <p:nvGrpSpPr>
+        <p:cNvPr id="1" name=""/>
+        <p:cNvGrpSpPr/>
+        <p:nvPr/>
+      </p:nvGrpSpPr>
+      <p:grpSpPr>
+        <a:xfrm>
+          <a:off x="0" y="0"/>
+          <a:ext cx="0" cy="0"/>
+          <a:chOff x="0" y="0"/>
+          <a:chExt cx="0" cy="0"/>
+        </a:xfrm>
+      </p:grpSpPr>
+      <p:sp>
+        <p:nvSpPr>
+          <p:cNvPr id="2" name="Title 1">
+            <a:extLst>
+              <a:ext uri="{FF2B5EF4-FFF2-40B4-BE49-F238E27FC236}">
+                <a16:creationId xmlns:a16="http://schemas.microsoft.com/office/drawing/2014/main" id="{FAB8A3B6-7CD8-4305-8ACE-36002CF59A72}"/>
+              </a:ext>
+            </a:extLst>
+          </p:cNvPr>
+          <p:cNvSpPr>
+            <a:spLocks noGrp="1"/>
+          </p:cNvSpPr>
+          <p:nvPr>
+            <p:ph type="title"/>
+          </p:nvPr>
+        </p:nvSpPr>
+        <p:spPr/>
+        <p:txBody>
+          <a:bodyPr/>
+          <a:lstStyle/>
+          <a:p>
+            <a:endParaRPr lang="en-US"/>
+          </a:p>
+        </p:txBody>
+      </p:sp>
+      <p:sp>
+        <p:nvSpPr>
+          <p:cNvPr id="3" name="Content Placeholder 2">
+            <a:extLst>
+              <a:ext uri="{FF2B5EF4-FFF2-40B4-BE49-F238E27FC236}">
+                <a16:creationId xmlns:a16="http://schemas.microsoft.com/office/drawing/2014/main" id="{C987E754-B7EE-4111-B8DD-EAF3CACD422A}"/>
+              </a:ext>
+            </a:extLst>
+          </p:cNvPr>
+          <p:cNvSpPr>
+            <a:spLocks noGrp="1"/>
+          </p:cNvSpPr>
+          <p:nvPr>
+            <p:ph idx="1"/>
+          </p:nvPr>
+        </p:nvSpPr>
+        <p:spPr/>
+        <p:txBody>
+          <a:bodyPr/>
+          <a:lstStyle/>
+          <a:p>
+            <a:endParaRPr lang="en-US"/>
+          </a:p>
+        </p:txBody>
+      </p:sp>
+      <p:pic>
+        <p:nvPicPr>
+          <p:cNvPr id="5" name="Picture 4">
+            <a:extLst>
+              <a:ext uri="{FF2B5EF4-FFF2-40B4-BE49-F238E27FC236}">
+                <a16:creationId xmlns:a16="http://schemas.microsoft.com/office/drawing/2014/main" id="{EFF851E3-C849-4B41-9782-920455BF35B1}"/>
+              </a:ext>
+            </a:extLst>
+          </p:cNvPr>
+          <p:cNvPicPr>
+            <a:picLocks noChangeAspect="1"/>
+          </p:cNvPicPr>
+          <p:nvPr/>
+        </p:nvPicPr>
+        <p:blipFill>
+          <a:blip r:embed="rId2"/>
+          <a:stretch>
+            <a:fillRect/>
+          </a:stretch>
+        </p:blipFill>
+        <p:spPr>
+          <a:xfrm>
+            <a:off x="381000" y="2096294"/>
+            <a:ext cx="11430000" cy="1905000"/>
+          </a:xfrm>
+          <a:prstGeom prst="rect">
+            <a:avLst/>
+          </a:prstGeom>
+        </p:spPr>
+      </p:pic>
+    </p:spTree>
+    <p:extLst>
+      <p:ext uri="{BB962C8B-B14F-4D97-AF65-F5344CB8AC3E}">
+        <p14:creationId xmlns:p14="http://schemas.microsoft.com/office/powerpoint/2010/main" val="2118956364"/>
+      </p:ext>
+    </p:extLst>
+  </p:cSld>
+  <p:clrMapOvr>
+    <a:masterClrMapping/>
+  </p:clrMapOvr>
+</p:sld>
+</file>
+
 <file path=ppt/slides/slide3.xml><?xml version="1.0" encoding="utf-8"?>
 <p:sld xmlns:a="http://schemas.openxmlformats.org/drawingml/2006/main" xmlns:r="http://schemas.openxmlformats.org/officeDocument/2006/relationships" xmlns:p="http://schemas.openxmlformats.org/presentationml/2006/main">
   <p:cSld>
@@ -7399,14 +13046,14 @@
             <p:ph idx="1"/>
             <p:extLst>
               <p:ext uri="{D42A27DB-BD31-4B8C-83A1-F6EECF244321}">
-                <p14:modId xmlns:p14="http://schemas.microsoft.com/office/powerpoint/2010/main" val="812406391"/>
+                <p14:modId xmlns:p14="http://schemas.microsoft.com/office/powerpoint/2010/main" val="2962234963"/>
               </p:ext>
             </p:extLst>
           </p:nvPr>
         </p:nvGraphicFramePr>
         <p:xfrm>
           <a:off x="2565648" y="2544717"/>
-          <a:ext cx="7147557" cy="2225040"/>
+          <a:ext cx="7147557" cy="2966720"/>
         </p:xfrm>
         <a:graphic>
           <a:graphicData uri="http://schemas.openxmlformats.org/drawingml/2006/table">
@@ -7805,7 +13452,7 @@
                     <a:p>
                       <a:r>
                         <a:rPr lang="en-US" dirty="0"/>
-                        <a:t>.06</a:t>
+                        <a:t>0.06</a:t>
                       </a:r>
                     </a:p>
                   </a:txBody>
@@ -7814,6 +13461,155 @@
                 <a:extLst>
                   <a:ext uri="{0D108BD9-81ED-4DB2-BD59-A6C34878D82A}">
                     <a16:rowId xmlns:a16="http://schemas.microsoft.com/office/drawing/2014/main" val="3662798233"/>
+                  </a:ext>
+                </a:extLst>
+              </a:tr>
+              <a:tr h="370840">
+                <a:tc>
+                  <a:txBody>
+                    <a:bodyPr/>
+                    <a:lstStyle/>
+                    <a:p>
+                      <a:pPr marL="0" marR="0" lvl="0" indent="0" algn="l" defTabSz="914400" rtl="0" eaLnBrk="1" fontAlgn="auto" latinLnBrk="0" hangingPunct="1">
+                        <a:lnSpc>
+                          <a:spcPct val="100000"/>
+                        </a:lnSpc>
+                        <a:spcBef>
+                          <a:spcPts val="0"/>
+                        </a:spcBef>
+                        <a:spcAft>
+                          <a:spcPts val="0"/>
+                        </a:spcAft>
+                        <a:buClrTx/>
+                        <a:buSzTx/>
+                        <a:buFontTx/>
+                        <a:buNone/>
+                        <a:tabLst/>
+                        <a:defRPr/>
+                      </a:pPr>
+                      <a:r>
+                        <a:rPr lang="el-GR" dirty="0">
+                          <a:latin typeface="Cambria Math" panose="02040503050406030204" pitchFamily="18" charset="0"/>
+                          <a:ea typeface="Cambria Math" panose="02040503050406030204" pitchFamily="18" charset="0"/>
+                        </a:rPr>
+                        <a:t>ρ</a:t>
+                      </a:r>
+                      <a:r>
+                        <a:rPr lang="en-US" dirty="0">
+                          <a:latin typeface="Cambria Math" panose="02040503050406030204" pitchFamily="18" charset="0"/>
+                          <a:ea typeface="Cambria Math" panose="02040503050406030204" pitchFamily="18" charset="0"/>
+                        </a:rPr>
+                        <a:t>=0.3</a:t>
+                      </a:r>
+                      <a:endParaRPr lang="en-US" dirty="0"/>
+                    </a:p>
+                  </a:txBody>
+                  <a:tcPr/>
+                </a:tc>
+                <a:tc>
+                  <a:txBody>
+                    <a:bodyPr/>
+                    <a:lstStyle/>
+                    <a:p>
+                      <a:r>
+                        <a:rPr lang="en-US" dirty="0"/>
+                        <a:t>0.02</a:t>
+                      </a:r>
+                    </a:p>
+                  </a:txBody>
+                  <a:tcPr/>
+                </a:tc>
+                <a:tc>
+                  <a:txBody>
+                    <a:bodyPr/>
+                    <a:lstStyle/>
+                    <a:p>
+                      <a:r>
+                        <a:rPr lang="en-US" dirty="0"/>
+                        <a:t>0.02</a:t>
+                      </a:r>
+                    </a:p>
+                  </a:txBody>
+                  <a:tcPr/>
+                </a:tc>
+                <a:extLst>
+                  <a:ext uri="{0D108BD9-81ED-4DB2-BD59-A6C34878D82A}">
+                    <a16:rowId xmlns:a16="http://schemas.microsoft.com/office/drawing/2014/main" val="1418468423"/>
+                  </a:ext>
+                </a:extLst>
+              </a:tr>
+              <a:tr h="370840">
+                <a:tc>
+                  <a:txBody>
+                    <a:bodyPr/>
+                    <a:lstStyle/>
+                    <a:p>
+                      <a:pPr marL="0" marR="0" lvl="0" indent="0" algn="l" defTabSz="914400" rtl="0" eaLnBrk="1" fontAlgn="auto" latinLnBrk="0" hangingPunct="1">
+                        <a:lnSpc>
+                          <a:spcPct val="100000"/>
+                        </a:lnSpc>
+                        <a:spcBef>
+                          <a:spcPts val="0"/>
+                        </a:spcBef>
+                        <a:spcAft>
+                          <a:spcPts val="0"/>
+                        </a:spcAft>
+                        <a:buClrTx/>
+                        <a:buSzTx/>
+                        <a:buFontTx/>
+                        <a:buNone/>
+                        <a:tabLst/>
+                        <a:defRPr/>
+                      </a:pPr>
+                      <a:r>
+                        <a:rPr lang="el-GR" dirty="0">
+                          <a:latin typeface="Cambria Math" panose="02040503050406030204" pitchFamily="18" charset="0"/>
+                          <a:ea typeface="Cambria Math" panose="02040503050406030204" pitchFamily="18" charset="0"/>
+                        </a:rPr>
+                        <a:t>ρ</a:t>
+                      </a:r>
+                      <a:r>
+                        <a:rPr lang="en-US" dirty="0">
+                          <a:latin typeface="Cambria Math" panose="02040503050406030204" pitchFamily="18" charset="0"/>
+                          <a:ea typeface="Cambria Math" panose="02040503050406030204" pitchFamily="18" charset="0"/>
+                        </a:rPr>
+                        <a:t>=0.5</a:t>
+                      </a:r>
+                      <a:endParaRPr lang="en-US" dirty="0"/>
+                    </a:p>
+                  </a:txBody>
+                  <a:tcPr/>
+                </a:tc>
+                <a:tc>
+                  <a:txBody>
+                    <a:bodyPr/>
+                    <a:lstStyle/>
+                    <a:p>
+                      <a:r>
+                        <a:rPr lang="en-US" dirty="0"/>
+                        <a:t>0.01</a:t>
+                      </a:r>
+                    </a:p>
+                  </a:txBody>
+                  <a:tcPr/>
+                </a:tc>
+                <a:tc>
+                  <a:txBody>
+                    <a:bodyPr/>
+                    <a:lstStyle/>
+                    <a:p>
+                      <a:r>
+                        <a:rPr lang="en-US"/>
+                        <a:t>0.01</a:t>
+                      </a:r>
+                      <a:endParaRPr lang="en-US" dirty="0"/>
+                    </a:p>
+                  </a:txBody>
+                  <a:tcPr/>
+                </a:tc>
+                <a:extLst>
+                  <a:ext uri="{0D108BD9-81ED-4DB2-BD59-A6C34878D82A}">
+                    <a16:rowId xmlns:a16="http://schemas.microsoft.com/office/drawing/2014/main" val="2399728499"/>
                   </a:ext>
                 </a:extLst>
               </a:tr>
@@ -7873,8 +13669,12 @@
           <a:lstStyle/>
           <a:p>
             <a:r>
+              <a:rPr lang="el-GR" dirty="0"/>
+              <a:t>ρ </a:t>
+            </a:r>
+            <a:r>
               <a:rPr lang="en-US" dirty="0"/>
-              <a:t>Rho=0.01</a:t>
+              <a:t>=0.01</a:t>
             </a:r>
           </a:p>
         </p:txBody>

--- a/Report/rep_11_4_21.pptx
+++ b/Report/rep_11_4_21.pptx
@@ -28,12 +28,11 @@
     <p:sldId id="279" r:id="rId22"/>
     <p:sldId id="280" r:id="rId23"/>
     <p:sldId id="281" r:id="rId24"/>
-    <p:sldId id="282" r:id="rId25"/>
-    <p:sldId id="283" r:id="rId26"/>
-    <p:sldId id="284" r:id="rId27"/>
-    <p:sldId id="285" r:id="rId28"/>
-    <p:sldId id="287" r:id="rId29"/>
-    <p:sldId id="286" r:id="rId30"/>
+    <p:sldId id="283" r:id="rId25"/>
+    <p:sldId id="284" r:id="rId26"/>
+    <p:sldId id="285" r:id="rId27"/>
+    <p:sldId id="287" r:id="rId28"/>
+    <p:sldId id="286" r:id="rId29"/>
   </p:sldIdLst>
   <p:sldSz cx="12192000" cy="6858000"/>
   <p:notesSz cx="6858000" cy="9144000"/>
@@ -153,7 +152,7 @@
   <pc:docChgLst>
     <pc:chgData name="Saadati Fard, Reza" userId="25acf688-aded-4b6f-af4e-29555bb6f857" providerId="ADAL" clId="{CFC7434E-CC70-4044-A267-E6F671BDFB5F}"/>
     <pc:docChg chg="undo custSel addSld delSld modSld sldOrd">
-      <pc:chgData name="Saadati Fard, Reza" userId="25acf688-aded-4b6f-af4e-29555bb6f857" providerId="ADAL" clId="{CFC7434E-CC70-4044-A267-E6F671BDFB5F}" dt="2021-11-05T17:08:16.186" v="1354" actId="1076"/>
+      <pc:chgData name="Saadati Fard, Reza" userId="25acf688-aded-4b6f-af4e-29555bb6f857" providerId="ADAL" clId="{CFC7434E-CC70-4044-A267-E6F671BDFB5F}" dt="2021-11-05T17:14:10.619" v="1356" actId="13926"/>
       <pc:docMkLst>
         <pc:docMk/>
       </pc:docMkLst>
@@ -1705,8 +1704,8 @@
           <pc:sldMk cId="1768836244" sldId="281"/>
         </pc:sldMkLst>
       </pc:sldChg>
-      <pc:sldChg chg="addSp delSp modSp new mod">
-        <pc:chgData name="Saadati Fard, Reza" userId="25acf688-aded-4b6f-af4e-29555bb6f857" providerId="ADAL" clId="{CFC7434E-CC70-4044-A267-E6F671BDFB5F}" dt="2021-11-05T16:28:32.374" v="755" actId="20577"/>
+      <pc:sldChg chg="addSp delSp modSp new del mod">
+        <pc:chgData name="Saadati Fard, Reza" userId="25acf688-aded-4b6f-af4e-29555bb6f857" providerId="ADAL" clId="{CFC7434E-CC70-4044-A267-E6F671BDFB5F}" dt="2021-11-05T17:13:50.884" v="1355" actId="47"/>
         <pc:sldMkLst>
           <pc:docMk/>
           <pc:sldMk cId="2969586006" sldId="282"/>
@@ -1761,7 +1760,7 @@
         </pc:picChg>
       </pc:sldChg>
       <pc:sldChg chg="addSp delSp modSp new mod">
-        <pc:chgData name="Saadati Fard, Reza" userId="25acf688-aded-4b6f-af4e-29555bb6f857" providerId="ADAL" clId="{CFC7434E-CC70-4044-A267-E6F671BDFB5F}" dt="2021-11-05T17:07:08.156" v="1334" actId="404"/>
+        <pc:chgData name="Saadati Fard, Reza" userId="25acf688-aded-4b6f-af4e-29555bb6f857" providerId="ADAL" clId="{CFC7434E-CC70-4044-A267-E6F671BDFB5F}" dt="2021-11-05T17:14:10.619" v="1356" actId="13926"/>
         <pc:sldMkLst>
           <pc:docMk/>
           <pc:sldMk cId="1293296367" sldId="283"/>
@@ -1799,7 +1798,7 @@
           </ac:spMkLst>
         </pc:spChg>
         <pc:graphicFrameChg chg="add mod ord modGraphic">
-          <ac:chgData name="Saadati Fard, Reza" userId="25acf688-aded-4b6f-af4e-29555bb6f857" providerId="ADAL" clId="{CFC7434E-CC70-4044-A267-E6F671BDFB5F}" dt="2021-11-05T17:07:08.156" v="1334" actId="404"/>
+          <ac:chgData name="Saadati Fard, Reza" userId="25acf688-aded-4b6f-af4e-29555bb6f857" providerId="ADAL" clId="{CFC7434E-CC70-4044-A267-E6F671BDFB5F}" dt="2021-11-05T17:14:10.619" v="1356" actId="13926"/>
           <ac:graphicFrameMkLst>
             <pc:docMk/>
             <pc:sldMk cId="1293296367" sldId="283"/>
@@ -7667,183 +7666,6 @@
           <p:cNvPr id="2" name="Title 1">
             <a:extLst>
               <a:ext uri="{FF2B5EF4-FFF2-40B4-BE49-F238E27FC236}">
-                <a16:creationId xmlns:a16="http://schemas.microsoft.com/office/drawing/2014/main" id="{3229548F-299B-46F5-901E-E74801F74283}"/>
-              </a:ext>
-            </a:extLst>
-          </p:cNvPr>
-          <p:cNvSpPr>
-            <a:spLocks noGrp="1"/>
-          </p:cNvSpPr>
-          <p:nvPr>
-            <p:ph type="title"/>
-          </p:nvPr>
-        </p:nvSpPr>
-        <p:spPr/>
-        <p:txBody>
-          <a:bodyPr/>
-          <a:lstStyle/>
-          <a:p>
-            <a:r>
-              <a:rPr lang="en-US" dirty="0"/>
-              <a:t>Num taper 50 – rho=0.2</a:t>
-            </a:r>
-          </a:p>
-        </p:txBody>
-      </p:sp>
-      <p:pic>
-        <p:nvPicPr>
-          <p:cNvPr id="5" name="Content Placeholder 4">
-            <a:extLst>
-              <a:ext uri="{FF2B5EF4-FFF2-40B4-BE49-F238E27FC236}">
-                <a16:creationId xmlns:a16="http://schemas.microsoft.com/office/drawing/2014/main" id="{39D03098-7886-4588-BD7D-9B033F129BA9}"/>
-              </a:ext>
-            </a:extLst>
-          </p:cNvPr>
-          <p:cNvPicPr>
-            <a:picLocks noGrp="1" noChangeAspect="1"/>
-          </p:cNvPicPr>
-          <p:nvPr>
-            <p:ph idx="1"/>
-          </p:nvPr>
-        </p:nvPicPr>
-        <p:blipFill>
-          <a:blip r:embed="rId2"/>
-          <a:stretch>
-            <a:fillRect/>
-          </a:stretch>
-        </p:blipFill>
-        <p:spPr>
-          <a:xfrm>
-            <a:off x="3195108" y="1825625"/>
-            <a:ext cx="5801784" cy="4351338"/>
-          </a:xfrm>
-        </p:spPr>
-      </p:pic>
-      <p:pic>
-        <p:nvPicPr>
-          <p:cNvPr id="7" name="Picture 6">
-            <a:extLst>
-              <a:ext uri="{FF2B5EF4-FFF2-40B4-BE49-F238E27FC236}">
-                <a16:creationId xmlns:a16="http://schemas.microsoft.com/office/drawing/2014/main" id="{2FED82D4-3E37-4DEC-A969-8FFAF6569233}"/>
-              </a:ext>
-            </a:extLst>
-          </p:cNvPr>
-          <p:cNvPicPr>
-            <a:picLocks noChangeAspect="1"/>
-          </p:cNvPicPr>
-          <p:nvPr/>
-        </p:nvPicPr>
-        <p:blipFill>
-          <a:blip r:embed="rId3"/>
-          <a:stretch>
-            <a:fillRect/>
-          </a:stretch>
-        </p:blipFill>
-        <p:spPr>
-          <a:xfrm>
-            <a:off x="3048000" y="1143000"/>
-            <a:ext cx="6096000" cy="4572000"/>
-          </a:xfrm>
-          <a:prstGeom prst="rect">
-            <a:avLst/>
-          </a:prstGeom>
-        </p:spPr>
-      </p:pic>
-      <p:pic>
-        <p:nvPicPr>
-          <p:cNvPr id="9" name="Picture 8">
-            <a:extLst>
-              <a:ext uri="{FF2B5EF4-FFF2-40B4-BE49-F238E27FC236}">
-                <a16:creationId xmlns:a16="http://schemas.microsoft.com/office/drawing/2014/main" id="{E7FADFEB-88F2-42AA-837D-E7FAC0076F06}"/>
-              </a:ext>
-            </a:extLst>
-          </p:cNvPr>
-          <p:cNvPicPr>
-            <a:picLocks noChangeAspect="1"/>
-          </p:cNvPicPr>
-          <p:nvPr/>
-        </p:nvPicPr>
-        <p:blipFill>
-          <a:blip r:embed="rId4"/>
-          <a:stretch>
-            <a:fillRect/>
-          </a:stretch>
-        </p:blipFill>
-        <p:spPr>
-          <a:xfrm>
-            <a:off x="381000" y="2476500"/>
-            <a:ext cx="11430000" cy="1905000"/>
-          </a:xfrm>
-          <a:prstGeom prst="rect">
-            <a:avLst/>
-          </a:prstGeom>
-        </p:spPr>
-      </p:pic>
-      <p:pic>
-        <p:nvPicPr>
-          <p:cNvPr id="11" name="Picture 10">
-            <a:extLst>
-              <a:ext uri="{FF2B5EF4-FFF2-40B4-BE49-F238E27FC236}">
-                <a16:creationId xmlns:a16="http://schemas.microsoft.com/office/drawing/2014/main" id="{E49B9C2A-3616-4C66-86ED-82B63CCDB291}"/>
-              </a:ext>
-            </a:extLst>
-          </p:cNvPr>
-          <p:cNvPicPr>
-            <a:picLocks noChangeAspect="1"/>
-          </p:cNvPicPr>
-          <p:nvPr/>
-        </p:nvPicPr>
-        <p:blipFill>
-          <a:blip r:embed="rId5"/>
-          <a:stretch>
-            <a:fillRect/>
-          </a:stretch>
-        </p:blipFill>
-        <p:spPr>
-          <a:xfrm>
-            <a:off x="3048000" y="1143000"/>
-            <a:ext cx="6096000" cy="4572000"/>
-          </a:xfrm>
-          <a:prstGeom prst="rect">
-            <a:avLst/>
-          </a:prstGeom>
-        </p:spPr>
-      </p:pic>
-    </p:spTree>
-    <p:extLst>
-      <p:ext uri="{BB962C8B-B14F-4D97-AF65-F5344CB8AC3E}">
-        <p14:creationId xmlns:p14="http://schemas.microsoft.com/office/powerpoint/2010/main" val="2969586006"/>
-      </p:ext>
-    </p:extLst>
-  </p:cSld>
-  <p:clrMapOvr>
-    <a:masterClrMapping/>
-  </p:clrMapOvr>
-</p:sld>
-</file>
-
-<file path=ppt/slides/slide25.xml><?xml version="1.0" encoding="utf-8"?>
-<p:sld xmlns:a="http://schemas.openxmlformats.org/drawingml/2006/main" xmlns:r="http://schemas.openxmlformats.org/officeDocument/2006/relationships" xmlns:p="http://schemas.openxmlformats.org/presentationml/2006/main">
-  <p:cSld>
-    <p:spTree>
-      <p:nvGrpSpPr>
-        <p:cNvPr id="1" name=""/>
-        <p:cNvGrpSpPr/>
-        <p:nvPr/>
-      </p:nvGrpSpPr>
-      <p:grpSpPr>
-        <a:xfrm>
-          <a:off x="0" y="0"/>
-          <a:ext cx="0" cy="0"/>
-          <a:chOff x="0" y="0"/>
-          <a:chExt cx="0" cy="0"/>
-        </a:xfrm>
-      </p:grpSpPr>
-      <p:sp>
-        <p:nvSpPr>
-          <p:cNvPr id="2" name="Title 1">
-            <a:extLst>
-              <a:ext uri="{FF2B5EF4-FFF2-40B4-BE49-F238E27FC236}">
                 <a16:creationId xmlns:a16="http://schemas.microsoft.com/office/drawing/2014/main" id="{BB884C28-F866-447C-8B4B-298969DE21DF}"/>
               </a:ext>
             </a:extLst>
@@ -7885,7 +7707,7 @@
                 <p:ph idx="1"/>
                 <p:extLst>
                   <p:ext uri="{D42A27DB-BD31-4B8C-83A1-F6EECF244321}">
-                    <p14:modId xmlns:p14="http://schemas.microsoft.com/office/powerpoint/2010/main" val="1643844345"/>
+                    <p14:modId xmlns:p14="http://schemas.microsoft.com/office/powerpoint/2010/main" val="2536647932"/>
                   </p:ext>
                 </p:extLst>
               </p:nvPr>
@@ -8380,6 +8202,7 @@
                         <a:bodyPr/>
                         <a:lstStyle/>
                         <a:p>
+                          <a:pPr/>
                           <a14:m>
                             <m:oMathPara xmlns:m="http://schemas.openxmlformats.org/officeDocument/2006/math">
                               <m:oMathParaPr>
@@ -8435,6 +8258,7 @@
                         <a:bodyPr/>
                         <a:lstStyle/>
                         <a:p>
+                          <a:pPr/>
                           <a14:m>
                             <m:oMathPara xmlns:m="http://schemas.openxmlformats.org/officeDocument/2006/math">
                               <m:oMathParaPr>
@@ -9852,7 +9676,11 @@
                         <a:lstStyle/>
                         <a:p>
                           <a:r>
-                            <a:rPr lang="en-US" sz="1200" dirty="0"/>
+                            <a:rPr lang="en-US" sz="1200" dirty="0">
+                              <a:highlight>
+                                <a:srgbClr val="FFFF00"/>
+                              </a:highlight>
+                            </a:rPr>
                             <a:t>0.011</a:t>
                           </a:r>
                         </a:p>
@@ -9900,7 +9728,7 @@
                 <p:ph idx="1"/>
                 <p:extLst>
                   <p:ext uri="{D42A27DB-BD31-4B8C-83A1-F6EECF244321}">
-                    <p14:modId xmlns:p14="http://schemas.microsoft.com/office/powerpoint/2010/main" val="1643844345"/>
+                    <p14:modId xmlns:p14="http://schemas.microsoft.com/office/powerpoint/2010/main" val="2536647932"/>
                   </p:ext>
                 </p:extLst>
               </p:nvPr>
@@ -11423,7 +11251,11 @@
                         <a:lstStyle/>
                         <a:p>
                           <a:r>
-                            <a:rPr lang="en-US" sz="1200" dirty="0"/>
+                            <a:rPr lang="en-US" sz="1200" dirty="0">
+                              <a:highlight>
+                                <a:srgbClr val="FFFF00"/>
+                              </a:highlight>
+                            </a:rPr>
                             <a:t>0.011</a:t>
                           </a:r>
                         </a:p>
@@ -11468,7 +11300,7 @@
 </p:sld>
 </file>
 
-<file path=ppt/slides/slide26.xml><?xml version="1.0" encoding="utf-8"?>
+<file path=ppt/slides/slide25.xml><?xml version="1.0" encoding="utf-8"?>
 <p:sld xmlns:a="http://schemas.openxmlformats.org/drawingml/2006/main" xmlns:r="http://schemas.openxmlformats.org/officeDocument/2006/relationships" xmlns:p="http://schemas.openxmlformats.org/presentationml/2006/main">
   <p:cSld>
     <p:spTree>
@@ -11582,7 +11414,7 @@
 </p:sld>
 </file>
 
-<file path=ppt/slides/slide27.xml><?xml version="1.0" encoding="utf-8"?>
+<file path=ppt/slides/slide26.xml><?xml version="1.0" encoding="utf-8"?>
 <p:sld xmlns:a="http://schemas.openxmlformats.org/drawingml/2006/main" xmlns:r="http://schemas.openxmlformats.org/officeDocument/2006/relationships" xmlns:p="http://schemas.openxmlformats.org/presentationml/2006/main">
   <p:cSld>
     <p:spTree>
@@ -11722,7 +11554,7 @@
 </p:sld>
 </file>
 
-<file path=ppt/slides/slide28.xml><?xml version="1.0" encoding="utf-8"?>
+<file path=ppt/slides/slide27.xml><?xml version="1.0" encoding="utf-8"?>
 <p:sld xmlns:a="http://schemas.openxmlformats.org/drawingml/2006/main" xmlns:r="http://schemas.openxmlformats.org/officeDocument/2006/relationships" xmlns:p="http://schemas.openxmlformats.org/presentationml/2006/main">
   <p:cSld>
     <p:spTree>
@@ -11866,7 +11698,7 @@
 </p:sld>
 </file>
 
-<file path=ppt/slides/slide29.xml><?xml version="1.0" encoding="utf-8"?>
+<file path=ppt/slides/slide28.xml><?xml version="1.0" encoding="utf-8"?>
 <p:sld xmlns:a="http://schemas.openxmlformats.org/drawingml/2006/main" xmlns:r="http://schemas.openxmlformats.org/officeDocument/2006/relationships" xmlns:p="http://schemas.openxmlformats.org/presentationml/2006/main">
   <p:cSld>
     <p:spTree>
